--- a/midterm/web slides.pptx
+++ b/midterm/web slides.pptx
@@ -1,32 +1,29 @@
 
 <file path=ppt/presentation.xml><?xml version="1.0" encoding="utf-8"?>
-<p:presentation xmlns:a="http://schemas.openxmlformats.org/drawingml/2006/main" xmlns:r="http://schemas.openxmlformats.org/officeDocument/2006/relationships" xmlns:mc="http://schemas.openxmlformats.org/markup-compatibility/2006" xmlns:mv="urn:schemas-microsoft-com:mac:vml" xmlns:p="http://schemas.openxmlformats.org/presentationml/2006/main" xmlns:c="http://schemas.openxmlformats.org/drawingml/2006/chart" xmlns:dgm="http://schemas.openxmlformats.org/drawingml/2006/diagram" xmlns:o="urn:schemas-microsoft-com:office:office" xmlns:v="urn:schemas-microsoft-com:vml" xmlns:pvml="urn:schemas-microsoft-com:office:powerpoint" xmlns:com="http://schemas.openxmlformats.org/drawingml/2006/compatibility" xmlns:p14="http://schemas.microsoft.com/office/powerpoint/2010/main" xmlns:p15="http://schemas.microsoft.com/office/powerpoint/2012/main" xmlns:ahyp="http://schemas.microsoft.com/office/drawing/2018/hyperlinkcolor" autoCompressPictures="0" embedTrueTypeFonts="1" strictFirstAndLastChars="0" saveSubsetFonts="1">
+<p:presentation xmlns:a="http://schemas.openxmlformats.org/drawingml/2006/main" xmlns:r="http://schemas.openxmlformats.org/officeDocument/2006/relationships" xmlns:p="http://schemas.openxmlformats.org/presentationml/2006/main" strictFirstAndLastChars="0" embedTrueTypeFonts="1" saveSubsetFonts="1" autoCompressPictures="0">
   <p:sldMasterIdLst>
-    <p:sldMasterId id="2147483659" r:id="rId4"/>
+    <p:sldMasterId id="2147483648" r:id="rId1"/>
   </p:sldMasterIdLst>
   <p:notesMasterIdLst>
-    <p:notesMasterId r:id="rId5"/>
+    <p:notesMasterId r:id="rId4"/>
   </p:notesMasterIdLst>
   <p:sldIdLst>
-    <p:sldId id="256" r:id="rId6"/>
-    <p:sldId id="257" r:id="rId7"/>
-    <p:sldId id="258" r:id="rId8"/>
-    <p:sldId id="259" r:id="rId9"/>
-    <p:sldId id="260" r:id="rId10"/>
+    <p:sldId id="256" r:id="rId3"/>
+    <p:sldId id="257" r:id="rId5"/>
+    <p:sldId id="258" r:id="rId6"/>
+    <p:sldId id="259" r:id="rId7"/>
+    <p:sldId id="260" r:id="rId8"/>
   </p:sldIdLst>
-  <p:sldSz cy="5143500" cx="9144000"/>
+  <p:sldSz cx="9144000" cy="5143500"/>
   <p:notesSz cx="6858000" cy="9144000"/>
   <p:embeddedFontLst>
     <p:embeddedFont>
       <p:font typeface="Nunito"/>
-      <p:regular r:id="rId11"/>
-      <p:bold r:id="rId12"/>
-      <p:italic r:id="rId13"/>
-      <p:boldItalic r:id="rId14"/>
+      <p:regular r:id="rId12"/>
     </p:embeddedFont>
   </p:embeddedFontLst>
   <p:defaultTextStyle>
-    <a:defPPr lvl="0" marR="0" rtl="0" algn="l">
+    <a:defPPr marR="0" lvl="0" algn="l" rtl="0">
       <a:lnSpc>
         <a:spcPct val="100000"/>
       </a:lnSpc>
@@ -37,7 +34,7 @@
         <a:spcPts val="0"/>
       </a:spcAft>
     </a:defPPr>
-    <a:lvl1pPr lvl="0" marR="0" rtl="0" algn="l">
+    <a:lvl1pPr marR="0" lvl="0" algn="l" rtl="0">
       <a:lnSpc>
         <a:spcPct val="100000"/>
       </a:lnSpc>
@@ -50,18 +47,18 @@
       <a:buClr>
         <a:srgbClr val="000000"/>
       </a:buClr>
-      <a:buFont typeface="Arial"/>
-      <a:defRPr b="0" i="0" sz="1400" u="none" cap="none" strike="noStrike">
+      <a:buFont typeface="Arial" panose="020B0604020202090204"/>
+      <a:defRPr sz="1400" b="0" i="0" u="none" strike="noStrike" cap="none">
         <a:solidFill>
           <a:srgbClr val="000000"/>
         </a:solidFill>
-        <a:latin typeface="Arial"/>
-        <a:ea typeface="Arial"/>
-        <a:cs typeface="Arial"/>
-        <a:sym typeface="Arial"/>
+        <a:latin typeface="Arial" panose="020B0604020202090204"/>
+        <a:ea typeface="Arial" panose="020B0604020202090204"/>
+        <a:cs typeface="Arial" panose="020B0604020202090204"/>
+        <a:sym typeface="Arial" panose="020B0604020202090204"/>
       </a:defRPr>
     </a:lvl1pPr>
-    <a:lvl2pPr lvl="1" marR="0" rtl="0" algn="l">
+    <a:lvl2pPr marR="0" lvl="1" algn="l" rtl="0">
       <a:lnSpc>
         <a:spcPct val="100000"/>
       </a:lnSpc>
@@ -74,18 +71,18 @@
       <a:buClr>
         <a:srgbClr val="000000"/>
       </a:buClr>
-      <a:buFont typeface="Arial"/>
-      <a:defRPr b="0" i="0" sz="1400" u="none" cap="none" strike="noStrike">
+      <a:buFont typeface="Arial" panose="020B0604020202090204"/>
+      <a:defRPr sz="1400" b="0" i="0" u="none" strike="noStrike" cap="none">
         <a:solidFill>
           <a:srgbClr val="000000"/>
         </a:solidFill>
-        <a:latin typeface="Arial"/>
-        <a:ea typeface="Arial"/>
-        <a:cs typeface="Arial"/>
-        <a:sym typeface="Arial"/>
+        <a:latin typeface="Arial" panose="020B0604020202090204"/>
+        <a:ea typeface="Arial" panose="020B0604020202090204"/>
+        <a:cs typeface="Arial" panose="020B0604020202090204"/>
+        <a:sym typeface="Arial" panose="020B0604020202090204"/>
       </a:defRPr>
     </a:lvl2pPr>
-    <a:lvl3pPr lvl="2" marR="0" rtl="0" algn="l">
+    <a:lvl3pPr marR="0" lvl="2" algn="l" rtl="0">
       <a:lnSpc>
         <a:spcPct val="100000"/>
       </a:lnSpc>
@@ -98,18 +95,18 @@
       <a:buClr>
         <a:srgbClr val="000000"/>
       </a:buClr>
-      <a:buFont typeface="Arial"/>
-      <a:defRPr b="0" i="0" sz="1400" u="none" cap="none" strike="noStrike">
+      <a:buFont typeface="Arial" panose="020B0604020202090204"/>
+      <a:defRPr sz="1400" b="0" i="0" u="none" strike="noStrike" cap="none">
         <a:solidFill>
           <a:srgbClr val="000000"/>
         </a:solidFill>
-        <a:latin typeface="Arial"/>
-        <a:ea typeface="Arial"/>
-        <a:cs typeface="Arial"/>
-        <a:sym typeface="Arial"/>
+        <a:latin typeface="Arial" panose="020B0604020202090204"/>
+        <a:ea typeface="Arial" panose="020B0604020202090204"/>
+        <a:cs typeface="Arial" panose="020B0604020202090204"/>
+        <a:sym typeface="Arial" panose="020B0604020202090204"/>
       </a:defRPr>
     </a:lvl3pPr>
-    <a:lvl4pPr lvl="3" marR="0" rtl="0" algn="l">
+    <a:lvl4pPr marR="0" lvl="3" algn="l" rtl="0">
       <a:lnSpc>
         <a:spcPct val="100000"/>
       </a:lnSpc>
@@ -122,18 +119,18 @@
       <a:buClr>
         <a:srgbClr val="000000"/>
       </a:buClr>
-      <a:buFont typeface="Arial"/>
-      <a:defRPr b="0" i="0" sz="1400" u="none" cap="none" strike="noStrike">
+      <a:buFont typeface="Arial" panose="020B0604020202090204"/>
+      <a:defRPr sz="1400" b="0" i="0" u="none" strike="noStrike" cap="none">
         <a:solidFill>
           <a:srgbClr val="000000"/>
         </a:solidFill>
-        <a:latin typeface="Arial"/>
-        <a:ea typeface="Arial"/>
-        <a:cs typeface="Arial"/>
-        <a:sym typeface="Arial"/>
+        <a:latin typeface="Arial" panose="020B0604020202090204"/>
+        <a:ea typeface="Arial" panose="020B0604020202090204"/>
+        <a:cs typeface="Arial" panose="020B0604020202090204"/>
+        <a:sym typeface="Arial" panose="020B0604020202090204"/>
       </a:defRPr>
     </a:lvl4pPr>
-    <a:lvl5pPr lvl="4" marR="0" rtl="0" algn="l">
+    <a:lvl5pPr marR="0" lvl="4" algn="l" rtl="0">
       <a:lnSpc>
         <a:spcPct val="100000"/>
       </a:lnSpc>
@@ -146,18 +143,18 @@
       <a:buClr>
         <a:srgbClr val="000000"/>
       </a:buClr>
-      <a:buFont typeface="Arial"/>
-      <a:defRPr b="0" i="0" sz="1400" u="none" cap="none" strike="noStrike">
+      <a:buFont typeface="Arial" panose="020B0604020202090204"/>
+      <a:defRPr sz="1400" b="0" i="0" u="none" strike="noStrike" cap="none">
         <a:solidFill>
           <a:srgbClr val="000000"/>
         </a:solidFill>
-        <a:latin typeface="Arial"/>
-        <a:ea typeface="Arial"/>
-        <a:cs typeface="Arial"/>
-        <a:sym typeface="Arial"/>
+        <a:latin typeface="Arial" panose="020B0604020202090204"/>
+        <a:ea typeface="Arial" panose="020B0604020202090204"/>
+        <a:cs typeface="Arial" panose="020B0604020202090204"/>
+        <a:sym typeface="Arial" panose="020B0604020202090204"/>
       </a:defRPr>
     </a:lvl5pPr>
-    <a:lvl6pPr lvl="5" marR="0" rtl="0" algn="l">
+    <a:lvl6pPr marR="0" lvl="5" algn="l" rtl="0">
       <a:lnSpc>
         <a:spcPct val="100000"/>
       </a:lnSpc>
@@ -170,18 +167,18 @@
       <a:buClr>
         <a:srgbClr val="000000"/>
       </a:buClr>
-      <a:buFont typeface="Arial"/>
-      <a:defRPr b="0" i="0" sz="1400" u="none" cap="none" strike="noStrike">
+      <a:buFont typeface="Arial" panose="020B0604020202090204"/>
+      <a:defRPr sz="1400" b="0" i="0" u="none" strike="noStrike" cap="none">
         <a:solidFill>
           <a:srgbClr val="000000"/>
         </a:solidFill>
-        <a:latin typeface="Arial"/>
-        <a:ea typeface="Arial"/>
-        <a:cs typeface="Arial"/>
-        <a:sym typeface="Arial"/>
+        <a:latin typeface="Arial" panose="020B0604020202090204"/>
+        <a:ea typeface="Arial" panose="020B0604020202090204"/>
+        <a:cs typeface="Arial" panose="020B0604020202090204"/>
+        <a:sym typeface="Arial" panose="020B0604020202090204"/>
       </a:defRPr>
     </a:lvl6pPr>
-    <a:lvl7pPr lvl="6" marR="0" rtl="0" algn="l">
+    <a:lvl7pPr marR="0" lvl="6" algn="l" rtl="0">
       <a:lnSpc>
         <a:spcPct val="100000"/>
       </a:lnSpc>
@@ -194,18 +191,18 @@
       <a:buClr>
         <a:srgbClr val="000000"/>
       </a:buClr>
-      <a:buFont typeface="Arial"/>
-      <a:defRPr b="0" i="0" sz="1400" u="none" cap="none" strike="noStrike">
+      <a:buFont typeface="Arial" panose="020B0604020202090204"/>
+      <a:defRPr sz="1400" b="0" i="0" u="none" strike="noStrike" cap="none">
         <a:solidFill>
           <a:srgbClr val="000000"/>
         </a:solidFill>
-        <a:latin typeface="Arial"/>
-        <a:ea typeface="Arial"/>
-        <a:cs typeface="Arial"/>
-        <a:sym typeface="Arial"/>
+        <a:latin typeface="Arial" panose="020B0604020202090204"/>
+        <a:ea typeface="Arial" panose="020B0604020202090204"/>
+        <a:cs typeface="Arial" panose="020B0604020202090204"/>
+        <a:sym typeface="Arial" panose="020B0604020202090204"/>
       </a:defRPr>
     </a:lvl7pPr>
-    <a:lvl8pPr lvl="7" marR="0" rtl="0" algn="l">
+    <a:lvl8pPr marR="0" lvl="7" algn="l" rtl="0">
       <a:lnSpc>
         <a:spcPct val="100000"/>
       </a:lnSpc>
@@ -218,18 +215,18 @@
       <a:buClr>
         <a:srgbClr val="000000"/>
       </a:buClr>
-      <a:buFont typeface="Arial"/>
-      <a:defRPr b="0" i="0" sz="1400" u="none" cap="none" strike="noStrike">
+      <a:buFont typeface="Arial" panose="020B0604020202090204"/>
+      <a:defRPr sz="1400" b="0" i="0" u="none" strike="noStrike" cap="none">
         <a:solidFill>
           <a:srgbClr val="000000"/>
         </a:solidFill>
-        <a:latin typeface="Arial"/>
-        <a:ea typeface="Arial"/>
-        <a:cs typeface="Arial"/>
-        <a:sym typeface="Arial"/>
+        <a:latin typeface="Arial" panose="020B0604020202090204"/>
+        <a:ea typeface="Arial" panose="020B0604020202090204"/>
+        <a:cs typeface="Arial" panose="020B0604020202090204"/>
+        <a:sym typeface="Arial" panose="020B0604020202090204"/>
       </a:defRPr>
     </a:lvl8pPr>
-    <a:lvl9pPr lvl="8" marR="0" rtl="0" algn="l">
+    <a:lvl9pPr marR="0" lvl="8" algn="l" rtl="0">
       <a:lnSpc>
         <a:spcPct val="100000"/>
       </a:lnSpc>
@@ -242,27 +239,27 @@
       <a:buClr>
         <a:srgbClr val="000000"/>
       </a:buClr>
-      <a:buFont typeface="Arial"/>
-      <a:defRPr b="0" i="0" sz="1400" u="none" cap="none" strike="noStrike">
+      <a:buFont typeface="Arial" panose="020B0604020202090204"/>
+      <a:defRPr sz="1400" b="0" i="0" u="none" strike="noStrike" cap="none">
         <a:solidFill>
           <a:srgbClr val="000000"/>
         </a:solidFill>
-        <a:latin typeface="Arial"/>
-        <a:ea typeface="Arial"/>
-        <a:cs typeface="Arial"/>
-        <a:sym typeface="Arial"/>
+        <a:latin typeface="Arial" panose="020B0604020202090204"/>
+        <a:ea typeface="Arial" panose="020B0604020202090204"/>
+        <a:cs typeface="Arial" panose="020B0604020202090204"/>
+        <a:sym typeface="Arial" panose="020B0604020202090204"/>
       </a:defRPr>
     </a:lvl9pPr>
   </p:defaultTextStyle>
   <p:extLst>
     <p:ext uri="{EFAFB233-063F-42B5-8137-9DF3F51BA10A}">
-      <p15:sldGuideLst>
-        <p15:guide id="1" orient="horz" pos="1620">
+      <p15:sldGuideLst xmlns:p15="http://schemas.microsoft.com/office/powerpoint/2012/main">
+        <p15:guide id="1" orient="horz" pos="1620" userDrawn="1">
           <p15:clr>
             <a:srgbClr val="747775"/>
           </p15:clr>
         </p15:guide>
-        <p15:guide id="2" pos="2880">
+        <p15:guide id="2" pos="2880" userDrawn="1">
           <p15:clr>
             <a:srgbClr val="747775"/>
           </p15:clr>
@@ -274,8 +271,13 @@
 </file>
 
 <file path=ppt/notesMasters/notesMaster1.xml><?xml version="1.0" encoding="utf-8"?>
-<p:notesMaster xmlns:a="http://schemas.openxmlformats.org/drawingml/2006/main" xmlns:r="http://schemas.openxmlformats.org/officeDocument/2006/relationships" xmlns:mc="http://schemas.openxmlformats.org/markup-compatibility/2006" xmlns:mv="urn:schemas-microsoft-com:mac:vml" xmlns:p="http://schemas.openxmlformats.org/presentationml/2006/main" xmlns:c="http://schemas.openxmlformats.org/drawingml/2006/chart" xmlns:dgm="http://schemas.openxmlformats.org/drawingml/2006/diagram" xmlns:o="urn:schemas-microsoft-com:office:office" xmlns:v="urn:schemas-microsoft-com:vml" xmlns:pvml="urn:schemas-microsoft-com:office:powerpoint" xmlns:com="http://schemas.openxmlformats.org/drawingml/2006/compatibility" xmlns:p14="http://schemas.microsoft.com/office/powerpoint/2010/main" xmlns:p15="http://schemas.microsoft.com/office/powerpoint/2012/main" xmlns:ahyp="http://schemas.microsoft.com/office/drawing/2018/hyperlinkcolor">
+<p:notesMaster xmlns:a="http://schemas.openxmlformats.org/drawingml/2006/main" xmlns:r="http://schemas.openxmlformats.org/officeDocument/2006/relationships" xmlns:p="http://schemas.openxmlformats.org/presentationml/2006/main">
   <p:cSld>
+    <p:bg>
+      <p:bgRef idx="1001">
+        <a:schemeClr val="bg1"/>
+      </p:bgRef>
+    </p:bg>
     <p:spTree>
       <p:nvGrpSpPr>
         <p:cNvPr id="2" name="Shape 2"/>
@@ -295,7 +297,7 @@
           <p:cNvPr id="3" name="Google Shape;3;n"/>
           <p:cNvSpPr/>
           <p:nvPr>
-            <p:ph idx="2" type="sldImg"/>
+            <p:ph type="sldImg" idx="2"/>
           </p:nvPr>
         </p:nvSpPr>
         <p:spPr>
@@ -304,9 +306,13 @@
             <a:ext cx="6096075" cy="3429000"/>
           </a:xfrm>
           <a:custGeom>
-            <a:rect b="b" l="l" r="r" t="t"/>
+            <a:avLst/>
+            <a:gdLst/>
+            <a:ahLst/>
+            <a:cxnLst/>
+            <a:rect l="l" t="t" r="r" b="b"/>
             <a:pathLst>
-              <a:path extrusionOk="0" h="120000" w="120000">
+              <a:path w="120000" h="120000" extrusionOk="0">
                 <a:moveTo>
                   <a:pt x="0" y="0"/>
                 </a:moveTo>
@@ -324,14 +330,14 @@
             </a:pathLst>
           </a:custGeom>
           <a:noFill/>
-          <a:ln cap="flat" cmpd="sng" w="9525">
+          <a:ln w="9525" cap="flat" cmpd="sng">
             <a:solidFill>
               <a:srgbClr val="000000"/>
             </a:solidFill>
             <a:prstDash val="solid"/>
             <a:round/>
-            <a:headEnd len="sm" w="sm" type="none"/>
-            <a:tailEnd len="sm" w="sm" type="none"/>
+            <a:headEnd type="none" w="sm" len="sm"/>
+            <a:tailEnd type="none" w="sm" len="sm"/>
           </a:ln>
         </p:spPr>
       </p:sp>
@@ -340,7 +346,7 @@
           <p:cNvPr id="4" name="Google Shape;4;n"/>
           <p:cNvSpPr txBox="1"/>
           <p:nvPr>
-            <p:ph idx="1" type="body"/>
+            <p:ph type="body" idx="1"/>
           </p:nvPr>
         </p:nvSpPr>
         <p:spPr>
@@ -357,11 +363,11 @@
           </a:ln>
         </p:spPr>
         <p:txBody>
-          <a:bodyPr anchorCtr="0" anchor="t" bIns="91425" lIns="91425" spcFirstLastPara="1" rIns="91425" wrap="square" tIns="91425">
+          <a:bodyPr spcFirstLastPara="1" wrap="square" lIns="91425" tIns="91425" rIns="91425" bIns="91425" anchor="t" anchorCtr="0">
             <a:noAutofit/>
           </a:bodyPr>
           <a:lstStyle>
-            <a:lvl1pPr indent="-298450" lvl="0" marL="457200">
+            <a:lvl1pPr marL="457200" lvl="0" indent="-298450">
               <a:spcBef>
                 <a:spcPts val="0"/>
               </a:spcBef>
@@ -372,7 +378,7 @@
               <a:buChar char="●"/>
               <a:defRPr sz="1100"/>
             </a:lvl1pPr>
-            <a:lvl2pPr indent="-298450" lvl="1" marL="914400">
+            <a:lvl2pPr marL="914400" lvl="1" indent="-298450">
               <a:spcBef>
                 <a:spcPts val="0"/>
               </a:spcBef>
@@ -383,7 +389,7 @@
               <a:buChar char="○"/>
               <a:defRPr sz="1100"/>
             </a:lvl2pPr>
-            <a:lvl3pPr indent="-298450" lvl="2" marL="1371600">
+            <a:lvl3pPr marL="1371600" lvl="2" indent="-298450">
               <a:spcBef>
                 <a:spcPts val="0"/>
               </a:spcBef>
@@ -394,7 +400,7 @@
               <a:buChar char="■"/>
               <a:defRPr sz="1100"/>
             </a:lvl3pPr>
-            <a:lvl4pPr indent="-298450" lvl="3" marL="1828800">
+            <a:lvl4pPr marL="1828800" lvl="3" indent="-298450">
               <a:spcBef>
                 <a:spcPts val="0"/>
               </a:spcBef>
@@ -405,7 +411,7 @@
               <a:buChar char="●"/>
               <a:defRPr sz="1100"/>
             </a:lvl4pPr>
-            <a:lvl5pPr indent="-298450" lvl="4" marL="2286000">
+            <a:lvl5pPr marL="2286000" lvl="4" indent="-298450">
               <a:spcBef>
                 <a:spcPts val="0"/>
               </a:spcBef>
@@ -416,7 +422,7 @@
               <a:buChar char="○"/>
               <a:defRPr sz="1100"/>
             </a:lvl5pPr>
-            <a:lvl6pPr indent="-298450" lvl="5" marL="2743200">
+            <a:lvl6pPr marL="2743200" lvl="5" indent="-298450">
               <a:spcBef>
                 <a:spcPts val="0"/>
               </a:spcBef>
@@ -427,7 +433,7 @@
               <a:buChar char="■"/>
               <a:defRPr sz="1100"/>
             </a:lvl6pPr>
-            <a:lvl7pPr indent="-298450" lvl="6" marL="3200400">
+            <a:lvl7pPr marL="3200400" lvl="6" indent="-298450">
               <a:spcBef>
                 <a:spcPts val="0"/>
               </a:spcBef>
@@ -438,7 +444,7 @@
               <a:buChar char="●"/>
               <a:defRPr sz="1100"/>
             </a:lvl7pPr>
-            <a:lvl8pPr indent="-298450" lvl="7" marL="3657600">
+            <a:lvl8pPr marL="3657600" lvl="7" indent="-298450">
               <a:spcBef>
                 <a:spcPts val="0"/>
               </a:spcBef>
@@ -449,7 +455,7 @@
               <a:buChar char="○"/>
               <a:defRPr sz="1100"/>
             </a:lvl8pPr>
-            <a:lvl9pPr indent="-298450" lvl="8" marL="4114800">
+            <a:lvl9pPr marL="4114800" lvl="8" indent="-298450">
               <a:spcBef>
                 <a:spcPts val="0"/>
               </a:spcBef>
@@ -466,9 +472,9 @@
       </p:sp>
     </p:spTree>
   </p:cSld>
-  <p:clrMap accent1="accent1" accent2="accent2" accent3="accent3" accent4="accent4" accent5="accent5" accent6="accent6" bg1="lt1" bg2="dk2" tx1="dk1" tx2="lt2" folHlink="folHlink" hlink="hlink"/>
+  <p:clrMap bg1="lt1" tx1="dk1" bg2="dk2" tx2="lt2" accent1="accent1" accent2="accent2" accent3="accent3" accent4="accent4" accent5="accent5" accent6="accent6" hlink="hlink" folHlink="folHlink"/>
   <p:notesStyle>
-    <a:defPPr lvl="0" marR="0" rtl="0" algn="l">
+    <a:defPPr marR="0" lvl="0" algn="l" rtl="0">
       <a:lnSpc>
         <a:spcPct val="100000"/>
       </a:lnSpc>
@@ -479,7 +485,7 @@
         <a:spcPts val="0"/>
       </a:spcAft>
     </a:defPPr>
-    <a:lvl1pPr lvl="0" marR="0" rtl="0" algn="l">
+    <a:lvl1pPr marR="0" lvl="0" algn="l" rtl="0">
       <a:lnSpc>
         <a:spcPct val="100000"/>
       </a:lnSpc>
@@ -492,18 +498,18 @@
       <a:buClr>
         <a:srgbClr val="000000"/>
       </a:buClr>
-      <a:buFont typeface="Arial"/>
-      <a:defRPr b="0" i="0" sz="1400" u="none" cap="none" strike="noStrike">
+      <a:buFont typeface="Arial" panose="020B0604020202090204"/>
+      <a:defRPr sz="1400" b="0" i="0" u="none" strike="noStrike" cap="none">
         <a:solidFill>
           <a:srgbClr val="000000"/>
         </a:solidFill>
-        <a:latin typeface="Arial"/>
-        <a:ea typeface="Arial"/>
-        <a:cs typeface="Arial"/>
-        <a:sym typeface="Arial"/>
+        <a:latin typeface="Arial" panose="020B0604020202090204"/>
+        <a:ea typeface="Arial" panose="020B0604020202090204"/>
+        <a:cs typeface="Arial" panose="020B0604020202090204"/>
+        <a:sym typeface="Arial" panose="020B0604020202090204"/>
       </a:defRPr>
     </a:lvl1pPr>
-    <a:lvl2pPr lvl="1" marR="0" rtl="0" algn="l">
+    <a:lvl2pPr marR="0" lvl="1" algn="l" rtl="0">
       <a:lnSpc>
         <a:spcPct val="100000"/>
       </a:lnSpc>
@@ -516,18 +522,18 @@
       <a:buClr>
         <a:srgbClr val="000000"/>
       </a:buClr>
-      <a:buFont typeface="Arial"/>
-      <a:defRPr b="0" i="0" sz="1400" u="none" cap="none" strike="noStrike">
+      <a:buFont typeface="Arial" panose="020B0604020202090204"/>
+      <a:defRPr sz="1400" b="0" i="0" u="none" strike="noStrike" cap="none">
         <a:solidFill>
           <a:srgbClr val="000000"/>
         </a:solidFill>
-        <a:latin typeface="Arial"/>
-        <a:ea typeface="Arial"/>
-        <a:cs typeface="Arial"/>
-        <a:sym typeface="Arial"/>
+        <a:latin typeface="Arial" panose="020B0604020202090204"/>
+        <a:ea typeface="Arial" panose="020B0604020202090204"/>
+        <a:cs typeface="Arial" panose="020B0604020202090204"/>
+        <a:sym typeface="Arial" panose="020B0604020202090204"/>
       </a:defRPr>
     </a:lvl2pPr>
-    <a:lvl3pPr lvl="2" marR="0" rtl="0" algn="l">
+    <a:lvl3pPr marR="0" lvl="2" algn="l" rtl="0">
       <a:lnSpc>
         <a:spcPct val="100000"/>
       </a:lnSpc>
@@ -540,18 +546,18 @@
       <a:buClr>
         <a:srgbClr val="000000"/>
       </a:buClr>
-      <a:buFont typeface="Arial"/>
-      <a:defRPr b="0" i="0" sz="1400" u="none" cap="none" strike="noStrike">
+      <a:buFont typeface="Arial" panose="020B0604020202090204"/>
+      <a:defRPr sz="1400" b="0" i="0" u="none" strike="noStrike" cap="none">
         <a:solidFill>
           <a:srgbClr val="000000"/>
         </a:solidFill>
-        <a:latin typeface="Arial"/>
-        <a:ea typeface="Arial"/>
-        <a:cs typeface="Arial"/>
-        <a:sym typeface="Arial"/>
+        <a:latin typeface="Arial" panose="020B0604020202090204"/>
+        <a:ea typeface="Arial" panose="020B0604020202090204"/>
+        <a:cs typeface="Arial" panose="020B0604020202090204"/>
+        <a:sym typeface="Arial" panose="020B0604020202090204"/>
       </a:defRPr>
     </a:lvl3pPr>
-    <a:lvl4pPr lvl="3" marR="0" rtl="0" algn="l">
+    <a:lvl4pPr marR="0" lvl="3" algn="l" rtl="0">
       <a:lnSpc>
         <a:spcPct val="100000"/>
       </a:lnSpc>
@@ -564,18 +570,18 @@
       <a:buClr>
         <a:srgbClr val="000000"/>
       </a:buClr>
-      <a:buFont typeface="Arial"/>
-      <a:defRPr b="0" i="0" sz="1400" u="none" cap="none" strike="noStrike">
+      <a:buFont typeface="Arial" panose="020B0604020202090204"/>
+      <a:defRPr sz="1400" b="0" i="0" u="none" strike="noStrike" cap="none">
         <a:solidFill>
           <a:srgbClr val="000000"/>
         </a:solidFill>
-        <a:latin typeface="Arial"/>
-        <a:ea typeface="Arial"/>
-        <a:cs typeface="Arial"/>
-        <a:sym typeface="Arial"/>
+        <a:latin typeface="Arial" panose="020B0604020202090204"/>
+        <a:ea typeface="Arial" panose="020B0604020202090204"/>
+        <a:cs typeface="Arial" panose="020B0604020202090204"/>
+        <a:sym typeface="Arial" panose="020B0604020202090204"/>
       </a:defRPr>
     </a:lvl4pPr>
-    <a:lvl5pPr lvl="4" marR="0" rtl="0" algn="l">
+    <a:lvl5pPr marR="0" lvl="4" algn="l" rtl="0">
       <a:lnSpc>
         <a:spcPct val="100000"/>
       </a:lnSpc>
@@ -588,18 +594,18 @@
       <a:buClr>
         <a:srgbClr val="000000"/>
       </a:buClr>
-      <a:buFont typeface="Arial"/>
-      <a:defRPr b="0" i="0" sz="1400" u="none" cap="none" strike="noStrike">
+      <a:buFont typeface="Arial" panose="020B0604020202090204"/>
+      <a:defRPr sz="1400" b="0" i="0" u="none" strike="noStrike" cap="none">
         <a:solidFill>
           <a:srgbClr val="000000"/>
         </a:solidFill>
-        <a:latin typeface="Arial"/>
-        <a:ea typeface="Arial"/>
-        <a:cs typeface="Arial"/>
-        <a:sym typeface="Arial"/>
+        <a:latin typeface="Arial" panose="020B0604020202090204"/>
+        <a:ea typeface="Arial" panose="020B0604020202090204"/>
+        <a:cs typeface="Arial" panose="020B0604020202090204"/>
+        <a:sym typeface="Arial" panose="020B0604020202090204"/>
       </a:defRPr>
     </a:lvl5pPr>
-    <a:lvl6pPr lvl="5" marR="0" rtl="0" algn="l">
+    <a:lvl6pPr marR="0" lvl="5" algn="l" rtl="0">
       <a:lnSpc>
         <a:spcPct val="100000"/>
       </a:lnSpc>
@@ -612,18 +618,18 @@
       <a:buClr>
         <a:srgbClr val="000000"/>
       </a:buClr>
-      <a:buFont typeface="Arial"/>
-      <a:defRPr b="0" i="0" sz="1400" u="none" cap="none" strike="noStrike">
+      <a:buFont typeface="Arial" panose="020B0604020202090204"/>
+      <a:defRPr sz="1400" b="0" i="0" u="none" strike="noStrike" cap="none">
         <a:solidFill>
           <a:srgbClr val="000000"/>
         </a:solidFill>
-        <a:latin typeface="Arial"/>
-        <a:ea typeface="Arial"/>
-        <a:cs typeface="Arial"/>
-        <a:sym typeface="Arial"/>
+        <a:latin typeface="Arial" panose="020B0604020202090204"/>
+        <a:ea typeface="Arial" panose="020B0604020202090204"/>
+        <a:cs typeface="Arial" panose="020B0604020202090204"/>
+        <a:sym typeface="Arial" panose="020B0604020202090204"/>
       </a:defRPr>
     </a:lvl6pPr>
-    <a:lvl7pPr lvl="6" marR="0" rtl="0" algn="l">
+    <a:lvl7pPr marR="0" lvl="6" algn="l" rtl="0">
       <a:lnSpc>
         <a:spcPct val="100000"/>
       </a:lnSpc>
@@ -636,18 +642,18 @@
       <a:buClr>
         <a:srgbClr val="000000"/>
       </a:buClr>
-      <a:buFont typeface="Arial"/>
-      <a:defRPr b="0" i="0" sz="1400" u="none" cap="none" strike="noStrike">
+      <a:buFont typeface="Arial" panose="020B0604020202090204"/>
+      <a:defRPr sz="1400" b="0" i="0" u="none" strike="noStrike" cap="none">
         <a:solidFill>
           <a:srgbClr val="000000"/>
         </a:solidFill>
-        <a:latin typeface="Arial"/>
-        <a:ea typeface="Arial"/>
-        <a:cs typeface="Arial"/>
-        <a:sym typeface="Arial"/>
+        <a:latin typeface="Arial" panose="020B0604020202090204"/>
+        <a:ea typeface="Arial" panose="020B0604020202090204"/>
+        <a:cs typeface="Arial" panose="020B0604020202090204"/>
+        <a:sym typeface="Arial" panose="020B0604020202090204"/>
       </a:defRPr>
     </a:lvl7pPr>
-    <a:lvl8pPr lvl="7" marR="0" rtl="0" algn="l">
+    <a:lvl8pPr marR="0" lvl="7" algn="l" rtl="0">
       <a:lnSpc>
         <a:spcPct val="100000"/>
       </a:lnSpc>
@@ -660,18 +666,18 @@
       <a:buClr>
         <a:srgbClr val="000000"/>
       </a:buClr>
-      <a:buFont typeface="Arial"/>
-      <a:defRPr b="0" i="0" sz="1400" u="none" cap="none" strike="noStrike">
+      <a:buFont typeface="Arial" panose="020B0604020202090204"/>
+      <a:defRPr sz="1400" b="0" i="0" u="none" strike="noStrike" cap="none">
         <a:solidFill>
           <a:srgbClr val="000000"/>
         </a:solidFill>
-        <a:latin typeface="Arial"/>
-        <a:ea typeface="Arial"/>
-        <a:cs typeface="Arial"/>
-        <a:sym typeface="Arial"/>
+        <a:latin typeface="Arial" panose="020B0604020202090204"/>
+        <a:ea typeface="Arial" panose="020B0604020202090204"/>
+        <a:cs typeface="Arial" panose="020B0604020202090204"/>
+        <a:sym typeface="Arial" panose="020B0604020202090204"/>
       </a:defRPr>
     </a:lvl8pPr>
-    <a:lvl9pPr lvl="8" marR="0" rtl="0" algn="l">
+    <a:lvl9pPr marR="0" lvl="8" algn="l" rtl="0">
       <a:lnSpc>
         <a:spcPct val="100000"/>
       </a:lnSpc>
@@ -684,15 +690,15 @@
       <a:buClr>
         <a:srgbClr val="000000"/>
       </a:buClr>
-      <a:buFont typeface="Arial"/>
-      <a:defRPr b="0" i="0" sz="1400" u="none" cap="none" strike="noStrike">
+      <a:buFont typeface="Arial" panose="020B0604020202090204"/>
+      <a:defRPr sz="1400" b="0" i="0" u="none" strike="noStrike" cap="none">
         <a:solidFill>
           <a:srgbClr val="000000"/>
         </a:solidFill>
-        <a:latin typeface="Arial"/>
-        <a:ea typeface="Arial"/>
-        <a:cs typeface="Arial"/>
-        <a:sym typeface="Arial"/>
+        <a:latin typeface="Arial" panose="020B0604020202090204"/>
+        <a:ea typeface="Arial" panose="020B0604020202090204"/>
+        <a:cs typeface="Arial" panose="020B0604020202090204"/>
+        <a:sym typeface="Arial" panose="020B0604020202090204"/>
       </a:defRPr>
     </a:lvl9pPr>
   </p:notesStyle>
@@ -700,7 +706,7 @@
 </file>
 
 <file path=ppt/notesSlides/notesSlide1.xml><?xml version="1.0" encoding="utf-8"?>
-<p:notes xmlns:a="http://schemas.openxmlformats.org/drawingml/2006/main" xmlns:r="http://schemas.openxmlformats.org/officeDocument/2006/relationships" xmlns:mc="http://schemas.openxmlformats.org/markup-compatibility/2006" xmlns:mv="urn:schemas-microsoft-com:mac:vml" xmlns:p="http://schemas.openxmlformats.org/presentationml/2006/main" xmlns:c="http://schemas.openxmlformats.org/drawingml/2006/chart" xmlns:dgm="http://schemas.openxmlformats.org/drawingml/2006/diagram" xmlns:o="urn:schemas-microsoft-com:office:office" xmlns:v="urn:schemas-microsoft-com:vml" xmlns:pvml="urn:schemas-microsoft-com:office:powerpoint" xmlns:com="http://schemas.openxmlformats.org/drawingml/2006/compatibility" xmlns:p14="http://schemas.microsoft.com/office/powerpoint/2010/main" xmlns:p15="http://schemas.microsoft.com/office/powerpoint/2012/main" xmlns:ahyp="http://schemas.microsoft.com/office/drawing/2018/hyperlinkcolor" showMasterPhAnim="0" showMasterSp="0">
+<p:notes xmlns:a="http://schemas.openxmlformats.org/drawingml/2006/main" xmlns:r="http://schemas.openxmlformats.org/officeDocument/2006/relationships" xmlns:p="http://schemas.openxmlformats.org/presentationml/2006/main" showMasterPhAnim="0" showMasterSp="0">
   <p:cSld>
     <p:spTree>
       <p:nvGrpSpPr>
@@ -721,7 +727,7 @@
           <p:cNvPr id="125" name="Google Shape;125;p:notes"/>
           <p:cNvSpPr/>
           <p:nvPr>
-            <p:ph idx="2" type="sldImg"/>
+            <p:ph type="sldImg" idx="2"/>
           </p:nvPr>
         </p:nvSpPr>
         <p:spPr>
@@ -730,9 +736,13 @@
             <a:ext cx="6096075" cy="3429000"/>
           </a:xfrm>
           <a:custGeom>
-            <a:rect b="b" l="l" r="r" t="t"/>
+            <a:avLst/>
+            <a:gdLst/>
+            <a:ahLst/>
+            <a:cxnLst/>
+            <a:rect l="l" t="t" r="r" b="b"/>
             <a:pathLst>
-              <a:path extrusionOk="0" h="120000" w="120000">
+              <a:path w="120000" h="120000" extrusionOk="0">
                 <a:moveTo>
                   <a:pt x="0" y="0"/>
                 </a:moveTo>
@@ -756,7 +766,7 @@
           <p:cNvPr id="126" name="Google Shape;126;p:notes"/>
           <p:cNvSpPr txBox="1"/>
           <p:nvPr>
-            <p:ph idx="1" type="body"/>
+            <p:ph type="body" idx="1"/>
           </p:nvPr>
         </p:nvSpPr>
         <p:spPr>
@@ -769,12 +779,12 @@
           </a:prstGeom>
         </p:spPr>
         <p:txBody>
-          <a:bodyPr anchorCtr="0" anchor="t" bIns="91425" lIns="91425" spcFirstLastPara="1" rIns="91425" wrap="square" tIns="91425">
+          <a:bodyPr spcFirstLastPara="1" wrap="square" lIns="91425" tIns="91425" rIns="91425" bIns="91425" anchor="t" anchorCtr="0">
             <a:noAutofit/>
           </a:bodyPr>
           <a:lstStyle/>
           <a:p>
-            <a:pPr indent="0" lvl="0" marL="0" rtl="0" algn="l">
+            <a:pPr marL="0" lvl="0" indent="0" algn="l" rtl="0">
               <a:spcBef>
                 <a:spcPts val="0"/>
               </a:spcBef>
@@ -783,10 +793,6 @@
               </a:spcAft>
               <a:buNone/>
             </a:pPr>
-            <a:r>
-              <a:t/>
-            </a:r>
-            <a:endParaRPr/>
           </a:p>
         </p:txBody>
       </p:sp>
@@ -799,7 +805,7 @@
 </file>
 
 <file path=ppt/notesSlides/notesSlide2.xml><?xml version="1.0" encoding="utf-8"?>
-<p:notes xmlns:a="http://schemas.openxmlformats.org/drawingml/2006/main" xmlns:r="http://schemas.openxmlformats.org/officeDocument/2006/relationships" xmlns:mc="http://schemas.openxmlformats.org/markup-compatibility/2006" xmlns:mv="urn:schemas-microsoft-com:mac:vml" xmlns:p="http://schemas.openxmlformats.org/presentationml/2006/main" xmlns:c="http://schemas.openxmlformats.org/drawingml/2006/chart" xmlns:dgm="http://schemas.openxmlformats.org/drawingml/2006/diagram" xmlns:o="urn:schemas-microsoft-com:office:office" xmlns:v="urn:schemas-microsoft-com:vml" xmlns:pvml="urn:schemas-microsoft-com:office:powerpoint" xmlns:com="http://schemas.openxmlformats.org/drawingml/2006/compatibility" xmlns:p14="http://schemas.microsoft.com/office/powerpoint/2010/main" xmlns:p15="http://schemas.microsoft.com/office/powerpoint/2012/main" xmlns:ahyp="http://schemas.microsoft.com/office/drawing/2018/hyperlinkcolor" showMasterPhAnim="0" showMasterSp="0">
+<p:notes xmlns:a="http://schemas.openxmlformats.org/drawingml/2006/main" xmlns:r="http://schemas.openxmlformats.org/officeDocument/2006/relationships" xmlns:p="http://schemas.openxmlformats.org/presentationml/2006/main" showMasterPhAnim="0" showMasterSp="0">
   <p:cSld>
     <p:spTree>
       <p:nvGrpSpPr>
@@ -820,7 +826,7 @@
           <p:cNvPr id="131" name="Google Shape;131;g30d0f0301ae_0_390:notes"/>
           <p:cNvSpPr/>
           <p:nvPr>
-            <p:ph idx="2" type="sldImg"/>
+            <p:ph type="sldImg" idx="2"/>
           </p:nvPr>
         </p:nvSpPr>
         <p:spPr>
@@ -829,9 +835,13 @@
             <a:ext cx="6096000" cy="3429000"/>
           </a:xfrm>
           <a:custGeom>
-            <a:rect b="b" l="l" r="r" t="t"/>
+            <a:avLst/>
+            <a:gdLst/>
+            <a:ahLst/>
+            <a:cxnLst/>
+            <a:rect l="l" t="t" r="r" b="b"/>
             <a:pathLst>
-              <a:path extrusionOk="0" h="120000" w="120000">
+              <a:path w="120000" h="120000" extrusionOk="0">
                 <a:moveTo>
                   <a:pt x="0" y="0"/>
                 </a:moveTo>
@@ -855,7 +865,7 @@
           <p:cNvPr id="132" name="Google Shape;132;g30d0f0301ae_0_390:notes"/>
           <p:cNvSpPr txBox="1"/>
           <p:nvPr>
-            <p:ph idx="1" type="body"/>
+            <p:ph type="body" idx="1"/>
           </p:nvPr>
         </p:nvSpPr>
         <p:spPr>
@@ -868,12 +878,12 @@
           </a:prstGeom>
         </p:spPr>
         <p:txBody>
-          <a:bodyPr anchorCtr="0" anchor="t" bIns="91425" lIns="91425" spcFirstLastPara="1" rIns="91425" wrap="square" tIns="91425">
+          <a:bodyPr spcFirstLastPara="1" wrap="square" lIns="91425" tIns="91425" rIns="91425" bIns="91425" anchor="t" anchorCtr="0">
             <a:noAutofit/>
           </a:bodyPr>
           <a:lstStyle/>
           <a:p>
-            <a:pPr indent="0" lvl="0" marL="0" rtl="0" algn="l">
+            <a:pPr marL="0" lvl="0" indent="0" algn="l" rtl="0">
               <a:spcBef>
                 <a:spcPts val="0"/>
               </a:spcBef>
@@ -882,10 +892,6 @@
               </a:spcAft>
               <a:buNone/>
             </a:pPr>
-            <a:r>
-              <a:t/>
-            </a:r>
-            <a:endParaRPr/>
           </a:p>
         </p:txBody>
       </p:sp>
@@ -898,7 +904,7 @@
 </file>
 
 <file path=ppt/notesSlides/notesSlide3.xml><?xml version="1.0" encoding="utf-8"?>
-<p:notes xmlns:a="http://schemas.openxmlformats.org/drawingml/2006/main" xmlns:r="http://schemas.openxmlformats.org/officeDocument/2006/relationships" xmlns:mc="http://schemas.openxmlformats.org/markup-compatibility/2006" xmlns:mv="urn:schemas-microsoft-com:mac:vml" xmlns:p="http://schemas.openxmlformats.org/presentationml/2006/main" xmlns:c="http://schemas.openxmlformats.org/drawingml/2006/chart" xmlns:dgm="http://schemas.openxmlformats.org/drawingml/2006/diagram" xmlns:o="urn:schemas-microsoft-com:office:office" xmlns:v="urn:schemas-microsoft-com:vml" xmlns:pvml="urn:schemas-microsoft-com:office:powerpoint" xmlns:com="http://schemas.openxmlformats.org/drawingml/2006/compatibility" xmlns:p14="http://schemas.microsoft.com/office/powerpoint/2010/main" xmlns:p15="http://schemas.microsoft.com/office/powerpoint/2012/main" xmlns:ahyp="http://schemas.microsoft.com/office/drawing/2018/hyperlinkcolor" showMasterPhAnim="0" showMasterSp="0">
+<p:notes xmlns:a="http://schemas.openxmlformats.org/drawingml/2006/main" xmlns:r="http://schemas.openxmlformats.org/officeDocument/2006/relationships" xmlns:p="http://schemas.openxmlformats.org/presentationml/2006/main" showMasterPhAnim="0" showMasterSp="0">
   <p:cSld>
     <p:spTree>
       <p:nvGrpSpPr>
@@ -919,7 +925,7 @@
           <p:cNvPr id="137" name="Google Shape;137;g30d5d68264b_0_2:notes"/>
           <p:cNvSpPr/>
           <p:nvPr>
-            <p:ph idx="2" type="sldImg"/>
+            <p:ph type="sldImg" idx="2"/>
           </p:nvPr>
         </p:nvSpPr>
         <p:spPr>
@@ -928,9 +934,13 @@
             <a:ext cx="6096000" cy="3429000"/>
           </a:xfrm>
           <a:custGeom>
-            <a:rect b="b" l="l" r="r" t="t"/>
+            <a:avLst/>
+            <a:gdLst/>
+            <a:ahLst/>
+            <a:cxnLst/>
+            <a:rect l="l" t="t" r="r" b="b"/>
             <a:pathLst>
-              <a:path extrusionOk="0" h="120000" w="120000">
+              <a:path w="120000" h="120000" extrusionOk="0">
                 <a:moveTo>
                   <a:pt x="0" y="0"/>
                 </a:moveTo>
@@ -954,7 +964,7 @@
           <p:cNvPr id="138" name="Google Shape;138;g30d5d68264b_0_2:notes"/>
           <p:cNvSpPr txBox="1"/>
           <p:nvPr>
-            <p:ph idx="1" type="body"/>
+            <p:ph type="body" idx="1"/>
           </p:nvPr>
         </p:nvSpPr>
         <p:spPr>
@@ -967,12 +977,12 @@
           </a:prstGeom>
         </p:spPr>
         <p:txBody>
-          <a:bodyPr anchorCtr="0" anchor="t" bIns="91425" lIns="91425" spcFirstLastPara="1" rIns="91425" wrap="square" tIns="91425">
+          <a:bodyPr spcFirstLastPara="1" wrap="square" lIns="91425" tIns="91425" rIns="91425" bIns="91425" anchor="t" anchorCtr="0">
             <a:noAutofit/>
           </a:bodyPr>
           <a:lstStyle/>
           <a:p>
-            <a:pPr indent="0" lvl="0" marL="0" rtl="0" algn="l">
+            <a:pPr marL="0" lvl="0" indent="0" algn="l" rtl="0">
               <a:spcBef>
                 <a:spcPts val="0"/>
               </a:spcBef>
@@ -981,10 +991,6 @@
               </a:spcAft>
               <a:buNone/>
             </a:pPr>
-            <a:r>
-              <a:t/>
-            </a:r>
-            <a:endParaRPr/>
           </a:p>
         </p:txBody>
       </p:sp>
@@ -997,7 +1003,7 @@
 </file>
 
 <file path=ppt/notesSlides/notesSlide4.xml><?xml version="1.0" encoding="utf-8"?>
-<p:notes xmlns:a="http://schemas.openxmlformats.org/drawingml/2006/main" xmlns:r="http://schemas.openxmlformats.org/officeDocument/2006/relationships" xmlns:mc="http://schemas.openxmlformats.org/markup-compatibility/2006" xmlns:mv="urn:schemas-microsoft-com:mac:vml" xmlns:p="http://schemas.openxmlformats.org/presentationml/2006/main" xmlns:c="http://schemas.openxmlformats.org/drawingml/2006/chart" xmlns:dgm="http://schemas.openxmlformats.org/drawingml/2006/diagram" xmlns:o="urn:schemas-microsoft-com:office:office" xmlns:v="urn:schemas-microsoft-com:vml" xmlns:pvml="urn:schemas-microsoft-com:office:powerpoint" xmlns:com="http://schemas.openxmlformats.org/drawingml/2006/compatibility" xmlns:p14="http://schemas.microsoft.com/office/powerpoint/2010/main" xmlns:p15="http://schemas.microsoft.com/office/powerpoint/2012/main" xmlns:ahyp="http://schemas.microsoft.com/office/drawing/2018/hyperlinkcolor" showMasterPhAnim="0" showMasterSp="0">
+<p:notes xmlns:a="http://schemas.openxmlformats.org/drawingml/2006/main" xmlns:r="http://schemas.openxmlformats.org/officeDocument/2006/relationships" xmlns:p="http://schemas.openxmlformats.org/presentationml/2006/main" showMasterPhAnim="0" showMasterSp="0">
   <p:cSld>
     <p:spTree>
       <p:nvGrpSpPr>
@@ -1018,7 +1024,7 @@
           <p:cNvPr id="145" name="Google Shape;145;g30d0f0301ae_0_395:notes"/>
           <p:cNvSpPr/>
           <p:nvPr>
-            <p:ph idx="2" type="sldImg"/>
+            <p:ph type="sldImg" idx="2"/>
           </p:nvPr>
         </p:nvSpPr>
         <p:spPr>
@@ -1027,9 +1033,13 @@
             <a:ext cx="6096000" cy="3429000"/>
           </a:xfrm>
           <a:custGeom>
-            <a:rect b="b" l="l" r="r" t="t"/>
+            <a:avLst/>
+            <a:gdLst/>
+            <a:ahLst/>
+            <a:cxnLst/>
+            <a:rect l="l" t="t" r="r" b="b"/>
             <a:pathLst>
-              <a:path extrusionOk="0" h="120000" w="120000">
+              <a:path w="120000" h="120000" extrusionOk="0">
                 <a:moveTo>
                   <a:pt x="0" y="0"/>
                 </a:moveTo>
@@ -1053,7 +1063,7 @@
           <p:cNvPr id="146" name="Google Shape;146;g30d0f0301ae_0_395:notes"/>
           <p:cNvSpPr txBox="1"/>
           <p:nvPr>
-            <p:ph idx="1" type="body"/>
+            <p:ph type="body" idx="1"/>
           </p:nvPr>
         </p:nvSpPr>
         <p:spPr>
@@ -1066,12 +1076,12 @@
           </a:prstGeom>
         </p:spPr>
         <p:txBody>
-          <a:bodyPr anchorCtr="0" anchor="t" bIns="91425" lIns="91425" spcFirstLastPara="1" rIns="91425" wrap="square" tIns="91425">
+          <a:bodyPr spcFirstLastPara="1" wrap="square" lIns="91425" tIns="91425" rIns="91425" bIns="91425" anchor="t" anchorCtr="0">
             <a:noAutofit/>
           </a:bodyPr>
           <a:lstStyle/>
           <a:p>
-            <a:pPr indent="0" lvl="0" marL="0" rtl="0" algn="l">
+            <a:pPr marL="0" lvl="0" indent="0" algn="l" rtl="0">
               <a:spcBef>
                 <a:spcPts val="0"/>
               </a:spcBef>
@@ -1080,10 +1090,6 @@
               </a:spcAft>
               <a:buNone/>
             </a:pPr>
-            <a:r>
-              <a:t/>
-            </a:r>
-            <a:endParaRPr/>
           </a:p>
         </p:txBody>
       </p:sp>
@@ -1096,7 +1102,7 @@
 </file>
 
 <file path=ppt/notesSlides/notesSlide5.xml><?xml version="1.0" encoding="utf-8"?>
-<p:notes xmlns:a="http://schemas.openxmlformats.org/drawingml/2006/main" xmlns:r="http://schemas.openxmlformats.org/officeDocument/2006/relationships" xmlns:mc="http://schemas.openxmlformats.org/markup-compatibility/2006" xmlns:mv="urn:schemas-microsoft-com:mac:vml" xmlns:p="http://schemas.openxmlformats.org/presentationml/2006/main" xmlns:c="http://schemas.openxmlformats.org/drawingml/2006/chart" xmlns:dgm="http://schemas.openxmlformats.org/drawingml/2006/diagram" xmlns:o="urn:schemas-microsoft-com:office:office" xmlns:v="urn:schemas-microsoft-com:vml" xmlns:pvml="urn:schemas-microsoft-com:office:powerpoint" xmlns:com="http://schemas.openxmlformats.org/drawingml/2006/compatibility" xmlns:p14="http://schemas.microsoft.com/office/powerpoint/2010/main" xmlns:p15="http://schemas.microsoft.com/office/powerpoint/2012/main" xmlns:ahyp="http://schemas.microsoft.com/office/drawing/2018/hyperlinkcolor" showMasterPhAnim="0" showMasterSp="0">
+<p:notes xmlns:a="http://schemas.openxmlformats.org/drawingml/2006/main" xmlns:r="http://schemas.openxmlformats.org/officeDocument/2006/relationships" xmlns:p="http://schemas.openxmlformats.org/presentationml/2006/main" showMasterPhAnim="0" showMasterSp="0">
   <p:cSld>
     <p:spTree>
       <p:nvGrpSpPr>
@@ -1117,7 +1123,7 @@
           <p:cNvPr id="150" name="Google Shape;150;g30d5d68264b_0_17:notes"/>
           <p:cNvSpPr/>
           <p:nvPr>
-            <p:ph idx="2" type="sldImg"/>
+            <p:ph type="sldImg" idx="2"/>
           </p:nvPr>
         </p:nvSpPr>
         <p:spPr>
@@ -1126,9 +1132,13 @@
             <a:ext cx="6096000" cy="3429000"/>
           </a:xfrm>
           <a:custGeom>
-            <a:rect b="b" l="l" r="r" t="t"/>
+            <a:avLst/>
+            <a:gdLst/>
+            <a:ahLst/>
+            <a:cxnLst/>
+            <a:rect l="l" t="t" r="r" b="b"/>
             <a:pathLst>
-              <a:path extrusionOk="0" h="120000" w="120000">
+              <a:path w="120000" h="120000" extrusionOk="0">
                 <a:moveTo>
                   <a:pt x="0" y="0"/>
                 </a:moveTo>
@@ -1152,7 +1162,7 @@
           <p:cNvPr id="151" name="Google Shape;151;g30d5d68264b_0_17:notes"/>
           <p:cNvSpPr txBox="1"/>
           <p:nvPr>
-            <p:ph idx="1" type="body"/>
+            <p:ph type="body" idx="1"/>
           </p:nvPr>
         </p:nvSpPr>
         <p:spPr>
@@ -1165,12 +1175,12 @@
           </a:prstGeom>
         </p:spPr>
         <p:txBody>
-          <a:bodyPr anchorCtr="0" anchor="t" bIns="91425" lIns="91425" spcFirstLastPara="1" rIns="91425" wrap="square" tIns="91425">
+          <a:bodyPr spcFirstLastPara="1" wrap="square" lIns="91425" tIns="91425" rIns="91425" bIns="91425" anchor="t" anchorCtr="0">
             <a:noAutofit/>
           </a:bodyPr>
           <a:lstStyle/>
           <a:p>
-            <a:pPr indent="0" lvl="0" marL="0" rtl="0" algn="l">
+            <a:pPr marL="0" lvl="0" indent="0" algn="l" rtl="0">
               <a:spcBef>
                 <a:spcPts val="0"/>
               </a:spcBef>
@@ -1179,10 +1189,6 @@
               </a:spcAft>
               <a:buNone/>
             </a:pPr>
-            <a:r>
-              <a:t/>
-            </a:r>
-            <a:endParaRPr/>
           </a:p>
         </p:txBody>
       </p:sp>
@@ -1195,13 +1201,14 @@
 </file>
 
 <file path=ppt/slideLayouts/slideLayout1.xml><?xml version="1.0" encoding="utf-8"?>
-<p:sldLayout xmlns:a="http://schemas.openxmlformats.org/drawingml/2006/main" xmlns:r="http://schemas.openxmlformats.org/officeDocument/2006/relationships" xmlns:mc="http://schemas.openxmlformats.org/markup-compatibility/2006" xmlns:mv="urn:schemas-microsoft-com:mac:vml" xmlns:p="http://schemas.openxmlformats.org/presentationml/2006/main" xmlns:c="http://schemas.openxmlformats.org/drawingml/2006/chart" xmlns:dgm="http://schemas.openxmlformats.org/drawingml/2006/diagram" xmlns:o="urn:schemas-microsoft-com:office:office" xmlns:v="urn:schemas-microsoft-com:vml" xmlns:pvml="urn:schemas-microsoft-com:office:powerpoint" xmlns:com="http://schemas.openxmlformats.org/drawingml/2006/compatibility" xmlns:p14="http://schemas.microsoft.com/office/powerpoint/2010/main" xmlns:p15="http://schemas.microsoft.com/office/powerpoint/2012/main" xmlns:ahyp="http://schemas.microsoft.com/office/drawing/2018/hyperlinkcolor" matchingName="Title slide" type="title">
+<p:sldLayout xmlns:a="http://schemas.openxmlformats.org/drawingml/2006/main" xmlns:r="http://schemas.openxmlformats.org/officeDocument/2006/relationships" xmlns:p="http://schemas.openxmlformats.org/presentationml/2006/main" type="title" matchingName="Title slide">
   <p:cSld name="TITLE">
     <p:bg>
       <p:bgPr>
         <a:solidFill>
           <a:schemeClr val="accent6"/>
         </a:solidFill>
+        <a:effectLst/>
       </p:bgPr>
     </p:bg>
     <p:spTree>
@@ -1240,12 +1247,12 @@
           </a:ln>
         </p:spPr>
         <p:txBody>
-          <a:bodyPr anchorCtr="0" anchor="ctr" bIns="91425" lIns="91425" spcFirstLastPara="1" rIns="91425" wrap="square" tIns="91425">
+          <a:bodyPr spcFirstLastPara="1" wrap="square" lIns="91425" tIns="91425" rIns="91425" bIns="91425" anchor="ctr" anchorCtr="0">
             <a:noAutofit/>
           </a:bodyPr>
           <a:lstStyle/>
           <a:p>
-            <a:pPr indent="0" lvl="0" marL="0" rtl="0" algn="l">
+            <a:pPr marL="0" lvl="0" indent="0" algn="l" rtl="0">
               <a:spcBef>
                 <a:spcPts val="0"/>
               </a:spcBef>
@@ -1254,10 +1261,6 @@
               </a:spcAft>
               <a:buNone/>
             </a:pPr>
-            <a:r>
-              <a:t/>
-            </a:r>
-            <a:endParaRPr/>
           </a:p>
         </p:txBody>
       </p:sp>
@@ -1283,12 +1286,12 @@
           </a:ln>
         </p:spPr>
         <p:txBody>
-          <a:bodyPr anchorCtr="0" anchor="ctr" bIns="91425" lIns="91425" spcFirstLastPara="1" rIns="91425" wrap="square" tIns="91425">
+          <a:bodyPr spcFirstLastPara="1" wrap="square" lIns="91425" tIns="91425" rIns="91425" bIns="91425" anchor="ctr" anchorCtr="0">
             <a:noAutofit/>
           </a:bodyPr>
           <a:lstStyle/>
           <a:p>
-            <a:pPr indent="0" lvl="0" marL="0" rtl="0" algn="l">
+            <a:pPr marL="0" lvl="0" indent="0" algn="l" rtl="0">
               <a:spcBef>
                 <a:spcPts val="0"/>
               </a:spcBef>
@@ -1297,10 +1300,6 @@
               </a:spcAft>
               <a:buNone/>
             </a:pPr>
-            <a:r>
-              <a:t/>
-            </a:r>
-            <a:endParaRPr/>
           </a:p>
         </p:txBody>
       </p:sp>
@@ -1326,12 +1325,12 @@
           </a:ln>
         </p:spPr>
         <p:txBody>
-          <a:bodyPr anchorCtr="0" anchor="ctr" bIns="91425" lIns="91425" spcFirstLastPara="1" rIns="91425" wrap="square" tIns="91425">
+          <a:bodyPr spcFirstLastPara="1" wrap="square" lIns="91425" tIns="91425" rIns="91425" bIns="91425" anchor="ctr" anchorCtr="0">
             <a:noAutofit/>
           </a:bodyPr>
           <a:lstStyle/>
           <a:p>
-            <a:pPr indent="0" lvl="0" marL="0" rtl="0" algn="l">
+            <a:pPr marL="0" lvl="0" indent="0" algn="l" rtl="0">
               <a:spcBef>
                 <a:spcPts val="0"/>
               </a:spcBef>
@@ -1340,10 +1339,6 @@
               </a:spcAft>
               <a:buNone/>
             </a:pPr>
-            <a:r>
-              <a:t/>
-            </a:r>
-            <a:endParaRPr/>
           </a:p>
         </p:txBody>
       </p:sp>
@@ -1368,7 +1363,7 @@
             <a:noFill/>
           </a:ln>
           <a:effectLst>
-            <a:outerShdw blurRad="228600" sx="101000" rotWithShape="0" algn="ctr" sy="101000">
+            <a:outerShdw blurRad="228600" sx="101000" sy="101000" algn="ctr" rotWithShape="0">
               <a:srgbClr val="000000">
                 <a:alpha val="40000"/>
               </a:srgbClr>
@@ -1376,12 +1371,12 @@
           </a:effectLst>
         </p:spPr>
         <p:txBody>
-          <a:bodyPr anchorCtr="0" anchor="ctr" bIns="91425" lIns="91425" spcFirstLastPara="1" rIns="91425" wrap="square" tIns="91425">
+          <a:bodyPr spcFirstLastPara="1" wrap="square" lIns="91425" tIns="91425" rIns="91425" bIns="91425" anchor="ctr" anchorCtr="0">
             <a:noAutofit/>
           </a:bodyPr>
           <a:lstStyle/>
           <a:p>
-            <a:pPr indent="0" lvl="0" marL="0" rtl="0" algn="l">
+            <a:pPr marL="0" lvl="0" indent="0" algn="l" rtl="0">
               <a:spcBef>
                 <a:spcPts val="0"/>
               </a:spcBef>
@@ -1390,10 +1385,6 @@
               </a:spcAft>
               <a:buNone/>
             </a:pPr>
-            <a:r>
-              <a:t/>
-            </a:r>
-            <a:endParaRPr/>
           </a:p>
         </p:txBody>
       </p:sp>
@@ -1424,7 +1415,7 @@
             </a:xfrm>
             <a:prstGeom prst="parallelogram">
               <a:avLst>
-                <a:gd fmla="val 153193" name="adj"/>
+                <a:gd name="adj" fmla="val 153193"/>
               </a:avLst>
             </a:prstGeom>
             <a:solidFill>
@@ -1435,12 +1426,12 @@
             </a:ln>
           </p:spPr>
           <p:txBody>
-            <a:bodyPr anchorCtr="0" anchor="ctr" bIns="91425" lIns="91425" spcFirstLastPara="1" rIns="91425" wrap="square" tIns="91425">
+            <a:bodyPr spcFirstLastPara="1" wrap="square" lIns="91425" tIns="91425" rIns="91425" bIns="91425" anchor="ctr" anchorCtr="0">
               <a:noAutofit/>
             </a:bodyPr>
             <a:lstStyle/>
             <a:p>
-              <a:pPr indent="0" lvl="0" marL="0" rtl="0" algn="l">
+              <a:pPr marL="0" lvl="0" indent="0" algn="l" rtl="0">
                 <a:spcBef>
                   <a:spcPts val="0"/>
                 </a:spcBef>
@@ -1449,10 +1440,6 @@
                 </a:spcAft>
                 <a:buNone/>
               </a:pPr>
-              <a:r>
-                <a:t/>
-              </a:r>
-              <a:endParaRPr/>
             </a:p>
           </p:txBody>
         </p:sp>
@@ -1469,7 +1456,7 @@
             </a:xfrm>
             <a:prstGeom prst="parallelogram">
               <a:avLst>
-                <a:gd fmla="val 153193" name="adj"/>
+                <a:gd name="adj" fmla="val 153193"/>
               </a:avLst>
             </a:prstGeom>
             <a:solidFill>
@@ -1480,12 +1467,12 @@
             </a:ln>
           </p:spPr>
           <p:txBody>
-            <a:bodyPr anchorCtr="0" anchor="ctr" bIns="91425" lIns="91425" spcFirstLastPara="1" rIns="91425" wrap="square" tIns="91425">
+            <a:bodyPr spcFirstLastPara="1" wrap="square" lIns="91425" tIns="91425" rIns="91425" bIns="91425" anchor="ctr" anchorCtr="0">
               <a:noAutofit/>
             </a:bodyPr>
             <a:lstStyle/>
             <a:p>
-              <a:pPr indent="0" lvl="0" marL="0" rtl="0" algn="l">
+              <a:pPr marL="0" lvl="0" indent="0" algn="l" rtl="0">
                 <a:spcBef>
                   <a:spcPts val="0"/>
                 </a:spcBef>
@@ -1494,10 +1481,6 @@
                 </a:spcAft>
                 <a:buNone/>
               </a:pPr>
-              <a:r>
-                <a:t/>
-              </a:r>
-              <a:endParaRPr/>
             </a:p>
           </p:txBody>
         </p:sp>
@@ -1514,7 +1497,7 @@
             </a:xfrm>
             <a:prstGeom prst="parallelogram">
               <a:avLst>
-                <a:gd fmla="val 153193" name="adj"/>
+                <a:gd name="adj" fmla="val 153193"/>
               </a:avLst>
             </a:prstGeom>
             <a:solidFill>
@@ -1525,12 +1508,12 @@
             </a:ln>
           </p:spPr>
           <p:txBody>
-            <a:bodyPr anchorCtr="0" anchor="ctr" bIns="91425" lIns="91425" spcFirstLastPara="1" rIns="91425" wrap="square" tIns="91425">
+            <a:bodyPr spcFirstLastPara="1" wrap="square" lIns="91425" tIns="91425" rIns="91425" bIns="91425" anchor="ctr" anchorCtr="0">
               <a:noAutofit/>
             </a:bodyPr>
             <a:lstStyle/>
             <a:p>
-              <a:pPr indent="0" lvl="0" marL="0" rtl="0" algn="l">
+              <a:pPr marL="0" lvl="0" indent="0" algn="l" rtl="0">
                 <a:spcBef>
                   <a:spcPts val="0"/>
                 </a:spcBef>
@@ -1539,10 +1522,6 @@
                 </a:spcAft>
                 <a:buNone/>
               </a:pPr>
-              <a:r>
-                <a:t/>
-              </a:r>
-              <a:endParaRPr/>
             </a:p>
           </p:txBody>
         </p:sp>
@@ -1574,7 +1553,7 @@
             </a:xfrm>
             <a:prstGeom prst="parallelogram">
               <a:avLst>
-                <a:gd fmla="val 153193" name="adj"/>
+                <a:gd name="adj" fmla="val 153193"/>
               </a:avLst>
             </a:prstGeom>
             <a:solidFill>
@@ -1585,12 +1564,12 @@
             </a:ln>
           </p:spPr>
           <p:txBody>
-            <a:bodyPr anchorCtr="0" anchor="ctr" bIns="91425" lIns="91425" spcFirstLastPara="1" rIns="91425" wrap="square" tIns="91425">
+            <a:bodyPr spcFirstLastPara="1" wrap="square" lIns="91425" tIns="91425" rIns="91425" bIns="91425" anchor="ctr" anchorCtr="0">
               <a:noAutofit/>
             </a:bodyPr>
             <a:lstStyle/>
             <a:p>
-              <a:pPr indent="0" lvl="0" marL="0" rtl="0" algn="l">
+              <a:pPr marL="0" lvl="0" indent="0" algn="l" rtl="0">
                 <a:spcBef>
                   <a:spcPts val="0"/>
                 </a:spcBef>
@@ -1599,10 +1578,6 @@
                 </a:spcAft>
                 <a:buNone/>
               </a:pPr>
-              <a:r>
-                <a:t/>
-              </a:r>
-              <a:endParaRPr/>
             </a:p>
           </p:txBody>
         </p:sp>
@@ -1619,7 +1594,7 @@
             </a:xfrm>
             <a:prstGeom prst="parallelogram">
               <a:avLst>
-                <a:gd fmla="val 153193" name="adj"/>
+                <a:gd name="adj" fmla="val 153193"/>
               </a:avLst>
             </a:prstGeom>
             <a:solidFill>
@@ -1630,12 +1605,12 @@
             </a:ln>
           </p:spPr>
           <p:txBody>
-            <a:bodyPr anchorCtr="0" anchor="ctr" bIns="91425" lIns="91425" spcFirstLastPara="1" rIns="91425" wrap="square" tIns="91425">
+            <a:bodyPr spcFirstLastPara="1" wrap="square" lIns="91425" tIns="91425" rIns="91425" bIns="91425" anchor="ctr" anchorCtr="0">
               <a:noAutofit/>
             </a:bodyPr>
             <a:lstStyle/>
             <a:p>
-              <a:pPr indent="0" lvl="0" marL="0" rtl="0" algn="l">
+              <a:pPr marL="0" lvl="0" indent="0" algn="l" rtl="0">
                 <a:spcBef>
                   <a:spcPts val="0"/>
                 </a:spcBef>
@@ -1644,10 +1619,6 @@
                 </a:spcAft>
                 <a:buNone/>
               </a:pPr>
-              <a:r>
-                <a:t/>
-              </a:r>
-              <a:endParaRPr/>
             </a:p>
           </p:txBody>
         </p:sp>
@@ -1664,7 +1635,7 @@
             </a:xfrm>
             <a:prstGeom prst="parallelogram">
               <a:avLst>
-                <a:gd fmla="val 153193" name="adj"/>
+                <a:gd name="adj" fmla="val 153193"/>
               </a:avLst>
             </a:prstGeom>
             <a:solidFill>
@@ -1675,12 +1646,12 @@
             </a:ln>
           </p:spPr>
           <p:txBody>
-            <a:bodyPr anchorCtr="0" anchor="ctr" bIns="91425" lIns="91425" spcFirstLastPara="1" rIns="91425" wrap="square" tIns="91425">
+            <a:bodyPr spcFirstLastPara="1" wrap="square" lIns="91425" tIns="91425" rIns="91425" bIns="91425" anchor="ctr" anchorCtr="0">
               <a:noAutofit/>
             </a:bodyPr>
             <a:lstStyle/>
             <a:p>
-              <a:pPr indent="0" lvl="0" marL="0" rtl="0" algn="l">
+              <a:pPr marL="0" lvl="0" indent="0" algn="l" rtl="0">
                 <a:spcBef>
                   <a:spcPts val="0"/>
                 </a:spcBef>
@@ -1689,10 +1660,6 @@
                 </a:spcAft>
                 <a:buNone/>
               </a:pPr>
-              <a:r>
-                <a:t/>
-              </a:r>
-              <a:endParaRPr/>
             </a:p>
           </p:txBody>
         </p:sp>
@@ -1724,7 +1691,7 @@
             </a:xfrm>
             <a:prstGeom prst="parallelogram">
               <a:avLst>
-                <a:gd fmla="val 158024" name="adj"/>
+                <a:gd name="adj" fmla="val 158024"/>
               </a:avLst>
             </a:prstGeom>
             <a:solidFill>
@@ -1735,12 +1702,12 @@
             </a:ln>
           </p:spPr>
           <p:txBody>
-            <a:bodyPr anchorCtr="0" anchor="ctr" bIns="91425" lIns="91425" spcFirstLastPara="1" rIns="91425" wrap="square" tIns="91425">
+            <a:bodyPr spcFirstLastPara="1" wrap="square" lIns="91425" tIns="91425" rIns="91425" bIns="91425" anchor="ctr" anchorCtr="0">
               <a:noAutofit/>
             </a:bodyPr>
             <a:lstStyle/>
             <a:p>
-              <a:pPr indent="0" lvl="0" marL="0" rtl="0" algn="l">
+              <a:pPr marL="0" lvl="0" indent="0" algn="l" rtl="0">
                 <a:spcBef>
                   <a:spcPts val="0"/>
                 </a:spcBef>
@@ -1749,10 +1716,6 @@
                 </a:spcAft>
                 <a:buNone/>
               </a:pPr>
-              <a:r>
-                <a:t/>
-              </a:r>
-              <a:endParaRPr/>
             </a:p>
           </p:txBody>
         </p:sp>
@@ -1769,7 +1732,7 @@
             </a:xfrm>
             <a:prstGeom prst="parallelogram">
               <a:avLst>
-                <a:gd fmla="val 158024" name="adj"/>
+                <a:gd name="adj" fmla="val 158024"/>
               </a:avLst>
             </a:prstGeom>
             <a:solidFill>
@@ -1780,12 +1743,12 @@
             </a:ln>
           </p:spPr>
           <p:txBody>
-            <a:bodyPr anchorCtr="0" anchor="ctr" bIns="91425" lIns="91425" spcFirstLastPara="1" rIns="91425" wrap="square" tIns="91425">
+            <a:bodyPr spcFirstLastPara="1" wrap="square" lIns="91425" tIns="91425" rIns="91425" bIns="91425" anchor="ctr" anchorCtr="0">
               <a:noAutofit/>
             </a:bodyPr>
             <a:lstStyle/>
             <a:p>
-              <a:pPr indent="0" lvl="0" marL="0" rtl="0" algn="l">
+              <a:pPr marL="0" lvl="0" indent="0" algn="l" rtl="0">
                 <a:spcBef>
                   <a:spcPts val="0"/>
                 </a:spcBef>
@@ -1794,10 +1757,6 @@
                 </a:spcAft>
                 <a:buNone/>
               </a:pPr>
-              <a:r>
-                <a:t/>
-              </a:r>
-              <a:endParaRPr/>
             </a:p>
           </p:txBody>
         </p:sp>
@@ -1814,7 +1773,7 @@
             </a:xfrm>
             <a:prstGeom prst="parallelogram">
               <a:avLst>
-                <a:gd fmla="val 158024" name="adj"/>
+                <a:gd name="adj" fmla="val 158024"/>
               </a:avLst>
             </a:prstGeom>
             <a:solidFill>
@@ -1825,12 +1784,12 @@
             </a:ln>
           </p:spPr>
           <p:txBody>
-            <a:bodyPr anchorCtr="0" anchor="ctr" bIns="91425" lIns="91425" spcFirstLastPara="1" rIns="91425" wrap="square" tIns="91425">
+            <a:bodyPr spcFirstLastPara="1" wrap="square" lIns="91425" tIns="91425" rIns="91425" bIns="91425" anchor="ctr" anchorCtr="0">
               <a:noAutofit/>
             </a:bodyPr>
             <a:lstStyle/>
             <a:p>
-              <a:pPr indent="0" lvl="0" marL="0" rtl="0" algn="l">
+              <a:pPr marL="0" lvl="0" indent="0" algn="l" rtl="0">
                 <a:spcBef>
                   <a:spcPts val="0"/>
                 </a:spcBef>
@@ -1839,10 +1798,6 @@
                 </a:spcAft>
                 <a:buNone/>
               </a:pPr>
-              <a:r>
-                <a:t/>
-              </a:r>
-              <a:endParaRPr/>
             </a:p>
           </p:txBody>
         </p:sp>
@@ -1874,7 +1829,7 @@
             </a:xfrm>
             <a:prstGeom prst="parallelogram">
               <a:avLst>
-                <a:gd fmla="val 158024" name="adj"/>
+                <a:gd name="adj" fmla="val 158024"/>
               </a:avLst>
             </a:prstGeom>
             <a:solidFill>
@@ -1885,12 +1840,12 @@
             </a:ln>
           </p:spPr>
           <p:txBody>
-            <a:bodyPr anchorCtr="0" anchor="ctr" bIns="91425" lIns="91425" spcFirstLastPara="1" rIns="91425" wrap="square" tIns="91425">
+            <a:bodyPr spcFirstLastPara="1" wrap="square" lIns="91425" tIns="91425" rIns="91425" bIns="91425" anchor="ctr" anchorCtr="0">
               <a:noAutofit/>
             </a:bodyPr>
             <a:lstStyle/>
             <a:p>
-              <a:pPr indent="0" lvl="0" marL="0" rtl="0" algn="l">
+              <a:pPr marL="0" lvl="0" indent="0" algn="l" rtl="0">
                 <a:spcBef>
                   <a:spcPts val="0"/>
                 </a:spcBef>
@@ -1899,10 +1854,6 @@
                 </a:spcAft>
                 <a:buNone/>
               </a:pPr>
-              <a:r>
-                <a:t/>
-              </a:r>
-              <a:endParaRPr/>
             </a:p>
           </p:txBody>
         </p:sp>
@@ -1919,7 +1870,7 @@
             </a:xfrm>
             <a:prstGeom prst="parallelogram">
               <a:avLst>
-                <a:gd fmla="val 158024" name="adj"/>
+                <a:gd name="adj" fmla="val 158024"/>
               </a:avLst>
             </a:prstGeom>
             <a:solidFill>
@@ -1930,12 +1881,12 @@
             </a:ln>
           </p:spPr>
           <p:txBody>
-            <a:bodyPr anchorCtr="0" anchor="ctr" bIns="91425" lIns="91425" spcFirstLastPara="1" rIns="91425" wrap="square" tIns="91425">
+            <a:bodyPr spcFirstLastPara="1" wrap="square" lIns="91425" tIns="91425" rIns="91425" bIns="91425" anchor="ctr" anchorCtr="0">
               <a:noAutofit/>
             </a:bodyPr>
             <a:lstStyle/>
             <a:p>
-              <a:pPr indent="0" lvl="0" marL="0" rtl="0" algn="l">
+              <a:pPr marL="0" lvl="0" indent="0" algn="l" rtl="0">
                 <a:spcBef>
                   <a:spcPts val="0"/>
                 </a:spcBef>
@@ -1944,10 +1895,6 @@
                 </a:spcAft>
                 <a:buNone/>
               </a:pPr>
-              <a:r>
-                <a:t/>
-              </a:r>
-              <a:endParaRPr/>
             </a:p>
           </p:txBody>
         </p:sp>
@@ -1964,7 +1911,7 @@
             </a:xfrm>
             <a:prstGeom prst="parallelogram">
               <a:avLst>
-                <a:gd fmla="val 158024" name="adj"/>
+                <a:gd name="adj" fmla="val 158024"/>
               </a:avLst>
             </a:prstGeom>
             <a:solidFill>
@@ -1975,12 +1922,12 @@
             </a:ln>
           </p:spPr>
           <p:txBody>
-            <a:bodyPr anchorCtr="0" anchor="ctr" bIns="91425" lIns="91425" spcFirstLastPara="1" rIns="91425" wrap="square" tIns="91425">
+            <a:bodyPr spcFirstLastPara="1" wrap="square" lIns="91425" tIns="91425" rIns="91425" bIns="91425" anchor="ctr" anchorCtr="0">
               <a:noAutofit/>
             </a:bodyPr>
             <a:lstStyle/>
             <a:p>
-              <a:pPr indent="0" lvl="0" marL="0" rtl="0" algn="l">
+              <a:pPr marL="0" lvl="0" indent="0" algn="l" rtl="0">
                 <a:spcBef>
                   <a:spcPts val="0"/>
                 </a:spcBef>
@@ -1989,10 +1936,6 @@
                 </a:spcAft>
                 <a:buNone/>
               </a:pPr>
-              <a:r>
-                <a:t/>
-              </a:r>
-              <a:endParaRPr/>
             </a:p>
           </p:txBody>
         </p:sp>
@@ -2024,7 +1967,7 @@
             </a:xfrm>
             <a:prstGeom prst="parallelogram">
               <a:avLst>
-                <a:gd fmla="val 158024" name="adj"/>
+                <a:gd name="adj" fmla="val 158024"/>
               </a:avLst>
             </a:prstGeom>
             <a:solidFill>
@@ -2035,12 +1978,12 @@
             </a:ln>
           </p:spPr>
           <p:txBody>
-            <a:bodyPr anchorCtr="0" anchor="ctr" bIns="91425" lIns="91425" spcFirstLastPara="1" rIns="91425" wrap="square" tIns="91425">
+            <a:bodyPr spcFirstLastPara="1" wrap="square" lIns="91425" tIns="91425" rIns="91425" bIns="91425" anchor="ctr" anchorCtr="0">
               <a:noAutofit/>
             </a:bodyPr>
             <a:lstStyle/>
             <a:p>
-              <a:pPr indent="0" lvl="0" marL="0" rtl="0" algn="l">
+              <a:pPr marL="0" lvl="0" indent="0" algn="l" rtl="0">
                 <a:spcBef>
                   <a:spcPts val="0"/>
                 </a:spcBef>
@@ -2049,10 +1992,6 @@
                 </a:spcAft>
                 <a:buNone/>
               </a:pPr>
-              <a:r>
-                <a:t/>
-              </a:r>
-              <a:endParaRPr/>
             </a:p>
           </p:txBody>
         </p:sp>
@@ -2069,7 +2008,7 @@
             </a:xfrm>
             <a:prstGeom prst="parallelogram">
               <a:avLst>
-                <a:gd fmla="val 158024" name="adj"/>
+                <a:gd name="adj" fmla="val 158024"/>
               </a:avLst>
             </a:prstGeom>
             <a:solidFill>
@@ -2080,12 +2019,12 @@
             </a:ln>
           </p:spPr>
           <p:txBody>
-            <a:bodyPr anchorCtr="0" anchor="ctr" bIns="91425" lIns="91425" spcFirstLastPara="1" rIns="91425" wrap="square" tIns="91425">
+            <a:bodyPr spcFirstLastPara="1" wrap="square" lIns="91425" tIns="91425" rIns="91425" bIns="91425" anchor="ctr" anchorCtr="0">
               <a:noAutofit/>
             </a:bodyPr>
             <a:lstStyle/>
             <a:p>
-              <a:pPr indent="0" lvl="0" marL="0" rtl="0" algn="l">
+              <a:pPr marL="0" lvl="0" indent="0" algn="l" rtl="0">
                 <a:spcBef>
                   <a:spcPts val="0"/>
                 </a:spcBef>
@@ -2094,10 +2033,6 @@
                 </a:spcAft>
                 <a:buNone/>
               </a:pPr>
-              <a:r>
-                <a:t/>
-              </a:r>
-              <a:endParaRPr/>
             </a:p>
           </p:txBody>
         </p:sp>
@@ -2114,7 +2049,7 @@
             </a:xfrm>
             <a:prstGeom prst="parallelogram">
               <a:avLst>
-                <a:gd fmla="val 158024" name="adj"/>
+                <a:gd name="adj" fmla="val 158024"/>
               </a:avLst>
             </a:prstGeom>
             <a:solidFill>
@@ -2125,12 +2060,12 @@
             </a:ln>
           </p:spPr>
           <p:txBody>
-            <a:bodyPr anchorCtr="0" anchor="ctr" bIns="91425" lIns="91425" spcFirstLastPara="1" rIns="91425" wrap="square" tIns="91425">
+            <a:bodyPr spcFirstLastPara="1" wrap="square" lIns="91425" tIns="91425" rIns="91425" bIns="91425" anchor="ctr" anchorCtr="0">
               <a:noAutofit/>
             </a:bodyPr>
             <a:lstStyle/>
             <a:p>
-              <a:pPr indent="0" lvl="0" marL="0" rtl="0" algn="l">
+              <a:pPr marL="0" lvl="0" indent="0" algn="l" rtl="0">
                 <a:spcBef>
                   <a:spcPts val="0"/>
                 </a:spcBef>
@@ -2139,10 +2074,6 @@
                 </a:spcAft>
                 <a:buNone/>
               </a:pPr>
-              <a:r>
-                <a:t/>
-              </a:r>
-              <a:endParaRPr/>
             </a:p>
           </p:txBody>
         </p:sp>
@@ -2165,7 +2096,7 @@
           </a:prstGeom>
         </p:spPr>
         <p:txBody>
-          <a:bodyPr anchorCtr="0" anchor="ctr" bIns="91425" lIns="91425" spcFirstLastPara="1" rIns="91425" wrap="square" tIns="91425">
+          <a:bodyPr spcFirstLastPara="1" wrap="square" lIns="91425" tIns="91425" rIns="91425" bIns="91425" anchor="ctr" anchorCtr="0">
             <a:normAutofit/>
           </a:bodyPr>
           <a:lstStyle>
@@ -2277,7 +2208,7 @@
           <p:cNvPr id="35" name="Google Shape;35;p2"/>
           <p:cNvSpPr txBox="1"/>
           <p:nvPr>
-            <p:ph idx="1" type="subTitle"/>
+            <p:ph type="subTitle" idx="1"/>
           </p:nvPr>
         </p:nvSpPr>
         <p:spPr>
@@ -2290,7 +2221,7 @@
           </a:prstGeom>
         </p:spPr>
         <p:txBody>
-          <a:bodyPr anchorCtr="0" anchor="t" bIns="91425" lIns="91425" spcFirstLastPara="1" rIns="91425" wrap="square" tIns="91425">
+          <a:bodyPr spcFirstLastPara="1" wrap="square" lIns="91425" tIns="91425" rIns="91425" bIns="91425" anchor="t" anchorCtr="0">
             <a:normAutofit/>
           </a:bodyPr>
           <a:lstStyle>
@@ -2492,7 +2423,7 @@
           <p:cNvPr id="36" name="Google Shape;36;p2"/>
           <p:cNvSpPr txBox="1"/>
           <p:nvPr>
-            <p:ph idx="12" type="sldNum"/>
+            <p:ph type="sldNum" idx="12"/>
           </p:nvPr>
         </p:nvSpPr>
         <p:spPr>
@@ -2505,7 +2436,7 @@
           </a:prstGeom>
         </p:spPr>
         <p:txBody>
-          <a:bodyPr anchorCtr="0" anchor="ctr" bIns="91425" lIns="91425" spcFirstLastPara="1" rIns="91425" wrap="square" tIns="91425">
+          <a:bodyPr spcFirstLastPara="1" wrap="square" lIns="91425" tIns="91425" rIns="91425" bIns="91425" anchor="ctr" anchorCtr="0">
             <a:normAutofit/>
           </a:bodyPr>
           <a:lstStyle>
@@ -2547,7 +2478,7 @@
             </a:lvl9pPr>
           </a:lstStyle>
           <a:p>
-            <a:pPr indent="0" lvl="0" marL="0" rtl="0" algn="r">
+            <a:pPr marL="0" lvl="0" indent="0" algn="r" rtl="0">
               <a:spcBef>
                 <a:spcPts val="0"/>
               </a:spcBef>
@@ -2557,10 +2488,9 @@
               <a:buNone/>
             </a:pPr>
             <a:fld id="{00000000-1234-1234-1234-123412341234}" type="slidenum">
-              <a:rPr lang="en"/>
-              <a:t>‹#›</a:t>
+              <a:rPr lang="en-GB"/>
             </a:fld>
-            <a:endParaRPr/>
+            <a:endParaRPr lang="en-GB"/>
           </a:p>
         </p:txBody>
       </p:sp>
@@ -2573,13 +2503,14 @@
 </file>
 
 <file path=ppt/slideLayouts/slideLayout10.xml><?xml version="1.0" encoding="utf-8"?>
-<p:sldLayout xmlns:a="http://schemas.openxmlformats.org/drawingml/2006/main" xmlns:r="http://schemas.openxmlformats.org/officeDocument/2006/relationships" xmlns:mc="http://schemas.openxmlformats.org/markup-compatibility/2006" xmlns:mv="urn:schemas-microsoft-com:mac:vml" xmlns:p="http://schemas.openxmlformats.org/presentationml/2006/main" xmlns:c="http://schemas.openxmlformats.org/drawingml/2006/chart" xmlns:dgm="http://schemas.openxmlformats.org/drawingml/2006/diagram" xmlns:o="urn:schemas-microsoft-com:office:office" xmlns:v="urn:schemas-microsoft-com:vml" xmlns:pvml="urn:schemas-microsoft-com:office:powerpoint" xmlns:com="http://schemas.openxmlformats.org/drawingml/2006/compatibility" xmlns:p14="http://schemas.microsoft.com/office/powerpoint/2010/main" xmlns:p15="http://schemas.microsoft.com/office/powerpoint/2012/main" xmlns:ahyp="http://schemas.microsoft.com/office/drawing/2018/hyperlinkcolor" matchingName="Big number">
+<p:sldLayout xmlns:a="http://schemas.openxmlformats.org/drawingml/2006/main" xmlns:r="http://schemas.openxmlformats.org/officeDocument/2006/relationships" xmlns:p="http://schemas.openxmlformats.org/presentationml/2006/main" matchingName="Big number">
   <p:cSld name="BIG_NUMBER">
     <p:bg>
       <p:bgPr>
         <a:solidFill>
           <a:schemeClr val="accent3"/>
         </a:solidFill>
+        <a:effectLst/>
       </p:bgPr>
     </p:bg>
     <p:spTree>
@@ -2618,12 +2549,12 @@
           </a:ln>
         </p:spPr>
         <p:txBody>
-          <a:bodyPr anchorCtr="0" anchor="ctr" bIns="91425" lIns="91425" spcFirstLastPara="1" rIns="91425" wrap="square" tIns="91425">
+          <a:bodyPr spcFirstLastPara="1" wrap="square" lIns="91425" tIns="91425" rIns="91425" bIns="91425" anchor="ctr" anchorCtr="0">
             <a:noAutofit/>
           </a:bodyPr>
           <a:lstStyle/>
           <a:p>
-            <a:pPr indent="0" lvl="0" marL="0" rtl="0" algn="l">
+            <a:pPr marL="0" lvl="0" indent="0" algn="l" rtl="0">
               <a:spcBef>
                 <a:spcPts val="0"/>
               </a:spcBef>
@@ -2632,10 +2563,6 @@
               </a:spcAft>
               <a:buNone/>
             </a:pPr>
-            <a:r>
-              <a:t/>
-            </a:r>
-            <a:endParaRPr/>
           </a:p>
         </p:txBody>
       </p:sp>
@@ -2666,7 +2593,7 @@
             </a:xfrm>
             <a:prstGeom prst="parallelogram">
               <a:avLst>
-                <a:gd fmla="val 158024" name="adj"/>
+                <a:gd name="adj" fmla="val 158024"/>
               </a:avLst>
             </a:prstGeom>
             <a:solidFill>
@@ -2677,12 +2604,12 @@
             </a:ln>
           </p:spPr>
           <p:txBody>
-            <a:bodyPr anchorCtr="0" anchor="ctr" bIns="91425" lIns="91425" spcFirstLastPara="1" rIns="91425" wrap="square" tIns="91425">
+            <a:bodyPr spcFirstLastPara="1" wrap="square" lIns="91425" tIns="91425" rIns="91425" bIns="91425" anchor="ctr" anchorCtr="0">
               <a:noAutofit/>
             </a:bodyPr>
             <a:lstStyle/>
             <a:p>
-              <a:pPr indent="0" lvl="0" marL="0" rtl="0" algn="l">
+              <a:pPr marL="0" lvl="0" indent="0" algn="l" rtl="0">
                 <a:spcBef>
                   <a:spcPts val="0"/>
                 </a:spcBef>
@@ -2691,10 +2618,6 @@
                 </a:spcAft>
                 <a:buNone/>
               </a:pPr>
-              <a:r>
-                <a:t/>
-              </a:r>
-              <a:endParaRPr/>
             </a:p>
           </p:txBody>
         </p:sp>
@@ -2711,7 +2634,7 @@
             </a:xfrm>
             <a:prstGeom prst="parallelogram">
               <a:avLst>
-                <a:gd fmla="val 158024" name="adj"/>
+                <a:gd name="adj" fmla="val 158024"/>
               </a:avLst>
             </a:prstGeom>
             <a:solidFill>
@@ -2722,12 +2645,12 @@
             </a:ln>
           </p:spPr>
           <p:txBody>
-            <a:bodyPr anchorCtr="0" anchor="ctr" bIns="91425" lIns="91425" spcFirstLastPara="1" rIns="91425" wrap="square" tIns="91425">
+            <a:bodyPr spcFirstLastPara="1" wrap="square" lIns="91425" tIns="91425" rIns="91425" bIns="91425" anchor="ctr" anchorCtr="0">
               <a:noAutofit/>
             </a:bodyPr>
             <a:lstStyle/>
             <a:p>
-              <a:pPr indent="0" lvl="0" marL="0" rtl="0" algn="l">
+              <a:pPr marL="0" lvl="0" indent="0" algn="l" rtl="0">
                 <a:spcBef>
                   <a:spcPts val="0"/>
                 </a:spcBef>
@@ -2736,10 +2659,6 @@
                 </a:spcAft>
                 <a:buNone/>
               </a:pPr>
-              <a:r>
-                <a:t/>
-              </a:r>
-              <a:endParaRPr/>
             </a:p>
           </p:txBody>
         </p:sp>
@@ -2756,7 +2675,7 @@
             </a:xfrm>
             <a:prstGeom prst="parallelogram">
               <a:avLst>
-                <a:gd fmla="val 158024" name="adj"/>
+                <a:gd name="adj" fmla="val 158024"/>
               </a:avLst>
             </a:prstGeom>
             <a:solidFill>
@@ -2767,12 +2686,12 @@
             </a:ln>
           </p:spPr>
           <p:txBody>
-            <a:bodyPr anchorCtr="0" anchor="ctr" bIns="91425" lIns="91425" spcFirstLastPara="1" rIns="91425" wrap="square" tIns="91425">
+            <a:bodyPr spcFirstLastPara="1" wrap="square" lIns="91425" tIns="91425" rIns="91425" bIns="91425" anchor="ctr" anchorCtr="0">
               <a:noAutofit/>
             </a:bodyPr>
             <a:lstStyle/>
             <a:p>
-              <a:pPr indent="0" lvl="0" marL="0" rtl="0" algn="l">
+              <a:pPr marL="0" lvl="0" indent="0" algn="l" rtl="0">
                 <a:spcBef>
                   <a:spcPts val="0"/>
                 </a:spcBef>
@@ -2781,10 +2700,6 @@
                 </a:spcAft>
                 <a:buNone/>
               </a:pPr>
-              <a:r>
-                <a:t/>
-              </a:r>
-              <a:endParaRPr/>
             </a:p>
           </p:txBody>
         </p:sp>
@@ -2816,7 +2731,7 @@
             </a:xfrm>
             <a:prstGeom prst="parallelogram">
               <a:avLst>
-                <a:gd fmla="val 158024" name="adj"/>
+                <a:gd name="adj" fmla="val 158024"/>
               </a:avLst>
             </a:prstGeom>
             <a:solidFill>
@@ -2827,12 +2742,12 @@
             </a:ln>
           </p:spPr>
           <p:txBody>
-            <a:bodyPr anchorCtr="0" anchor="ctr" bIns="91425" lIns="91425" spcFirstLastPara="1" rIns="91425" wrap="square" tIns="91425">
+            <a:bodyPr spcFirstLastPara="1" wrap="square" lIns="91425" tIns="91425" rIns="91425" bIns="91425" anchor="ctr" anchorCtr="0">
               <a:noAutofit/>
             </a:bodyPr>
             <a:lstStyle/>
             <a:p>
-              <a:pPr indent="0" lvl="0" marL="0" rtl="0" algn="l">
+              <a:pPr marL="0" lvl="0" indent="0" algn="l" rtl="0">
                 <a:spcBef>
                   <a:spcPts val="0"/>
                 </a:spcBef>
@@ -2841,10 +2756,6 @@
                 </a:spcAft>
                 <a:buNone/>
               </a:pPr>
-              <a:r>
-                <a:t/>
-              </a:r>
-              <a:endParaRPr/>
             </a:p>
           </p:txBody>
         </p:sp>
@@ -2861,7 +2772,7 @@
             </a:xfrm>
             <a:prstGeom prst="parallelogram">
               <a:avLst>
-                <a:gd fmla="val 158024" name="adj"/>
+                <a:gd name="adj" fmla="val 158024"/>
               </a:avLst>
             </a:prstGeom>
             <a:solidFill>
@@ -2872,12 +2783,12 @@
             </a:ln>
           </p:spPr>
           <p:txBody>
-            <a:bodyPr anchorCtr="0" anchor="ctr" bIns="91425" lIns="91425" spcFirstLastPara="1" rIns="91425" wrap="square" tIns="91425">
+            <a:bodyPr spcFirstLastPara="1" wrap="square" lIns="91425" tIns="91425" rIns="91425" bIns="91425" anchor="ctr" anchorCtr="0">
               <a:noAutofit/>
             </a:bodyPr>
             <a:lstStyle/>
             <a:p>
-              <a:pPr indent="0" lvl="0" marL="0" rtl="0" algn="l">
+              <a:pPr marL="0" lvl="0" indent="0" algn="l" rtl="0">
                 <a:spcBef>
                   <a:spcPts val="0"/>
                 </a:spcBef>
@@ -2886,10 +2797,6 @@
                 </a:spcAft>
                 <a:buNone/>
               </a:pPr>
-              <a:r>
-                <a:t/>
-              </a:r>
-              <a:endParaRPr/>
             </a:p>
           </p:txBody>
         </p:sp>
@@ -2906,7 +2813,7 @@
             </a:xfrm>
             <a:prstGeom prst="parallelogram">
               <a:avLst>
-                <a:gd fmla="val 158024" name="adj"/>
+                <a:gd name="adj" fmla="val 158024"/>
               </a:avLst>
             </a:prstGeom>
             <a:solidFill>
@@ -2917,12 +2824,12 @@
             </a:ln>
           </p:spPr>
           <p:txBody>
-            <a:bodyPr anchorCtr="0" anchor="ctr" bIns="91425" lIns="91425" spcFirstLastPara="1" rIns="91425" wrap="square" tIns="91425">
+            <a:bodyPr spcFirstLastPara="1" wrap="square" lIns="91425" tIns="91425" rIns="91425" bIns="91425" anchor="ctr" anchorCtr="0">
               <a:noAutofit/>
             </a:bodyPr>
             <a:lstStyle/>
             <a:p>
-              <a:pPr indent="0" lvl="0" marL="0" rtl="0" algn="l">
+              <a:pPr marL="0" lvl="0" indent="0" algn="l" rtl="0">
                 <a:spcBef>
                   <a:spcPts val="0"/>
                 </a:spcBef>
@@ -2931,10 +2838,6 @@
                 </a:spcAft>
                 <a:buNone/>
               </a:pPr>
-              <a:r>
-                <a:t/>
-              </a:r>
-              <a:endParaRPr/>
             </a:p>
           </p:txBody>
         </p:sp>
@@ -2944,7 +2847,7 @@
           <p:cNvPr id="119" name="Google Shape;119;p11"/>
           <p:cNvSpPr txBox="1"/>
           <p:nvPr>
-            <p:ph hasCustomPrompt="1" type="title"/>
+            <p:ph type="title" hasCustomPrompt="1"/>
           </p:nvPr>
         </p:nvSpPr>
         <p:spPr>
@@ -2957,7 +2860,7 @@
           </a:prstGeom>
         </p:spPr>
         <p:txBody>
-          <a:bodyPr anchorCtr="0" anchor="ctr" bIns="91425" lIns="91425" spcFirstLastPara="1" rIns="91425" wrap="square" tIns="91425">
+          <a:bodyPr spcFirstLastPara="1" wrap="square" lIns="91425" tIns="91425" rIns="91425" bIns="91425" anchor="ctr" anchorCtr="0">
             <a:normAutofit/>
           </a:bodyPr>
           <a:lstStyle>
@@ -3136,7 +3039,7 @@
           <p:cNvPr id="120" name="Google Shape;120;p11"/>
           <p:cNvSpPr txBox="1"/>
           <p:nvPr>
-            <p:ph idx="1" type="body"/>
+            <p:ph type="body" idx="1"/>
           </p:nvPr>
         </p:nvSpPr>
         <p:spPr>
@@ -3149,11 +3052,11 @@
           </a:prstGeom>
         </p:spPr>
         <p:txBody>
-          <a:bodyPr anchorCtr="0" anchor="t" bIns="91425" lIns="91425" spcFirstLastPara="1" rIns="91425" wrap="square" tIns="91425">
+          <a:bodyPr spcFirstLastPara="1" wrap="square" lIns="91425" tIns="91425" rIns="91425" bIns="91425" anchor="t" anchorCtr="0">
             <a:normAutofit/>
           </a:bodyPr>
           <a:lstStyle>
-            <a:lvl1pPr indent="-311150" lvl="0" marL="457200" algn="ctr">
+            <a:lvl1pPr marL="457200" lvl="0" indent="-311150" algn="ctr">
               <a:spcBef>
                 <a:spcPts val="0"/>
               </a:spcBef>
@@ -3164,7 +3067,7 @@
               <a:buChar char="●"/>
               <a:defRPr/>
             </a:lvl1pPr>
-            <a:lvl2pPr indent="-298450" lvl="1" marL="914400" algn="ctr">
+            <a:lvl2pPr marL="914400" lvl="1" indent="-298450" algn="ctr">
               <a:spcBef>
                 <a:spcPts val="0"/>
               </a:spcBef>
@@ -3175,7 +3078,7 @@
               <a:buChar char="○"/>
               <a:defRPr/>
             </a:lvl2pPr>
-            <a:lvl3pPr indent="-298450" lvl="2" marL="1371600" algn="ctr">
+            <a:lvl3pPr marL="1371600" lvl="2" indent="-298450" algn="ctr">
               <a:spcBef>
                 <a:spcPts val="0"/>
               </a:spcBef>
@@ -3186,7 +3089,7 @@
               <a:buChar char="■"/>
               <a:defRPr/>
             </a:lvl3pPr>
-            <a:lvl4pPr indent="-298450" lvl="3" marL="1828800" algn="ctr">
+            <a:lvl4pPr marL="1828800" lvl="3" indent="-298450" algn="ctr">
               <a:spcBef>
                 <a:spcPts val="0"/>
               </a:spcBef>
@@ -3197,7 +3100,7 @@
               <a:buChar char="●"/>
               <a:defRPr/>
             </a:lvl4pPr>
-            <a:lvl5pPr indent="-298450" lvl="4" marL="2286000" algn="ctr">
+            <a:lvl5pPr marL="2286000" lvl="4" indent="-298450" algn="ctr">
               <a:spcBef>
                 <a:spcPts val="0"/>
               </a:spcBef>
@@ -3208,7 +3111,7 @@
               <a:buChar char="○"/>
               <a:defRPr/>
             </a:lvl5pPr>
-            <a:lvl6pPr indent="-298450" lvl="5" marL="2743200" algn="ctr">
+            <a:lvl6pPr marL="2743200" lvl="5" indent="-298450" algn="ctr">
               <a:spcBef>
                 <a:spcPts val="0"/>
               </a:spcBef>
@@ -3219,7 +3122,7 @@
               <a:buChar char="■"/>
               <a:defRPr/>
             </a:lvl6pPr>
-            <a:lvl7pPr indent="-298450" lvl="6" marL="3200400" algn="ctr">
+            <a:lvl7pPr marL="3200400" lvl="6" indent="-298450" algn="ctr">
               <a:spcBef>
                 <a:spcPts val="0"/>
               </a:spcBef>
@@ -3230,7 +3133,7 @@
               <a:buChar char="●"/>
               <a:defRPr/>
             </a:lvl7pPr>
-            <a:lvl8pPr indent="-298450" lvl="7" marL="3657600" algn="ctr">
+            <a:lvl8pPr marL="3657600" lvl="7" indent="-298450" algn="ctr">
               <a:spcBef>
                 <a:spcPts val="0"/>
               </a:spcBef>
@@ -3241,7 +3144,7 @@
               <a:buChar char="○"/>
               <a:defRPr/>
             </a:lvl8pPr>
-            <a:lvl9pPr indent="-298450" lvl="8" marL="4114800" algn="ctr">
+            <a:lvl9pPr marL="4114800" lvl="8" indent="-298450" algn="ctr">
               <a:spcBef>
                 <a:spcPts val="0"/>
               </a:spcBef>
@@ -3261,7 +3164,7 @@
           <p:cNvPr id="121" name="Google Shape;121;p11"/>
           <p:cNvSpPr txBox="1"/>
           <p:nvPr>
-            <p:ph idx="12" type="sldNum"/>
+            <p:ph type="sldNum" idx="12"/>
           </p:nvPr>
         </p:nvSpPr>
         <p:spPr>
@@ -3274,7 +3177,7 @@
           </a:prstGeom>
         </p:spPr>
         <p:txBody>
-          <a:bodyPr anchorCtr="0" anchor="ctr" bIns="91425" lIns="91425" spcFirstLastPara="1" rIns="91425" wrap="square" tIns="91425">
+          <a:bodyPr spcFirstLastPara="1" wrap="square" lIns="91425" tIns="91425" rIns="91425" bIns="91425" anchor="ctr" anchorCtr="0">
             <a:normAutofit/>
           </a:bodyPr>
           <a:lstStyle>
@@ -3316,7 +3219,7 @@
             </a:lvl9pPr>
           </a:lstStyle>
           <a:p>
-            <a:pPr indent="0" lvl="0" marL="0" rtl="0" algn="r">
+            <a:pPr marL="0" lvl="0" indent="0" algn="r" rtl="0">
               <a:spcBef>
                 <a:spcPts val="0"/>
               </a:spcBef>
@@ -3326,10 +3229,9 @@
               <a:buNone/>
             </a:pPr>
             <a:fld id="{00000000-1234-1234-1234-123412341234}" type="slidenum">
-              <a:rPr lang="en"/>
-              <a:t>‹#›</a:t>
+              <a:rPr lang="en-GB"/>
             </a:fld>
-            <a:endParaRPr/>
+            <a:endParaRPr lang="en-GB"/>
           </a:p>
         </p:txBody>
       </p:sp>
@@ -3342,7 +3244,7 @@
 </file>
 
 <file path=ppt/slideLayouts/slideLayout11.xml><?xml version="1.0" encoding="utf-8"?>
-<p:sldLayout xmlns:a="http://schemas.openxmlformats.org/drawingml/2006/main" xmlns:r="http://schemas.openxmlformats.org/officeDocument/2006/relationships" xmlns:mc="http://schemas.openxmlformats.org/markup-compatibility/2006" xmlns:mv="urn:schemas-microsoft-com:mac:vml" xmlns:p="http://schemas.openxmlformats.org/presentationml/2006/main" xmlns:c="http://schemas.openxmlformats.org/drawingml/2006/chart" xmlns:dgm="http://schemas.openxmlformats.org/drawingml/2006/diagram" xmlns:o="urn:schemas-microsoft-com:office:office" xmlns:v="urn:schemas-microsoft-com:vml" xmlns:pvml="urn:schemas-microsoft-com:office:powerpoint" xmlns:com="http://schemas.openxmlformats.org/drawingml/2006/compatibility" xmlns:p14="http://schemas.microsoft.com/office/powerpoint/2010/main" xmlns:p15="http://schemas.microsoft.com/office/powerpoint/2012/main" xmlns:ahyp="http://schemas.microsoft.com/office/drawing/2018/hyperlinkcolor" matchingName="Blank" type="blank">
+<p:sldLayout xmlns:a="http://schemas.openxmlformats.org/drawingml/2006/main" xmlns:r="http://schemas.openxmlformats.org/officeDocument/2006/relationships" xmlns:p="http://schemas.openxmlformats.org/presentationml/2006/main" type="blank" matchingName="Blank">
   <p:cSld name="BLANK">
     <p:spTree>
       <p:nvGrpSpPr>
@@ -3363,7 +3265,7 @@
           <p:cNvPr id="123" name="Google Shape;123;p12"/>
           <p:cNvSpPr txBox="1"/>
           <p:nvPr>
-            <p:ph idx="12" type="sldNum"/>
+            <p:ph type="sldNum" idx="12"/>
           </p:nvPr>
         </p:nvSpPr>
         <p:spPr>
@@ -3376,7 +3278,7 @@
           </a:prstGeom>
         </p:spPr>
         <p:txBody>
-          <a:bodyPr anchorCtr="0" anchor="ctr" bIns="91425" lIns="91425" spcFirstLastPara="1" rIns="91425" wrap="square" tIns="91425">
+          <a:bodyPr spcFirstLastPara="1" wrap="square" lIns="91425" tIns="91425" rIns="91425" bIns="91425" anchor="ctr" anchorCtr="0">
             <a:normAutofit/>
           </a:bodyPr>
           <a:lstStyle>
@@ -3418,7 +3320,7 @@
             </a:lvl9pPr>
           </a:lstStyle>
           <a:p>
-            <a:pPr indent="0" lvl="0" marL="0" rtl="0" algn="r">
+            <a:pPr marL="0" lvl="0" indent="0" algn="r" rtl="0">
               <a:spcBef>
                 <a:spcPts val="0"/>
               </a:spcBef>
@@ -3428,10 +3330,9 @@
               <a:buNone/>
             </a:pPr>
             <a:fld id="{00000000-1234-1234-1234-123412341234}" type="slidenum">
-              <a:rPr lang="en"/>
-              <a:t>‹#›</a:t>
+              <a:rPr lang="en-GB"/>
             </a:fld>
-            <a:endParaRPr/>
+            <a:endParaRPr lang="en-GB"/>
           </a:p>
         </p:txBody>
       </p:sp>
@@ -3444,13 +3345,14 @@
 </file>
 
 <file path=ppt/slideLayouts/slideLayout2.xml><?xml version="1.0" encoding="utf-8"?>
-<p:sldLayout xmlns:a="http://schemas.openxmlformats.org/drawingml/2006/main" xmlns:r="http://schemas.openxmlformats.org/officeDocument/2006/relationships" xmlns:mc="http://schemas.openxmlformats.org/markup-compatibility/2006" xmlns:mv="urn:schemas-microsoft-com:mac:vml" xmlns:p="http://schemas.openxmlformats.org/presentationml/2006/main" xmlns:c="http://schemas.openxmlformats.org/drawingml/2006/chart" xmlns:dgm="http://schemas.openxmlformats.org/drawingml/2006/diagram" xmlns:o="urn:schemas-microsoft-com:office:office" xmlns:v="urn:schemas-microsoft-com:vml" xmlns:pvml="urn:schemas-microsoft-com:office:powerpoint" xmlns:com="http://schemas.openxmlformats.org/drawingml/2006/compatibility" xmlns:p14="http://schemas.microsoft.com/office/powerpoint/2010/main" xmlns:p15="http://schemas.microsoft.com/office/powerpoint/2012/main" xmlns:ahyp="http://schemas.microsoft.com/office/drawing/2018/hyperlinkcolor" matchingName="Section header" type="secHead">
+<p:sldLayout xmlns:a="http://schemas.openxmlformats.org/drawingml/2006/main" xmlns:r="http://schemas.openxmlformats.org/officeDocument/2006/relationships" xmlns:p="http://schemas.openxmlformats.org/presentationml/2006/main" type="secHead" matchingName="Section header">
   <p:cSld name="SECTION_HEADER">
     <p:bg>
       <p:bgPr>
         <a:solidFill>
           <a:schemeClr val="accent3"/>
         </a:solidFill>
+        <a:effectLst/>
       </p:bgPr>
     </p:bg>
     <p:spTree>
@@ -3489,12 +3391,12 @@
           </a:ln>
         </p:spPr>
         <p:txBody>
-          <a:bodyPr anchorCtr="0" anchor="ctr" bIns="91425" lIns="91425" spcFirstLastPara="1" rIns="91425" wrap="square" tIns="91425">
+          <a:bodyPr spcFirstLastPara="1" wrap="square" lIns="91425" tIns="91425" rIns="91425" bIns="91425" anchor="ctr" anchorCtr="0">
             <a:noAutofit/>
           </a:bodyPr>
           <a:lstStyle/>
           <a:p>
-            <a:pPr indent="0" lvl="0" marL="0" rtl="0" algn="l">
+            <a:pPr marL="0" lvl="0" indent="0" algn="l" rtl="0">
               <a:spcBef>
                 <a:spcPts val="0"/>
               </a:spcBef>
@@ -3503,10 +3405,6 @@
               </a:spcAft>
               <a:buNone/>
             </a:pPr>
-            <a:r>
-              <a:t/>
-            </a:r>
-            <a:endParaRPr/>
           </a:p>
         </p:txBody>
       </p:sp>
@@ -3537,7 +3435,7 @@
             </a:xfrm>
             <a:prstGeom prst="parallelogram">
               <a:avLst>
-                <a:gd fmla="val 158024" name="adj"/>
+                <a:gd name="adj" fmla="val 158024"/>
               </a:avLst>
             </a:prstGeom>
             <a:solidFill>
@@ -3548,12 +3446,12 @@
             </a:ln>
           </p:spPr>
           <p:txBody>
-            <a:bodyPr anchorCtr="0" anchor="ctr" bIns="91425" lIns="91425" spcFirstLastPara="1" rIns="91425" wrap="square" tIns="91425">
+            <a:bodyPr spcFirstLastPara="1" wrap="square" lIns="91425" tIns="91425" rIns="91425" bIns="91425" anchor="ctr" anchorCtr="0">
               <a:noAutofit/>
             </a:bodyPr>
             <a:lstStyle/>
             <a:p>
-              <a:pPr indent="0" lvl="0" marL="0" rtl="0" algn="l">
+              <a:pPr marL="0" lvl="0" indent="0" algn="l" rtl="0">
                 <a:spcBef>
                   <a:spcPts val="0"/>
                 </a:spcBef>
@@ -3562,10 +3460,6 @@
                 </a:spcAft>
                 <a:buNone/>
               </a:pPr>
-              <a:r>
-                <a:t/>
-              </a:r>
-              <a:endParaRPr/>
             </a:p>
           </p:txBody>
         </p:sp>
@@ -3582,7 +3476,7 @@
             </a:xfrm>
             <a:prstGeom prst="parallelogram">
               <a:avLst>
-                <a:gd fmla="val 158024" name="adj"/>
+                <a:gd name="adj" fmla="val 158024"/>
               </a:avLst>
             </a:prstGeom>
             <a:solidFill>
@@ -3593,12 +3487,12 @@
             </a:ln>
           </p:spPr>
           <p:txBody>
-            <a:bodyPr anchorCtr="0" anchor="ctr" bIns="91425" lIns="91425" spcFirstLastPara="1" rIns="91425" wrap="square" tIns="91425">
+            <a:bodyPr spcFirstLastPara="1" wrap="square" lIns="91425" tIns="91425" rIns="91425" bIns="91425" anchor="ctr" anchorCtr="0">
               <a:noAutofit/>
             </a:bodyPr>
             <a:lstStyle/>
             <a:p>
-              <a:pPr indent="0" lvl="0" marL="0" rtl="0" algn="l">
+              <a:pPr marL="0" lvl="0" indent="0" algn="l" rtl="0">
                 <a:spcBef>
                   <a:spcPts val="0"/>
                 </a:spcBef>
@@ -3607,10 +3501,6 @@
                 </a:spcAft>
                 <a:buNone/>
               </a:pPr>
-              <a:r>
-                <a:t/>
-              </a:r>
-              <a:endParaRPr/>
             </a:p>
           </p:txBody>
         </p:sp>
@@ -3627,7 +3517,7 @@
             </a:xfrm>
             <a:prstGeom prst="parallelogram">
               <a:avLst>
-                <a:gd fmla="val 158024" name="adj"/>
+                <a:gd name="adj" fmla="val 158024"/>
               </a:avLst>
             </a:prstGeom>
             <a:solidFill>
@@ -3638,12 +3528,12 @@
             </a:ln>
           </p:spPr>
           <p:txBody>
-            <a:bodyPr anchorCtr="0" anchor="ctr" bIns="91425" lIns="91425" spcFirstLastPara="1" rIns="91425" wrap="square" tIns="91425">
+            <a:bodyPr spcFirstLastPara="1" wrap="square" lIns="91425" tIns="91425" rIns="91425" bIns="91425" anchor="ctr" anchorCtr="0">
               <a:noAutofit/>
             </a:bodyPr>
             <a:lstStyle/>
             <a:p>
-              <a:pPr indent="0" lvl="0" marL="0" rtl="0" algn="l">
+              <a:pPr marL="0" lvl="0" indent="0" algn="l" rtl="0">
                 <a:spcBef>
                   <a:spcPts val="0"/>
                 </a:spcBef>
@@ -3652,10 +3542,6 @@
                 </a:spcAft>
                 <a:buNone/>
               </a:pPr>
-              <a:r>
-                <a:t/>
-              </a:r>
-              <a:endParaRPr/>
             </a:p>
           </p:txBody>
         </p:sp>
@@ -3687,7 +3573,7 @@
             </a:xfrm>
             <a:prstGeom prst="parallelogram">
               <a:avLst>
-                <a:gd fmla="val 158024" name="adj"/>
+                <a:gd name="adj" fmla="val 158024"/>
               </a:avLst>
             </a:prstGeom>
             <a:solidFill>
@@ -3698,12 +3584,12 @@
             </a:ln>
           </p:spPr>
           <p:txBody>
-            <a:bodyPr anchorCtr="0" anchor="ctr" bIns="91425" lIns="91425" spcFirstLastPara="1" rIns="91425" wrap="square" tIns="91425">
+            <a:bodyPr spcFirstLastPara="1" wrap="square" lIns="91425" tIns="91425" rIns="91425" bIns="91425" anchor="ctr" anchorCtr="0">
               <a:noAutofit/>
             </a:bodyPr>
             <a:lstStyle/>
             <a:p>
-              <a:pPr indent="0" lvl="0" marL="0" rtl="0" algn="l">
+              <a:pPr marL="0" lvl="0" indent="0" algn="l" rtl="0">
                 <a:spcBef>
                   <a:spcPts val="0"/>
                 </a:spcBef>
@@ -3712,10 +3598,6 @@
                 </a:spcAft>
                 <a:buNone/>
               </a:pPr>
-              <a:r>
-                <a:t/>
-              </a:r>
-              <a:endParaRPr/>
             </a:p>
           </p:txBody>
         </p:sp>
@@ -3732,7 +3614,7 @@
             </a:xfrm>
             <a:prstGeom prst="parallelogram">
               <a:avLst>
-                <a:gd fmla="val 158024" name="adj"/>
+                <a:gd name="adj" fmla="val 158024"/>
               </a:avLst>
             </a:prstGeom>
             <a:solidFill>
@@ -3743,12 +3625,12 @@
             </a:ln>
           </p:spPr>
           <p:txBody>
-            <a:bodyPr anchorCtr="0" anchor="ctr" bIns="91425" lIns="91425" spcFirstLastPara="1" rIns="91425" wrap="square" tIns="91425">
+            <a:bodyPr spcFirstLastPara="1" wrap="square" lIns="91425" tIns="91425" rIns="91425" bIns="91425" anchor="ctr" anchorCtr="0">
               <a:noAutofit/>
             </a:bodyPr>
             <a:lstStyle/>
             <a:p>
-              <a:pPr indent="0" lvl="0" marL="0" rtl="0" algn="l">
+              <a:pPr marL="0" lvl="0" indent="0" algn="l" rtl="0">
                 <a:spcBef>
                   <a:spcPts val="0"/>
                 </a:spcBef>
@@ -3757,10 +3639,6 @@
                 </a:spcAft>
                 <a:buNone/>
               </a:pPr>
-              <a:r>
-                <a:t/>
-              </a:r>
-              <a:endParaRPr/>
             </a:p>
           </p:txBody>
         </p:sp>
@@ -3777,7 +3655,7 @@
             </a:xfrm>
             <a:prstGeom prst="parallelogram">
               <a:avLst>
-                <a:gd fmla="val 158024" name="adj"/>
+                <a:gd name="adj" fmla="val 158024"/>
               </a:avLst>
             </a:prstGeom>
             <a:solidFill>
@@ -3788,12 +3666,12 @@
             </a:ln>
           </p:spPr>
           <p:txBody>
-            <a:bodyPr anchorCtr="0" anchor="ctr" bIns="91425" lIns="91425" spcFirstLastPara="1" rIns="91425" wrap="square" tIns="91425">
+            <a:bodyPr spcFirstLastPara="1" wrap="square" lIns="91425" tIns="91425" rIns="91425" bIns="91425" anchor="ctr" anchorCtr="0">
               <a:noAutofit/>
             </a:bodyPr>
             <a:lstStyle/>
             <a:p>
-              <a:pPr indent="0" lvl="0" marL="0" rtl="0" algn="l">
+              <a:pPr marL="0" lvl="0" indent="0" algn="l" rtl="0">
                 <a:spcBef>
                   <a:spcPts val="0"/>
                 </a:spcBef>
@@ -3802,10 +3680,6 @@
                 </a:spcAft>
                 <a:buNone/>
               </a:pPr>
-              <a:r>
-                <a:t/>
-              </a:r>
-              <a:endParaRPr/>
             </a:p>
           </p:txBody>
         </p:sp>
@@ -3828,7 +3702,7 @@
           </a:prstGeom>
         </p:spPr>
         <p:txBody>
-          <a:bodyPr anchorCtr="0" anchor="ctr" bIns="91425" lIns="91425" spcFirstLastPara="1" rIns="91425" wrap="square" tIns="91425">
+          <a:bodyPr spcFirstLastPara="1" wrap="square" lIns="91425" tIns="91425" rIns="91425" bIns="91425" anchor="ctr" anchorCtr="0">
             <a:normAutofit/>
           </a:bodyPr>
           <a:lstStyle>
@@ -4003,7 +3877,7 @@
           <p:cNvPr id="48" name="Google Shape;48;p3"/>
           <p:cNvSpPr txBox="1"/>
           <p:nvPr>
-            <p:ph idx="12" type="sldNum"/>
+            <p:ph type="sldNum" idx="12"/>
           </p:nvPr>
         </p:nvSpPr>
         <p:spPr>
@@ -4016,7 +3890,7 @@
           </a:prstGeom>
         </p:spPr>
         <p:txBody>
-          <a:bodyPr anchorCtr="0" anchor="ctr" bIns="91425" lIns="91425" spcFirstLastPara="1" rIns="91425" wrap="square" tIns="91425">
+          <a:bodyPr spcFirstLastPara="1" wrap="square" lIns="91425" tIns="91425" rIns="91425" bIns="91425" anchor="ctr" anchorCtr="0">
             <a:normAutofit/>
           </a:bodyPr>
           <a:lstStyle>
@@ -4058,7 +3932,7 @@
             </a:lvl9pPr>
           </a:lstStyle>
           <a:p>
-            <a:pPr indent="0" lvl="0" marL="0" rtl="0" algn="r">
+            <a:pPr marL="0" lvl="0" indent="0" algn="r" rtl="0">
               <a:spcBef>
                 <a:spcPts val="0"/>
               </a:spcBef>
@@ -4068,10 +3942,9 @@
               <a:buNone/>
             </a:pPr>
             <a:fld id="{00000000-1234-1234-1234-123412341234}" type="slidenum">
-              <a:rPr lang="en"/>
-              <a:t>‹#›</a:t>
+              <a:rPr lang="en-GB"/>
             </a:fld>
-            <a:endParaRPr/>
+            <a:endParaRPr lang="en-GB"/>
           </a:p>
         </p:txBody>
       </p:sp>
@@ -4084,13 +3957,14 @@
 </file>
 
 <file path=ppt/slideLayouts/slideLayout3.xml><?xml version="1.0" encoding="utf-8"?>
-<p:sldLayout xmlns:a="http://schemas.openxmlformats.org/drawingml/2006/main" xmlns:r="http://schemas.openxmlformats.org/officeDocument/2006/relationships" xmlns:mc="http://schemas.openxmlformats.org/markup-compatibility/2006" xmlns:mv="urn:schemas-microsoft-com:mac:vml" xmlns:p="http://schemas.openxmlformats.org/presentationml/2006/main" xmlns:c="http://schemas.openxmlformats.org/drawingml/2006/chart" xmlns:dgm="http://schemas.openxmlformats.org/drawingml/2006/diagram" xmlns:o="urn:schemas-microsoft-com:office:office" xmlns:v="urn:schemas-microsoft-com:vml" xmlns:pvml="urn:schemas-microsoft-com:office:powerpoint" xmlns:com="http://schemas.openxmlformats.org/drawingml/2006/compatibility" xmlns:p14="http://schemas.microsoft.com/office/powerpoint/2010/main" xmlns:p15="http://schemas.microsoft.com/office/powerpoint/2012/main" xmlns:ahyp="http://schemas.microsoft.com/office/drawing/2018/hyperlinkcolor" matchingName="Title and body" type="tx">
+<p:sldLayout xmlns:a="http://schemas.openxmlformats.org/drawingml/2006/main" xmlns:r="http://schemas.openxmlformats.org/officeDocument/2006/relationships" xmlns:p="http://schemas.openxmlformats.org/presentationml/2006/main" type="tx" matchingName="Title and body">
   <p:cSld name="TITLE_AND_BODY">
     <p:bg>
       <p:bgPr>
         <a:solidFill>
           <a:schemeClr val="dk2"/>
         </a:solidFill>
+        <a:effectLst/>
       </p:bgPr>
     </p:bg>
     <p:spTree>
@@ -4129,12 +4003,12 @@
           </a:ln>
         </p:spPr>
         <p:txBody>
-          <a:bodyPr anchorCtr="0" anchor="ctr" bIns="91425" lIns="91425" spcFirstLastPara="1" rIns="91425" wrap="square" tIns="91425">
+          <a:bodyPr spcFirstLastPara="1" wrap="square" lIns="91425" tIns="91425" rIns="91425" bIns="91425" anchor="ctr" anchorCtr="0">
             <a:noAutofit/>
           </a:bodyPr>
           <a:lstStyle/>
           <a:p>
-            <a:pPr indent="0" lvl="0" marL="0" rtl="0" algn="l">
+            <a:pPr marL="0" lvl="0" indent="0" algn="l" rtl="0">
               <a:spcBef>
                 <a:spcPts val="0"/>
               </a:spcBef>
@@ -4143,10 +4017,6 @@
               </a:spcAft>
               <a:buNone/>
             </a:pPr>
-            <a:r>
-              <a:t/>
-            </a:r>
-            <a:endParaRPr/>
           </a:p>
         </p:txBody>
       </p:sp>
@@ -4172,12 +4042,12 @@
           </a:ln>
         </p:spPr>
         <p:txBody>
-          <a:bodyPr anchorCtr="0" anchor="ctr" bIns="91425" lIns="91425" spcFirstLastPara="1" rIns="91425" wrap="square" tIns="91425">
+          <a:bodyPr spcFirstLastPara="1" wrap="square" lIns="91425" tIns="91425" rIns="91425" bIns="91425" anchor="ctr" anchorCtr="0">
             <a:noAutofit/>
           </a:bodyPr>
           <a:lstStyle/>
           <a:p>
-            <a:pPr indent="0" lvl="0" marL="0" rtl="0" algn="l">
+            <a:pPr marL="0" lvl="0" indent="0" algn="l" rtl="0">
               <a:spcBef>
                 <a:spcPts val="0"/>
               </a:spcBef>
@@ -4186,10 +4056,6 @@
               </a:spcAft>
               <a:buNone/>
             </a:pPr>
-            <a:r>
-              <a:t/>
-            </a:r>
-            <a:endParaRPr/>
           </a:p>
         </p:txBody>
       </p:sp>
@@ -4214,7 +4080,7 @@
             <a:noFill/>
           </a:ln>
           <a:effectLst>
-            <a:outerShdw blurRad="228600" sx="101000" rotWithShape="0" algn="ctr" sy="101000">
+            <a:outerShdw blurRad="228600" sx="101000" sy="101000" algn="ctr" rotWithShape="0">
               <a:srgbClr val="000000">
                 <a:alpha val="40000"/>
               </a:srgbClr>
@@ -4222,12 +4088,12 @@
           </a:effectLst>
         </p:spPr>
         <p:txBody>
-          <a:bodyPr anchorCtr="0" anchor="ctr" bIns="91425" lIns="91425" spcFirstLastPara="1" rIns="91425" wrap="square" tIns="91425">
+          <a:bodyPr spcFirstLastPara="1" wrap="square" lIns="91425" tIns="91425" rIns="91425" bIns="91425" anchor="ctr" anchorCtr="0">
             <a:noAutofit/>
           </a:bodyPr>
           <a:lstStyle/>
           <a:p>
-            <a:pPr indent="0" lvl="0" marL="0" rtl="0" algn="l">
+            <a:pPr marL="0" lvl="0" indent="0" algn="l" rtl="0">
               <a:spcBef>
                 <a:spcPts val="0"/>
               </a:spcBef>
@@ -4236,10 +4102,6 @@
               </a:spcAft>
               <a:buNone/>
             </a:pPr>
-            <a:r>
-              <a:t/>
-            </a:r>
-            <a:endParaRPr/>
           </a:p>
         </p:txBody>
       </p:sp>
@@ -4261,7 +4123,7 @@
           </a:prstGeom>
         </p:spPr>
         <p:txBody>
-          <a:bodyPr anchorCtr="0" anchor="t" bIns="91425" lIns="91425" spcFirstLastPara="1" rIns="91425" wrap="square" tIns="91425">
+          <a:bodyPr spcFirstLastPara="1" wrap="square" lIns="91425" tIns="91425" rIns="91425" bIns="91425" anchor="t" anchorCtr="0">
             <a:normAutofit/>
           </a:bodyPr>
           <a:lstStyle>
@@ -4373,7 +4235,7 @@
           <p:cNvPr id="54" name="Google Shape;54;p4"/>
           <p:cNvSpPr txBox="1"/>
           <p:nvPr>
-            <p:ph idx="1" type="body"/>
+            <p:ph type="body" idx="1"/>
           </p:nvPr>
         </p:nvSpPr>
         <p:spPr>
@@ -4386,11 +4248,11 @@
           </a:prstGeom>
         </p:spPr>
         <p:txBody>
-          <a:bodyPr anchorCtr="0" anchor="t" bIns="91425" lIns="91425" spcFirstLastPara="1" rIns="91425" wrap="square" tIns="91425">
+          <a:bodyPr spcFirstLastPara="1" wrap="square" lIns="91425" tIns="91425" rIns="91425" bIns="91425" anchor="t" anchorCtr="0">
             <a:normAutofit/>
           </a:bodyPr>
           <a:lstStyle>
-            <a:lvl1pPr indent="-311150" lvl="0" marL="457200">
+            <a:lvl1pPr marL="457200" lvl="0" indent="-311150">
               <a:spcBef>
                 <a:spcPts val="0"/>
               </a:spcBef>
@@ -4401,7 +4263,7 @@
               <a:buChar char="●"/>
               <a:defRPr/>
             </a:lvl1pPr>
-            <a:lvl2pPr indent="-298450" lvl="1" marL="914400">
+            <a:lvl2pPr marL="914400" lvl="1" indent="-298450">
               <a:spcBef>
                 <a:spcPts val="0"/>
               </a:spcBef>
@@ -4412,7 +4274,7 @@
               <a:buChar char="○"/>
               <a:defRPr/>
             </a:lvl2pPr>
-            <a:lvl3pPr indent="-298450" lvl="2" marL="1371600">
+            <a:lvl3pPr marL="1371600" lvl="2" indent="-298450">
               <a:spcBef>
                 <a:spcPts val="0"/>
               </a:spcBef>
@@ -4423,7 +4285,7 @@
               <a:buChar char="■"/>
               <a:defRPr/>
             </a:lvl3pPr>
-            <a:lvl4pPr indent="-298450" lvl="3" marL="1828800">
+            <a:lvl4pPr marL="1828800" lvl="3" indent="-298450">
               <a:spcBef>
                 <a:spcPts val="0"/>
               </a:spcBef>
@@ -4434,7 +4296,7 @@
               <a:buChar char="●"/>
               <a:defRPr/>
             </a:lvl4pPr>
-            <a:lvl5pPr indent="-298450" lvl="4" marL="2286000">
+            <a:lvl5pPr marL="2286000" lvl="4" indent="-298450">
               <a:spcBef>
                 <a:spcPts val="0"/>
               </a:spcBef>
@@ -4445,7 +4307,7 @@
               <a:buChar char="○"/>
               <a:defRPr/>
             </a:lvl5pPr>
-            <a:lvl6pPr indent="-298450" lvl="5" marL="2743200">
+            <a:lvl6pPr marL="2743200" lvl="5" indent="-298450">
               <a:spcBef>
                 <a:spcPts val="0"/>
               </a:spcBef>
@@ -4456,7 +4318,7 @@
               <a:buChar char="■"/>
               <a:defRPr/>
             </a:lvl6pPr>
-            <a:lvl7pPr indent="-298450" lvl="6" marL="3200400">
+            <a:lvl7pPr marL="3200400" lvl="6" indent="-298450">
               <a:spcBef>
                 <a:spcPts val="0"/>
               </a:spcBef>
@@ -4467,7 +4329,7 @@
               <a:buChar char="●"/>
               <a:defRPr/>
             </a:lvl7pPr>
-            <a:lvl8pPr indent="-298450" lvl="7" marL="3657600">
+            <a:lvl8pPr marL="3657600" lvl="7" indent="-298450">
               <a:spcBef>
                 <a:spcPts val="0"/>
               </a:spcBef>
@@ -4478,7 +4340,7 @@
               <a:buChar char="○"/>
               <a:defRPr/>
             </a:lvl8pPr>
-            <a:lvl9pPr indent="-298450" lvl="8" marL="4114800">
+            <a:lvl9pPr marL="4114800" lvl="8" indent="-298450">
               <a:spcBef>
                 <a:spcPts val="0"/>
               </a:spcBef>
@@ -4498,7 +4360,7 @@
           <p:cNvPr id="55" name="Google Shape;55;p4"/>
           <p:cNvSpPr txBox="1"/>
           <p:nvPr>
-            <p:ph idx="12" type="sldNum"/>
+            <p:ph type="sldNum" idx="12"/>
           </p:nvPr>
         </p:nvSpPr>
         <p:spPr>
@@ -4511,7 +4373,7 @@
           </a:prstGeom>
         </p:spPr>
         <p:txBody>
-          <a:bodyPr anchorCtr="0" anchor="ctr" bIns="91425" lIns="91425" spcFirstLastPara="1" rIns="91425" wrap="square" tIns="91425">
+          <a:bodyPr spcFirstLastPara="1" wrap="square" lIns="91425" tIns="91425" rIns="91425" bIns="91425" anchor="ctr" anchorCtr="0">
             <a:normAutofit/>
           </a:bodyPr>
           <a:lstStyle>
@@ -4553,7 +4415,7 @@
             </a:lvl9pPr>
           </a:lstStyle>
           <a:p>
-            <a:pPr indent="0" lvl="0" marL="0" rtl="0" algn="r">
+            <a:pPr marL="0" lvl="0" indent="0" algn="r" rtl="0">
               <a:spcBef>
                 <a:spcPts val="0"/>
               </a:spcBef>
@@ -4563,10 +4425,9 @@
               <a:buNone/>
             </a:pPr>
             <a:fld id="{00000000-1234-1234-1234-123412341234}" type="slidenum">
-              <a:rPr lang="en"/>
-              <a:t>‹#›</a:t>
+              <a:rPr lang="en-GB"/>
             </a:fld>
-            <a:endParaRPr/>
+            <a:endParaRPr lang="en-GB"/>
           </a:p>
         </p:txBody>
       </p:sp>
@@ -4579,13 +4440,14 @@
 </file>
 
 <file path=ppt/slideLayouts/slideLayout4.xml><?xml version="1.0" encoding="utf-8"?>
-<p:sldLayout xmlns:a="http://schemas.openxmlformats.org/drawingml/2006/main" xmlns:r="http://schemas.openxmlformats.org/officeDocument/2006/relationships" xmlns:mc="http://schemas.openxmlformats.org/markup-compatibility/2006" xmlns:mv="urn:schemas-microsoft-com:mac:vml" xmlns:p="http://schemas.openxmlformats.org/presentationml/2006/main" xmlns:c="http://schemas.openxmlformats.org/drawingml/2006/chart" xmlns:dgm="http://schemas.openxmlformats.org/drawingml/2006/diagram" xmlns:o="urn:schemas-microsoft-com:office:office" xmlns:v="urn:schemas-microsoft-com:vml" xmlns:pvml="urn:schemas-microsoft-com:office:powerpoint" xmlns:com="http://schemas.openxmlformats.org/drawingml/2006/compatibility" xmlns:p14="http://schemas.microsoft.com/office/powerpoint/2010/main" xmlns:p15="http://schemas.microsoft.com/office/powerpoint/2012/main" xmlns:ahyp="http://schemas.microsoft.com/office/drawing/2018/hyperlinkcolor" matchingName="Title and two columns" type="twoColTx">
+<p:sldLayout xmlns:a="http://schemas.openxmlformats.org/drawingml/2006/main" xmlns:r="http://schemas.openxmlformats.org/officeDocument/2006/relationships" xmlns:p="http://schemas.openxmlformats.org/presentationml/2006/main" type="twoColTx" matchingName="Title and two columns">
   <p:cSld name="TITLE_AND_TWO_COLUMNS">
     <p:bg>
       <p:bgPr>
         <a:solidFill>
           <a:schemeClr val="dk2"/>
         </a:solidFill>
+        <a:effectLst/>
       </p:bgPr>
     </p:bg>
     <p:spTree>
@@ -4624,12 +4486,12 @@
           </a:ln>
         </p:spPr>
         <p:txBody>
-          <a:bodyPr anchorCtr="0" anchor="ctr" bIns="91425" lIns="91425" spcFirstLastPara="1" rIns="91425" wrap="square" tIns="91425">
+          <a:bodyPr spcFirstLastPara="1" wrap="square" lIns="91425" tIns="91425" rIns="91425" bIns="91425" anchor="ctr" anchorCtr="0">
             <a:noAutofit/>
           </a:bodyPr>
           <a:lstStyle/>
           <a:p>
-            <a:pPr indent="0" lvl="0" marL="0" rtl="0" algn="l">
+            <a:pPr marL="0" lvl="0" indent="0" algn="l" rtl="0">
               <a:spcBef>
                 <a:spcPts val="0"/>
               </a:spcBef>
@@ -4638,10 +4500,6 @@
               </a:spcAft>
               <a:buNone/>
             </a:pPr>
-            <a:r>
-              <a:t/>
-            </a:r>
-            <a:endParaRPr/>
           </a:p>
         </p:txBody>
       </p:sp>
@@ -4667,12 +4525,12 @@
           </a:ln>
         </p:spPr>
         <p:txBody>
-          <a:bodyPr anchorCtr="0" anchor="ctr" bIns="91425" lIns="91425" spcFirstLastPara="1" rIns="91425" wrap="square" tIns="91425">
+          <a:bodyPr spcFirstLastPara="1" wrap="square" lIns="91425" tIns="91425" rIns="91425" bIns="91425" anchor="ctr" anchorCtr="0">
             <a:noAutofit/>
           </a:bodyPr>
           <a:lstStyle/>
           <a:p>
-            <a:pPr indent="0" lvl="0" marL="0" rtl="0" algn="l">
+            <a:pPr marL="0" lvl="0" indent="0" algn="l" rtl="0">
               <a:spcBef>
                 <a:spcPts val="0"/>
               </a:spcBef>
@@ -4681,10 +4539,6 @@
               </a:spcAft>
               <a:buNone/>
             </a:pPr>
-            <a:r>
-              <a:t/>
-            </a:r>
-            <a:endParaRPr/>
           </a:p>
         </p:txBody>
       </p:sp>
@@ -4709,7 +4563,7 @@
             <a:noFill/>
           </a:ln>
           <a:effectLst>
-            <a:outerShdw blurRad="228600" sx="101000" rotWithShape="0" algn="ctr" sy="101000">
+            <a:outerShdw blurRad="228600" sx="101000" sy="101000" algn="ctr" rotWithShape="0">
               <a:srgbClr val="000000">
                 <a:alpha val="40000"/>
               </a:srgbClr>
@@ -4717,12 +4571,12 @@
           </a:effectLst>
         </p:spPr>
         <p:txBody>
-          <a:bodyPr anchorCtr="0" anchor="ctr" bIns="91425" lIns="91425" spcFirstLastPara="1" rIns="91425" wrap="square" tIns="91425">
+          <a:bodyPr spcFirstLastPara="1" wrap="square" lIns="91425" tIns="91425" rIns="91425" bIns="91425" anchor="ctr" anchorCtr="0">
             <a:noAutofit/>
           </a:bodyPr>
           <a:lstStyle/>
           <a:p>
-            <a:pPr indent="0" lvl="0" marL="0" rtl="0" algn="l">
+            <a:pPr marL="0" lvl="0" indent="0" algn="l" rtl="0">
               <a:spcBef>
                 <a:spcPts val="0"/>
               </a:spcBef>
@@ -4731,10 +4585,6 @@
               </a:spcAft>
               <a:buNone/>
             </a:pPr>
-            <a:r>
-              <a:t/>
-            </a:r>
-            <a:endParaRPr/>
           </a:p>
         </p:txBody>
       </p:sp>
@@ -4756,7 +4606,7 @@
           </a:prstGeom>
         </p:spPr>
         <p:txBody>
-          <a:bodyPr anchorCtr="0" anchor="t" bIns="91425" lIns="91425" spcFirstLastPara="1" rIns="91425" wrap="square" tIns="91425">
+          <a:bodyPr spcFirstLastPara="1" wrap="square" lIns="91425" tIns="91425" rIns="91425" bIns="91425" anchor="t" anchorCtr="0">
             <a:normAutofit/>
           </a:bodyPr>
           <a:lstStyle>
@@ -4868,7 +4718,7 @@
           <p:cNvPr id="61" name="Google Shape;61;p5"/>
           <p:cNvSpPr txBox="1"/>
           <p:nvPr>
-            <p:ph idx="1" type="body"/>
+            <p:ph type="body" idx="1"/>
           </p:nvPr>
         </p:nvSpPr>
         <p:spPr>
@@ -4881,11 +4731,11 @@
           </a:prstGeom>
         </p:spPr>
         <p:txBody>
-          <a:bodyPr anchorCtr="0" anchor="t" bIns="91425" lIns="91425" spcFirstLastPara="1" rIns="91425" wrap="square" tIns="91425">
+          <a:bodyPr spcFirstLastPara="1" wrap="square" lIns="91425" tIns="91425" rIns="91425" bIns="91425" anchor="t" anchorCtr="0">
             <a:normAutofit/>
           </a:bodyPr>
           <a:lstStyle>
-            <a:lvl1pPr indent="-311150" lvl="0" marL="457200">
+            <a:lvl1pPr marL="457200" lvl="0" indent="-311150">
               <a:spcBef>
                 <a:spcPts val="0"/>
               </a:spcBef>
@@ -4896,7 +4746,7 @@
               <a:buChar char="●"/>
               <a:defRPr/>
             </a:lvl1pPr>
-            <a:lvl2pPr indent="-298450" lvl="1" marL="914400">
+            <a:lvl2pPr marL="914400" lvl="1" indent="-298450">
               <a:spcBef>
                 <a:spcPts val="0"/>
               </a:spcBef>
@@ -4907,7 +4757,7 @@
               <a:buChar char="○"/>
               <a:defRPr/>
             </a:lvl2pPr>
-            <a:lvl3pPr indent="-298450" lvl="2" marL="1371600">
+            <a:lvl3pPr marL="1371600" lvl="2" indent="-298450">
               <a:spcBef>
                 <a:spcPts val="0"/>
               </a:spcBef>
@@ -4918,7 +4768,7 @@
               <a:buChar char="■"/>
               <a:defRPr/>
             </a:lvl3pPr>
-            <a:lvl4pPr indent="-298450" lvl="3" marL="1828800">
+            <a:lvl4pPr marL="1828800" lvl="3" indent="-298450">
               <a:spcBef>
                 <a:spcPts val="0"/>
               </a:spcBef>
@@ -4929,7 +4779,7 @@
               <a:buChar char="●"/>
               <a:defRPr/>
             </a:lvl4pPr>
-            <a:lvl5pPr indent="-298450" lvl="4" marL="2286000">
+            <a:lvl5pPr marL="2286000" lvl="4" indent="-298450">
               <a:spcBef>
                 <a:spcPts val="0"/>
               </a:spcBef>
@@ -4940,7 +4790,7 @@
               <a:buChar char="○"/>
               <a:defRPr/>
             </a:lvl5pPr>
-            <a:lvl6pPr indent="-298450" lvl="5" marL="2743200">
+            <a:lvl6pPr marL="2743200" lvl="5" indent="-298450">
               <a:spcBef>
                 <a:spcPts val="0"/>
               </a:spcBef>
@@ -4951,7 +4801,7 @@
               <a:buChar char="■"/>
               <a:defRPr/>
             </a:lvl6pPr>
-            <a:lvl7pPr indent="-298450" lvl="6" marL="3200400">
+            <a:lvl7pPr marL="3200400" lvl="6" indent="-298450">
               <a:spcBef>
                 <a:spcPts val="0"/>
               </a:spcBef>
@@ -4962,7 +4812,7 @@
               <a:buChar char="●"/>
               <a:defRPr/>
             </a:lvl7pPr>
-            <a:lvl8pPr indent="-298450" lvl="7" marL="3657600">
+            <a:lvl8pPr marL="3657600" lvl="7" indent="-298450">
               <a:spcBef>
                 <a:spcPts val="0"/>
               </a:spcBef>
@@ -4973,7 +4823,7 @@
               <a:buChar char="○"/>
               <a:defRPr/>
             </a:lvl8pPr>
-            <a:lvl9pPr indent="-298450" lvl="8" marL="4114800">
+            <a:lvl9pPr marL="4114800" lvl="8" indent="-298450">
               <a:spcBef>
                 <a:spcPts val="0"/>
               </a:spcBef>
@@ -4993,7 +4843,7 @@
           <p:cNvPr id="62" name="Google Shape;62;p5"/>
           <p:cNvSpPr txBox="1"/>
           <p:nvPr>
-            <p:ph idx="2" type="body"/>
+            <p:ph type="body" idx="2"/>
           </p:nvPr>
         </p:nvSpPr>
         <p:spPr>
@@ -5006,11 +4856,11 @@
           </a:prstGeom>
         </p:spPr>
         <p:txBody>
-          <a:bodyPr anchorCtr="0" anchor="t" bIns="91425" lIns="91425" spcFirstLastPara="1" rIns="91425" wrap="square" tIns="91425">
+          <a:bodyPr spcFirstLastPara="1" wrap="square" lIns="91425" tIns="91425" rIns="91425" bIns="91425" anchor="t" anchorCtr="0">
             <a:normAutofit/>
           </a:bodyPr>
           <a:lstStyle>
-            <a:lvl1pPr indent="-311150" lvl="0" marL="457200">
+            <a:lvl1pPr marL="457200" lvl="0" indent="-311150">
               <a:spcBef>
                 <a:spcPts val="0"/>
               </a:spcBef>
@@ -5021,7 +4871,7 @@
               <a:buChar char="●"/>
               <a:defRPr/>
             </a:lvl1pPr>
-            <a:lvl2pPr indent="-298450" lvl="1" marL="914400">
+            <a:lvl2pPr marL="914400" lvl="1" indent="-298450">
               <a:spcBef>
                 <a:spcPts val="0"/>
               </a:spcBef>
@@ -5032,7 +4882,7 @@
               <a:buChar char="○"/>
               <a:defRPr/>
             </a:lvl2pPr>
-            <a:lvl3pPr indent="-298450" lvl="2" marL="1371600">
+            <a:lvl3pPr marL="1371600" lvl="2" indent="-298450">
               <a:spcBef>
                 <a:spcPts val="0"/>
               </a:spcBef>
@@ -5043,7 +4893,7 @@
               <a:buChar char="■"/>
               <a:defRPr/>
             </a:lvl3pPr>
-            <a:lvl4pPr indent="-298450" lvl="3" marL="1828800">
+            <a:lvl4pPr marL="1828800" lvl="3" indent="-298450">
               <a:spcBef>
                 <a:spcPts val="0"/>
               </a:spcBef>
@@ -5054,7 +4904,7 @@
               <a:buChar char="●"/>
               <a:defRPr/>
             </a:lvl4pPr>
-            <a:lvl5pPr indent="-298450" lvl="4" marL="2286000">
+            <a:lvl5pPr marL="2286000" lvl="4" indent="-298450">
               <a:spcBef>
                 <a:spcPts val="0"/>
               </a:spcBef>
@@ -5065,7 +4915,7 @@
               <a:buChar char="○"/>
               <a:defRPr/>
             </a:lvl5pPr>
-            <a:lvl6pPr indent="-298450" lvl="5" marL="2743200">
+            <a:lvl6pPr marL="2743200" lvl="5" indent="-298450">
               <a:spcBef>
                 <a:spcPts val="0"/>
               </a:spcBef>
@@ -5076,7 +4926,7 @@
               <a:buChar char="■"/>
               <a:defRPr/>
             </a:lvl6pPr>
-            <a:lvl7pPr indent="-298450" lvl="6" marL="3200400">
+            <a:lvl7pPr marL="3200400" lvl="6" indent="-298450">
               <a:spcBef>
                 <a:spcPts val="0"/>
               </a:spcBef>
@@ -5087,7 +4937,7 @@
               <a:buChar char="●"/>
               <a:defRPr/>
             </a:lvl7pPr>
-            <a:lvl8pPr indent="-298450" lvl="7" marL="3657600">
+            <a:lvl8pPr marL="3657600" lvl="7" indent="-298450">
               <a:spcBef>
                 <a:spcPts val="0"/>
               </a:spcBef>
@@ -5098,7 +4948,7 @@
               <a:buChar char="○"/>
               <a:defRPr/>
             </a:lvl8pPr>
-            <a:lvl9pPr indent="-298450" lvl="8" marL="4114800">
+            <a:lvl9pPr marL="4114800" lvl="8" indent="-298450">
               <a:spcBef>
                 <a:spcPts val="0"/>
               </a:spcBef>
@@ -5118,7 +4968,7 @@
           <p:cNvPr id="63" name="Google Shape;63;p5"/>
           <p:cNvSpPr txBox="1"/>
           <p:nvPr>
-            <p:ph idx="12" type="sldNum"/>
+            <p:ph type="sldNum" idx="12"/>
           </p:nvPr>
         </p:nvSpPr>
         <p:spPr>
@@ -5131,7 +4981,7 @@
           </a:prstGeom>
         </p:spPr>
         <p:txBody>
-          <a:bodyPr anchorCtr="0" anchor="ctr" bIns="91425" lIns="91425" spcFirstLastPara="1" rIns="91425" wrap="square" tIns="91425">
+          <a:bodyPr spcFirstLastPara="1" wrap="square" lIns="91425" tIns="91425" rIns="91425" bIns="91425" anchor="ctr" anchorCtr="0">
             <a:normAutofit/>
           </a:bodyPr>
           <a:lstStyle>
@@ -5173,7 +5023,7 @@
             </a:lvl9pPr>
           </a:lstStyle>
           <a:p>
-            <a:pPr indent="0" lvl="0" marL="0" rtl="0" algn="r">
+            <a:pPr marL="0" lvl="0" indent="0" algn="r" rtl="0">
               <a:spcBef>
                 <a:spcPts val="0"/>
               </a:spcBef>
@@ -5183,10 +5033,9 @@
               <a:buNone/>
             </a:pPr>
             <a:fld id="{00000000-1234-1234-1234-123412341234}" type="slidenum">
-              <a:rPr lang="en"/>
-              <a:t>‹#›</a:t>
+              <a:rPr lang="en-GB"/>
             </a:fld>
-            <a:endParaRPr/>
+            <a:endParaRPr lang="en-GB"/>
           </a:p>
         </p:txBody>
       </p:sp>
@@ -5199,13 +5048,14 @@
 </file>
 
 <file path=ppt/slideLayouts/slideLayout5.xml><?xml version="1.0" encoding="utf-8"?>
-<p:sldLayout xmlns:a="http://schemas.openxmlformats.org/drawingml/2006/main" xmlns:r="http://schemas.openxmlformats.org/officeDocument/2006/relationships" xmlns:mc="http://schemas.openxmlformats.org/markup-compatibility/2006" xmlns:mv="urn:schemas-microsoft-com:mac:vml" xmlns:p="http://schemas.openxmlformats.org/presentationml/2006/main" xmlns:c="http://schemas.openxmlformats.org/drawingml/2006/chart" xmlns:dgm="http://schemas.openxmlformats.org/drawingml/2006/diagram" xmlns:o="urn:schemas-microsoft-com:office:office" xmlns:v="urn:schemas-microsoft-com:vml" xmlns:pvml="urn:schemas-microsoft-com:office:powerpoint" xmlns:com="http://schemas.openxmlformats.org/drawingml/2006/compatibility" xmlns:p14="http://schemas.microsoft.com/office/powerpoint/2010/main" xmlns:p15="http://schemas.microsoft.com/office/powerpoint/2012/main" xmlns:ahyp="http://schemas.microsoft.com/office/drawing/2018/hyperlinkcolor" matchingName="Title only" type="titleOnly">
+<p:sldLayout xmlns:a="http://schemas.openxmlformats.org/drawingml/2006/main" xmlns:r="http://schemas.openxmlformats.org/officeDocument/2006/relationships" xmlns:p="http://schemas.openxmlformats.org/presentationml/2006/main" type="titleOnly" matchingName="Title only">
   <p:cSld name="TITLE_ONLY">
     <p:bg>
       <p:bgPr>
         <a:solidFill>
           <a:schemeClr val="dk2"/>
         </a:solidFill>
+        <a:effectLst/>
       </p:bgPr>
     </p:bg>
     <p:spTree>
@@ -5244,12 +5094,12 @@
           </a:ln>
         </p:spPr>
         <p:txBody>
-          <a:bodyPr anchorCtr="0" anchor="ctr" bIns="91425" lIns="91425" spcFirstLastPara="1" rIns="91425" wrap="square" tIns="91425">
+          <a:bodyPr spcFirstLastPara="1" wrap="square" lIns="91425" tIns="91425" rIns="91425" bIns="91425" anchor="ctr" anchorCtr="0">
             <a:noAutofit/>
           </a:bodyPr>
           <a:lstStyle/>
           <a:p>
-            <a:pPr indent="0" lvl="0" marL="0" rtl="0" algn="l">
+            <a:pPr marL="0" lvl="0" indent="0" algn="l" rtl="0">
               <a:spcBef>
                 <a:spcPts val="0"/>
               </a:spcBef>
@@ -5258,10 +5108,6 @@
               </a:spcAft>
               <a:buNone/>
             </a:pPr>
-            <a:r>
-              <a:t/>
-            </a:r>
-            <a:endParaRPr/>
           </a:p>
         </p:txBody>
       </p:sp>
@@ -5287,12 +5133,12 @@
           </a:ln>
         </p:spPr>
         <p:txBody>
-          <a:bodyPr anchorCtr="0" anchor="ctr" bIns="91425" lIns="91425" spcFirstLastPara="1" rIns="91425" wrap="square" tIns="91425">
+          <a:bodyPr spcFirstLastPara="1" wrap="square" lIns="91425" tIns="91425" rIns="91425" bIns="91425" anchor="ctr" anchorCtr="0">
             <a:noAutofit/>
           </a:bodyPr>
           <a:lstStyle/>
           <a:p>
-            <a:pPr indent="0" lvl="0" marL="0" rtl="0" algn="l">
+            <a:pPr marL="0" lvl="0" indent="0" algn="l" rtl="0">
               <a:spcBef>
                 <a:spcPts val="0"/>
               </a:spcBef>
@@ -5301,10 +5147,6 @@
               </a:spcAft>
               <a:buNone/>
             </a:pPr>
-            <a:r>
-              <a:t/>
-            </a:r>
-            <a:endParaRPr/>
           </a:p>
         </p:txBody>
       </p:sp>
@@ -5329,7 +5171,7 @@
             <a:noFill/>
           </a:ln>
           <a:effectLst>
-            <a:outerShdw blurRad="228600" sx="101000" rotWithShape="0" algn="ctr" sy="101000">
+            <a:outerShdw blurRad="228600" sx="101000" sy="101000" algn="ctr" rotWithShape="0">
               <a:srgbClr val="000000">
                 <a:alpha val="40000"/>
               </a:srgbClr>
@@ -5337,12 +5179,12 @@
           </a:effectLst>
         </p:spPr>
         <p:txBody>
-          <a:bodyPr anchorCtr="0" anchor="ctr" bIns="91425" lIns="91425" spcFirstLastPara="1" rIns="91425" wrap="square" tIns="91425">
+          <a:bodyPr spcFirstLastPara="1" wrap="square" lIns="91425" tIns="91425" rIns="91425" bIns="91425" anchor="ctr" anchorCtr="0">
             <a:noAutofit/>
           </a:bodyPr>
           <a:lstStyle/>
           <a:p>
-            <a:pPr indent="0" lvl="0" marL="0" rtl="0" algn="l">
+            <a:pPr marL="0" lvl="0" indent="0" algn="l" rtl="0">
               <a:spcBef>
                 <a:spcPts val="0"/>
               </a:spcBef>
@@ -5351,10 +5193,6 @@
               </a:spcAft>
               <a:buNone/>
             </a:pPr>
-            <a:r>
-              <a:t/>
-            </a:r>
-            <a:endParaRPr/>
           </a:p>
         </p:txBody>
       </p:sp>
@@ -5376,7 +5214,7 @@
           </a:prstGeom>
         </p:spPr>
         <p:txBody>
-          <a:bodyPr anchorCtr="0" anchor="t" bIns="91425" lIns="91425" spcFirstLastPara="1" rIns="91425" wrap="square" tIns="91425">
+          <a:bodyPr spcFirstLastPara="1" wrap="square" lIns="91425" tIns="91425" rIns="91425" bIns="91425" anchor="t" anchorCtr="0">
             <a:normAutofit/>
           </a:bodyPr>
           <a:lstStyle>
@@ -5488,7 +5326,7 @@
           <p:cNvPr id="69" name="Google Shape;69;p6"/>
           <p:cNvSpPr txBox="1"/>
           <p:nvPr>
-            <p:ph idx="12" type="sldNum"/>
+            <p:ph type="sldNum" idx="12"/>
           </p:nvPr>
         </p:nvSpPr>
         <p:spPr>
@@ -5501,7 +5339,7 @@
           </a:prstGeom>
         </p:spPr>
         <p:txBody>
-          <a:bodyPr anchorCtr="0" anchor="ctr" bIns="91425" lIns="91425" spcFirstLastPara="1" rIns="91425" wrap="square" tIns="91425">
+          <a:bodyPr spcFirstLastPara="1" wrap="square" lIns="91425" tIns="91425" rIns="91425" bIns="91425" anchor="ctr" anchorCtr="0">
             <a:normAutofit/>
           </a:bodyPr>
           <a:lstStyle>
@@ -5543,7 +5381,7 @@
             </a:lvl9pPr>
           </a:lstStyle>
           <a:p>
-            <a:pPr indent="0" lvl="0" marL="0" rtl="0" algn="r">
+            <a:pPr marL="0" lvl="0" indent="0" algn="r" rtl="0">
               <a:spcBef>
                 <a:spcPts val="0"/>
               </a:spcBef>
@@ -5553,10 +5391,9 @@
               <a:buNone/>
             </a:pPr>
             <a:fld id="{00000000-1234-1234-1234-123412341234}" type="slidenum">
-              <a:rPr lang="en"/>
-              <a:t>‹#›</a:t>
+              <a:rPr lang="en-GB"/>
             </a:fld>
-            <a:endParaRPr/>
+            <a:endParaRPr lang="en-GB"/>
           </a:p>
         </p:txBody>
       </p:sp>
@@ -5569,13 +5406,14 @@
 </file>
 
 <file path=ppt/slideLayouts/slideLayout6.xml><?xml version="1.0" encoding="utf-8"?>
-<p:sldLayout xmlns:a="http://schemas.openxmlformats.org/drawingml/2006/main" xmlns:r="http://schemas.openxmlformats.org/officeDocument/2006/relationships" xmlns:mc="http://schemas.openxmlformats.org/markup-compatibility/2006" xmlns:mv="urn:schemas-microsoft-com:mac:vml" xmlns:p="http://schemas.openxmlformats.org/presentationml/2006/main" xmlns:c="http://schemas.openxmlformats.org/drawingml/2006/chart" xmlns:dgm="http://schemas.openxmlformats.org/drawingml/2006/diagram" xmlns:o="urn:schemas-microsoft-com:office:office" xmlns:v="urn:schemas-microsoft-com:vml" xmlns:pvml="urn:schemas-microsoft-com:office:powerpoint" xmlns:com="http://schemas.openxmlformats.org/drawingml/2006/compatibility" xmlns:p14="http://schemas.microsoft.com/office/powerpoint/2010/main" xmlns:p15="http://schemas.microsoft.com/office/powerpoint/2012/main" xmlns:ahyp="http://schemas.microsoft.com/office/drawing/2018/hyperlinkcolor" matchingName="One column text">
+<p:sldLayout xmlns:a="http://schemas.openxmlformats.org/drawingml/2006/main" xmlns:r="http://schemas.openxmlformats.org/officeDocument/2006/relationships" xmlns:p="http://schemas.openxmlformats.org/presentationml/2006/main" matchingName="One column text">
   <p:cSld name="ONE_COLUMN_TEXT">
     <p:bg>
       <p:bgPr>
         <a:solidFill>
           <a:schemeClr val="accent3"/>
         </a:solidFill>
+        <a:effectLst/>
       </p:bgPr>
     </p:bg>
     <p:spTree>
@@ -5614,12 +5452,12 @@
           </a:ln>
         </p:spPr>
         <p:txBody>
-          <a:bodyPr anchorCtr="0" anchor="ctr" bIns="91425" lIns="91425" spcFirstLastPara="1" rIns="91425" wrap="square" tIns="91425">
+          <a:bodyPr spcFirstLastPara="1" wrap="square" lIns="91425" tIns="91425" rIns="91425" bIns="91425" anchor="ctr" anchorCtr="0">
             <a:noAutofit/>
           </a:bodyPr>
           <a:lstStyle/>
           <a:p>
-            <a:pPr indent="0" lvl="0" marL="0" rtl="0" algn="l">
+            <a:pPr marL="0" lvl="0" indent="0" algn="l" rtl="0">
               <a:spcBef>
                 <a:spcPts val="0"/>
               </a:spcBef>
@@ -5628,10 +5466,6 @@
               </a:spcAft>
               <a:buNone/>
             </a:pPr>
-            <a:r>
-              <a:t/>
-            </a:r>
-            <a:endParaRPr/>
           </a:p>
         </p:txBody>
       </p:sp>
@@ -5657,12 +5491,12 @@
           </a:ln>
         </p:spPr>
         <p:txBody>
-          <a:bodyPr anchorCtr="0" anchor="ctr" bIns="91425" lIns="91425" spcFirstLastPara="1" rIns="91425" wrap="square" tIns="91425">
+          <a:bodyPr spcFirstLastPara="1" wrap="square" lIns="91425" tIns="91425" rIns="91425" bIns="91425" anchor="ctr" anchorCtr="0">
             <a:noAutofit/>
           </a:bodyPr>
           <a:lstStyle/>
           <a:p>
-            <a:pPr indent="0" lvl="0" marL="0" rtl="0" algn="l">
+            <a:pPr marL="0" lvl="0" indent="0" algn="l" rtl="0">
               <a:spcBef>
                 <a:spcPts val="0"/>
               </a:spcBef>
@@ -5671,10 +5505,6 @@
               </a:spcAft>
               <a:buNone/>
             </a:pPr>
-            <a:r>
-              <a:t/>
-            </a:r>
-            <a:endParaRPr/>
           </a:p>
         </p:txBody>
       </p:sp>
@@ -5699,7 +5529,7 @@
             <a:noFill/>
           </a:ln>
           <a:effectLst>
-            <a:outerShdw blurRad="228600" sx="101000" rotWithShape="0" algn="ctr" sy="101000">
+            <a:outerShdw blurRad="228600" sx="101000" sy="101000" algn="ctr" rotWithShape="0">
               <a:srgbClr val="000000">
                 <a:alpha val="40000"/>
               </a:srgbClr>
@@ -5707,12 +5537,12 @@
           </a:effectLst>
         </p:spPr>
         <p:txBody>
-          <a:bodyPr anchorCtr="0" anchor="ctr" bIns="91425" lIns="91425" spcFirstLastPara="1" rIns="91425" wrap="square" tIns="91425">
+          <a:bodyPr spcFirstLastPara="1" wrap="square" lIns="91425" tIns="91425" rIns="91425" bIns="91425" anchor="ctr" anchorCtr="0">
             <a:noAutofit/>
           </a:bodyPr>
           <a:lstStyle/>
           <a:p>
-            <a:pPr indent="0" lvl="0" marL="0" rtl="0" algn="l">
+            <a:pPr marL="0" lvl="0" indent="0" algn="l" rtl="0">
               <a:spcBef>
                 <a:spcPts val="0"/>
               </a:spcBef>
@@ -5721,10 +5551,6 @@
               </a:spcAft>
               <a:buNone/>
             </a:pPr>
-            <a:r>
-              <a:t/>
-            </a:r>
-            <a:endParaRPr/>
           </a:p>
         </p:txBody>
       </p:sp>
@@ -5746,7 +5572,7 @@
           </a:prstGeom>
         </p:spPr>
         <p:txBody>
-          <a:bodyPr anchorCtr="0" anchor="t" bIns="91425" lIns="91425" spcFirstLastPara="1" rIns="91425" wrap="square" tIns="91425">
+          <a:bodyPr spcFirstLastPara="1" wrap="square" lIns="91425" tIns="91425" rIns="91425" bIns="91425" anchor="t" anchorCtr="0">
             <a:normAutofit/>
           </a:bodyPr>
           <a:lstStyle>
@@ -5858,7 +5684,7 @@
           <p:cNvPr id="75" name="Google Shape;75;p7"/>
           <p:cNvSpPr txBox="1"/>
           <p:nvPr>
-            <p:ph idx="1" type="body"/>
+            <p:ph type="body" idx="1"/>
           </p:nvPr>
         </p:nvSpPr>
         <p:spPr>
@@ -5871,11 +5697,11 @@
           </a:prstGeom>
         </p:spPr>
         <p:txBody>
-          <a:bodyPr anchorCtr="0" anchor="t" bIns="91425" lIns="91425" spcFirstLastPara="1" rIns="91425" wrap="square" tIns="91425">
+          <a:bodyPr spcFirstLastPara="1" wrap="square" lIns="91425" tIns="91425" rIns="91425" bIns="91425" anchor="t" anchorCtr="0">
             <a:normAutofit/>
           </a:bodyPr>
           <a:lstStyle>
-            <a:lvl1pPr indent="-311150" lvl="0" marL="457200">
+            <a:lvl1pPr marL="457200" lvl="0" indent="-311150">
               <a:spcBef>
                 <a:spcPts val="0"/>
               </a:spcBef>
@@ -5886,7 +5712,7 @@
               <a:buChar char="●"/>
               <a:defRPr/>
             </a:lvl1pPr>
-            <a:lvl2pPr indent="-298450" lvl="1" marL="914400">
+            <a:lvl2pPr marL="914400" lvl="1" indent="-298450">
               <a:spcBef>
                 <a:spcPts val="0"/>
               </a:spcBef>
@@ -5897,7 +5723,7 @@
               <a:buChar char="○"/>
               <a:defRPr/>
             </a:lvl2pPr>
-            <a:lvl3pPr indent="-298450" lvl="2" marL="1371600">
+            <a:lvl3pPr marL="1371600" lvl="2" indent="-298450">
               <a:spcBef>
                 <a:spcPts val="0"/>
               </a:spcBef>
@@ -5908,7 +5734,7 @@
               <a:buChar char="■"/>
               <a:defRPr/>
             </a:lvl3pPr>
-            <a:lvl4pPr indent="-298450" lvl="3" marL="1828800">
+            <a:lvl4pPr marL="1828800" lvl="3" indent="-298450">
               <a:spcBef>
                 <a:spcPts val="0"/>
               </a:spcBef>
@@ -5919,7 +5745,7 @@
               <a:buChar char="●"/>
               <a:defRPr/>
             </a:lvl4pPr>
-            <a:lvl5pPr indent="-298450" lvl="4" marL="2286000">
+            <a:lvl5pPr marL="2286000" lvl="4" indent="-298450">
               <a:spcBef>
                 <a:spcPts val="0"/>
               </a:spcBef>
@@ -5930,7 +5756,7 @@
               <a:buChar char="○"/>
               <a:defRPr/>
             </a:lvl5pPr>
-            <a:lvl6pPr indent="-298450" lvl="5" marL="2743200">
+            <a:lvl6pPr marL="2743200" lvl="5" indent="-298450">
               <a:spcBef>
                 <a:spcPts val="0"/>
               </a:spcBef>
@@ -5941,7 +5767,7 @@
               <a:buChar char="■"/>
               <a:defRPr/>
             </a:lvl6pPr>
-            <a:lvl7pPr indent="-298450" lvl="6" marL="3200400">
+            <a:lvl7pPr marL="3200400" lvl="6" indent="-298450">
               <a:spcBef>
                 <a:spcPts val="0"/>
               </a:spcBef>
@@ -5952,7 +5778,7 @@
               <a:buChar char="●"/>
               <a:defRPr/>
             </a:lvl7pPr>
-            <a:lvl8pPr indent="-298450" lvl="7" marL="3657600">
+            <a:lvl8pPr marL="3657600" lvl="7" indent="-298450">
               <a:spcBef>
                 <a:spcPts val="0"/>
               </a:spcBef>
@@ -5963,7 +5789,7 @@
               <a:buChar char="○"/>
               <a:defRPr/>
             </a:lvl8pPr>
-            <a:lvl9pPr indent="-298450" lvl="8" marL="4114800">
+            <a:lvl9pPr marL="4114800" lvl="8" indent="-298450">
               <a:spcBef>
                 <a:spcPts val="0"/>
               </a:spcBef>
@@ -5983,7 +5809,7 @@
           <p:cNvPr id="76" name="Google Shape;76;p7"/>
           <p:cNvSpPr txBox="1"/>
           <p:nvPr>
-            <p:ph idx="12" type="sldNum"/>
+            <p:ph type="sldNum" idx="12"/>
           </p:nvPr>
         </p:nvSpPr>
         <p:spPr>
@@ -5996,7 +5822,7 @@
           </a:prstGeom>
         </p:spPr>
         <p:txBody>
-          <a:bodyPr anchorCtr="0" anchor="ctr" bIns="91425" lIns="91425" spcFirstLastPara="1" rIns="91425" wrap="square" tIns="91425">
+          <a:bodyPr spcFirstLastPara="1" wrap="square" lIns="91425" tIns="91425" rIns="91425" bIns="91425" anchor="ctr" anchorCtr="0">
             <a:normAutofit/>
           </a:bodyPr>
           <a:lstStyle>
@@ -6038,7 +5864,7 @@
             </a:lvl9pPr>
           </a:lstStyle>
           <a:p>
-            <a:pPr indent="0" lvl="0" marL="0" rtl="0" algn="r">
+            <a:pPr marL="0" lvl="0" indent="0" algn="r" rtl="0">
               <a:spcBef>
                 <a:spcPts val="0"/>
               </a:spcBef>
@@ -6048,10 +5874,9 @@
               <a:buNone/>
             </a:pPr>
             <a:fld id="{00000000-1234-1234-1234-123412341234}" type="slidenum">
-              <a:rPr lang="en"/>
-              <a:t>‹#›</a:t>
+              <a:rPr lang="en-GB"/>
             </a:fld>
-            <a:endParaRPr/>
+            <a:endParaRPr lang="en-GB"/>
           </a:p>
         </p:txBody>
       </p:sp>
@@ -6064,13 +5889,14 @@
 </file>
 
 <file path=ppt/slideLayouts/slideLayout7.xml><?xml version="1.0" encoding="utf-8"?>
-<p:sldLayout xmlns:a="http://schemas.openxmlformats.org/drawingml/2006/main" xmlns:r="http://schemas.openxmlformats.org/officeDocument/2006/relationships" xmlns:mc="http://schemas.openxmlformats.org/markup-compatibility/2006" xmlns:mv="urn:schemas-microsoft-com:mac:vml" xmlns:p="http://schemas.openxmlformats.org/presentationml/2006/main" xmlns:c="http://schemas.openxmlformats.org/drawingml/2006/chart" xmlns:dgm="http://schemas.openxmlformats.org/drawingml/2006/diagram" xmlns:o="urn:schemas-microsoft-com:office:office" xmlns:v="urn:schemas-microsoft-com:vml" xmlns:pvml="urn:schemas-microsoft-com:office:powerpoint" xmlns:com="http://schemas.openxmlformats.org/drawingml/2006/compatibility" xmlns:p14="http://schemas.microsoft.com/office/powerpoint/2010/main" xmlns:p15="http://schemas.microsoft.com/office/powerpoint/2012/main" xmlns:ahyp="http://schemas.microsoft.com/office/drawing/2018/hyperlinkcolor" matchingName="Main point">
+<p:sldLayout xmlns:a="http://schemas.openxmlformats.org/drawingml/2006/main" xmlns:r="http://schemas.openxmlformats.org/officeDocument/2006/relationships" xmlns:p="http://schemas.openxmlformats.org/presentationml/2006/main" matchingName="Main point">
   <p:cSld name="MAIN_POINT">
     <p:bg>
       <p:bgPr>
         <a:solidFill>
           <a:schemeClr val="accent1"/>
         </a:solidFill>
+        <a:effectLst/>
       </p:bgPr>
     </p:bg>
     <p:spTree>
@@ -6109,12 +5935,12 @@
           </a:ln>
         </p:spPr>
         <p:txBody>
-          <a:bodyPr anchorCtr="0" anchor="ctr" bIns="91425" lIns="91425" spcFirstLastPara="1" rIns="91425" wrap="square" tIns="91425">
+          <a:bodyPr spcFirstLastPara="1" wrap="square" lIns="91425" tIns="91425" rIns="91425" bIns="91425" anchor="ctr" anchorCtr="0">
             <a:noAutofit/>
           </a:bodyPr>
           <a:lstStyle/>
           <a:p>
-            <a:pPr indent="0" lvl="0" marL="0" rtl="0" algn="l">
+            <a:pPr marL="0" lvl="0" indent="0" algn="l" rtl="0">
               <a:spcBef>
                 <a:spcPts val="0"/>
               </a:spcBef>
@@ -6123,10 +5949,6 @@
               </a:spcAft>
               <a:buNone/>
             </a:pPr>
-            <a:r>
-              <a:t/>
-            </a:r>
-            <a:endParaRPr/>
           </a:p>
         </p:txBody>
       </p:sp>
@@ -6152,12 +5974,12 @@
           </a:ln>
         </p:spPr>
         <p:txBody>
-          <a:bodyPr anchorCtr="0" anchor="ctr" bIns="91425" lIns="91425" spcFirstLastPara="1" rIns="91425" wrap="square" tIns="91425">
+          <a:bodyPr spcFirstLastPara="1" wrap="square" lIns="91425" tIns="91425" rIns="91425" bIns="91425" anchor="ctr" anchorCtr="0">
             <a:noAutofit/>
           </a:bodyPr>
           <a:lstStyle/>
           <a:p>
-            <a:pPr indent="0" lvl="0" marL="0" rtl="0" algn="l">
+            <a:pPr marL="0" lvl="0" indent="0" algn="l" rtl="0">
               <a:spcBef>
                 <a:spcPts val="0"/>
               </a:spcBef>
@@ -6166,10 +5988,6 @@
               </a:spcAft>
               <a:buNone/>
             </a:pPr>
-            <a:r>
-              <a:t/>
-            </a:r>
-            <a:endParaRPr/>
           </a:p>
         </p:txBody>
       </p:sp>
@@ -6200,7 +6018,7 @@
             </a:xfrm>
             <a:prstGeom prst="parallelogram">
               <a:avLst>
-                <a:gd fmla="val 153193" name="adj"/>
+                <a:gd name="adj" fmla="val 153193"/>
               </a:avLst>
             </a:prstGeom>
             <a:solidFill>
@@ -6211,12 +6029,12 @@
             </a:ln>
           </p:spPr>
           <p:txBody>
-            <a:bodyPr anchorCtr="0" anchor="ctr" bIns="91425" lIns="91425" spcFirstLastPara="1" rIns="91425" wrap="square" tIns="91425">
+            <a:bodyPr spcFirstLastPara="1" wrap="square" lIns="91425" tIns="91425" rIns="91425" bIns="91425" anchor="ctr" anchorCtr="0">
               <a:noAutofit/>
             </a:bodyPr>
             <a:lstStyle/>
             <a:p>
-              <a:pPr indent="0" lvl="0" marL="0" rtl="0" algn="l">
+              <a:pPr marL="0" lvl="0" indent="0" algn="l" rtl="0">
                 <a:spcBef>
                   <a:spcPts val="0"/>
                 </a:spcBef>
@@ -6225,10 +6043,6 @@
                 </a:spcAft>
                 <a:buNone/>
               </a:pPr>
-              <a:r>
-                <a:t/>
-              </a:r>
-              <a:endParaRPr/>
             </a:p>
           </p:txBody>
         </p:sp>
@@ -6245,7 +6059,7 @@
             </a:xfrm>
             <a:prstGeom prst="parallelogram">
               <a:avLst>
-                <a:gd fmla="val 153193" name="adj"/>
+                <a:gd name="adj" fmla="val 153193"/>
               </a:avLst>
             </a:prstGeom>
             <a:solidFill>
@@ -6256,12 +6070,12 @@
             </a:ln>
           </p:spPr>
           <p:txBody>
-            <a:bodyPr anchorCtr="0" anchor="ctr" bIns="91425" lIns="91425" spcFirstLastPara="1" rIns="91425" wrap="square" tIns="91425">
+            <a:bodyPr spcFirstLastPara="1" wrap="square" lIns="91425" tIns="91425" rIns="91425" bIns="91425" anchor="ctr" anchorCtr="0">
               <a:noAutofit/>
             </a:bodyPr>
             <a:lstStyle/>
             <a:p>
-              <a:pPr indent="0" lvl="0" marL="0" rtl="0" algn="l">
+              <a:pPr marL="0" lvl="0" indent="0" algn="l" rtl="0">
                 <a:spcBef>
                   <a:spcPts val="0"/>
                 </a:spcBef>
@@ -6270,10 +6084,6 @@
                 </a:spcAft>
                 <a:buNone/>
               </a:pPr>
-              <a:r>
-                <a:t/>
-              </a:r>
-              <a:endParaRPr/>
             </a:p>
           </p:txBody>
         </p:sp>
@@ -6290,7 +6100,7 @@
             </a:xfrm>
             <a:prstGeom prst="parallelogram">
               <a:avLst>
-                <a:gd fmla="val 153193" name="adj"/>
+                <a:gd name="adj" fmla="val 153193"/>
               </a:avLst>
             </a:prstGeom>
             <a:solidFill>
@@ -6301,12 +6111,12 @@
             </a:ln>
           </p:spPr>
           <p:txBody>
-            <a:bodyPr anchorCtr="0" anchor="ctr" bIns="91425" lIns="91425" spcFirstLastPara="1" rIns="91425" wrap="square" tIns="91425">
+            <a:bodyPr spcFirstLastPara="1" wrap="square" lIns="91425" tIns="91425" rIns="91425" bIns="91425" anchor="ctr" anchorCtr="0">
               <a:noAutofit/>
             </a:bodyPr>
             <a:lstStyle/>
             <a:p>
-              <a:pPr indent="0" lvl="0" marL="0" rtl="0" algn="l">
+              <a:pPr marL="0" lvl="0" indent="0" algn="l" rtl="0">
                 <a:spcBef>
                   <a:spcPts val="0"/>
                 </a:spcBef>
@@ -6315,10 +6125,6 @@
                 </a:spcAft>
                 <a:buNone/>
               </a:pPr>
-              <a:r>
-                <a:t/>
-              </a:r>
-              <a:endParaRPr/>
             </a:p>
           </p:txBody>
         </p:sp>
@@ -6344,7 +6150,7 @@
             <a:noFill/>
           </a:ln>
           <a:effectLst>
-            <a:outerShdw blurRad="228600" sx="101000" rotWithShape="0" algn="ctr" sy="101000">
+            <a:outerShdw blurRad="228600" sx="101000" sy="101000" algn="ctr" rotWithShape="0">
               <a:srgbClr val="000000">
                 <a:alpha val="40000"/>
               </a:srgbClr>
@@ -6352,12 +6158,12 @@
           </a:effectLst>
         </p:spPr>
         <p:txBody>
-          <a:bodyPr anchorCtr="0" anchor="ctr" bIns="91425" lIns="91425" spcFirstLastPara="1" rIns="91425" wrap="square" tIns="91425">
+          <a:bodyPr spcFirstLastPara="1" wrap="square" lIns="91425" tIns="91425" rIns="91425" bIns="91425" anchor="ctr" anchorCtr="0">
             <a:noAutofit/>
           </a:bodyPr>
           <a:lstStyle/>
           <a:p>
-            <a:pPr indent="0" lvl="0" marL="0" rtl="0" algn="l">
+            <a:pPr marL="0" lvl="0" indent="0" algn="l" rtl="0">
               <a:spcBef>
                 <a:spcPts val="0"/>
               </a:spcBef>
@@ -6366,10 +6172,6 @@
               </a:spcAft>
               <a:buNone/>
             </a:pPr>
-            <a:r>
-              <a:t/>
-            </a:r>
-            <a:endParaRPr/>
           </a:p>
         </p:txBody>
       </p:sp>
@@ -6400,7 +6202,7 @@
             </a:xfrm>
             <a:prstGeom prst="parallelogram">
               <a:avLst>
-                <a:gd fmla="val 158024" name="adj"/>
+                <a:gd name="adj" fmla="val 158024"/>
               </a:avLst>
             </a:prstGeom>
             <a:solidFill>
@@ -6411,12 +6213,12 @@
             </a:ln>
           </p:spPr>
           <p:txBody>
-            <a:bodyPr anchorCtr="0" anchor="ctr" bIns="91425" lIns="91425" spcFirstLastPara="1" rIns="91425" wrap="square" tIns="91425">
+            <a:bodyPr spcFirstLastPara="1" wrap="square" lIns="91425" tIns="91425" rIns="91425" bIns="91425" anchor="ctr" anchorCtr="0">
               <a:noAutofit/>
             </a:bodyPr>
             <a:lstStyle/>
             <a:p>
-              <a:pPr indent="0" lvl="0" marL="0" rtl="0" algn="l">
+              <a:pPr marL="0" lvl="0" indent="0" algn="l" rtl="0">
                 <a:spcBef>
                   <a:spcPts val="0"/>
                 </a:spcBef>
@@ -6425,10 +6227,6 @@
                 </a:spcAft>
                 <a:buNone/>
               </a:pPr>
-              <a:r>
-                <a:t/>
-              </a:r>
-              <a:endParaRPr/>
             </a:p>
           </p:txBody>
         </p:sp>
@@ -6445,7 +6243,7 @@
             </a:xfrm>
             <a:prstGeom prst="parallelogram">
               <a:avLst>
-                <a:gd fmla="val 158024" name="adj"/>
+                <a:gd name="adj" fmla="val 158024"/>
               </a:avLst>
             </a:prstGeom>
             <a:solidFill>
@@ -6456,12 +6254,12 @@
             </a:ln>
           </p:spPr>
           <p:txBody>
-            <a:bodyPr anchorCtr="0" anchor="ctr" bIns="91425" lIns="91425" spcFirstLastPara="1" rIns="91425" wrap="square" tIns="91425">
+            <a:bodyPr spcFirstLastPara="1" wrap="square" lIns="91425" tIns="91425" rIns="91425" bIns="91425" anchor="ctr" anchorCtr="0">
               <a:noAutofit/>
             </a:bodyPr>
             <a:lstStyle/>
             <a:p>
-              <a:pPr indent="0" lvl="0" marL="0" rtl="0" algn="l">
+              <a:pPr marL="0" lvl="0" indent="0" algn="l" rtl="0">
                 <a:spcBef>
                   <a:spcPts val="0"/>
                 </a:spcBef>
@@ -6470,10 +6268,6 @@
                 </a:spcAft>
                 <a:buNone/>
               </a:pPr>
-              <a:r>
-                <a:t/>
-              </a:r>
-              <a:endParaRPr/>
             </a:p>
           </p:txBody>
         </p:sp>
@@ -6490,7 +6284,7 @@
             </a:xfrm>
             <a:prstGeom prst="parallelogram">
               <a:avLst>
-                <a:gd fmla="val 158024" name="adj"/>
+                <a:gd name="adj" fmla="val 158024"/>
               </a:avLst>
             </a:prstGeom>
             <a:solidFill>
@@ -6501,12 +6295,12 @@
             </a:ln>
           </p:spPr>
           <p:txBody>
-            <a:bodyPr anchorCtr="0" anchor="ctr" bIns="91425" lIns="91425" spcFirstLastPara="1" rIns="91425" wrap="square" tIns="91425">
+            <a:bodyPr spcFirstLastPara="1" wrap="square" lIns="91425" tIns="91425" rIns="91425" bIns="91425" anchor="ctr" anchorCtr="0">
               <a:noAutofit/>
             </a:bodyPr>
             <a:lstStyle/>
             <a:p>
-              <a:pPr indent="0" lvl="0" marL="0" rtl="0" algn="l">
+              <a:pPr marL="0" lvl="0" indent="0" algn="l" rtl="0">
                 <a:spcBef>
                   <a:spcPts val="0"/>
                 </a:spcBef>
@@ -6515,10 +6309,6 @@
                 </a:spcAft>
                 <a:buNone/>
               </a:pPr>
-              <a:r>
-                <a:t/>
-              </a:r>
-              <a:endParaRPr/>
             </a:p>
           </p:txBody>
         </p:sp>
@@ -6550,7 +6340,7 @@
             </a:xfrm>
             <a:prstGeom prst="parallelogram">
               <a:avLst>
-                <a:gd fmla="val 158024" name="adj"/>
+                <a:gd name="adj" fmla="val 158024"/>
               </a:avLst>
             </a:prstGeom>
             <a:solidFill>
@@ -6561,12 +6351,12 @@
             </a:ln>
           </p:spPr>
           <p:txBody>
-            <a:bodyPr anchorCtr="0" anchor="ctr" bIns="91425" lIns="91425" spcFirstLastPara="1" rIns="91425" wrap="square" tIns="91425">
+            <a:bodyPr spcFirstLastPara="1" wrap="square" lIns="91425" tIns="91425" rIns="91425" bIns="91425" anchor="ctr" anchorCtr="0">
               <a:noAutofit/>
             </a:bodyPr>
             <a:lstStyle/>
             <a:p>
-              <a:pPr indent="0" lvl="0" marL="0" rtl="0" algn="l">
+              <a:pPr marL="0" lvl="0" indent="0" algn="l" rtl="0">
                 <a:spcBef>
                   <a:spcPts val="0"/>
                 </a:spcBef>
@@ -6575,10 +6365,6 @@
                 </a:spcAft>
                 <a:buNone/>
               </a:pPr>
-              <a:r>
-                <a:t/>
-              </a:r>
-              <a:endParaRPr/>
             </a:p>
           </p:txBody>
         </p:sp>
@@ -6595,7 +6381,7 @@
             </a:xfrm>
             <a:prstGeom prst="parallelogram">
               <a:avLst>
-                <a:gd fmla="val 158024" name="adj"/>
+                <a:gd name="adj" fmla="val 158024"/>
               </a:avLst>
             </a:prstGeom>
             <a:solidFill>
@@ -6606,12 +6392,12 @@
             </a:ln>
           </p:spPr>
           <p:txBody>
-            <a:bodyPr anchorCtr="0" anchor="ctr" bIns="91425" lIns="91425" spcFirstLastPara="1" rIns="91425" wrap="square" tIns="91425">
+            <a:bodyPr spcFirstLastPara="1" wrap="square" lIns="91425" tIns="91425" rIns="91425" bIns="91425" anchor="ctr" anchorCtr="0">
               <a:noAutofit/>
             </a:bodyPr>
             <a:lstStyle/>
             <a:p>
-              <a:pPr indent="0" lvl="0" marL="0" rtl="0" algn="l">
+              <a:pPr marL="0" lvl="0" indent="0" algn="l" rtl="0">
                 <a:spcBef>
                   <a:spcPts val="0"/>
                 </a:spcBef>
@@ -6620,10 +6406,6 @@
                 </a:spcAft>
                 <a:buNone/>
               </a:pPr>
-              <a:r>
-                <a:t/>
-              </a:r>
-              <a:endParaRPr/>
             </a:p>
           </p:txBody>
         </p:sp>
@@ -6640,7 +6422,7 @@
             </a:xfrm>
             <a:prstGeom prst="parallelogram">
               <a:avLst>
-                <a:gd fmla="val 158024" name="adj"/>
+                <a:gd name="adj" fmla="val 158024"/>
               </a:avLst>
             </a:prstGeom>
             <a:solidFill>
@@ -6651,12 +6433,12 @@
             </a:ln>
           </p:spPr>
           <p:txBody>
-            <a:bodyPr anchorCtr="0" anchor="ctr" bIns="91425" lIns="91425" spcFirstLastPara="1" rIns="91425" wrap="square" tIns="91425">
+            <a:bodyPr spcFirstLastPara="1" wrap="square" lIns="91425" tIns="91425" rIns="91425" bIns="91425" anchor="ctr" anchorCtr="0">
               <a:noAutofit/>
             </a:bodyPr>
             <a:lstStyle/>
             <a:p>
-              <a:pPr indent="0" lvl="0" marL="0" rtl="0" algn="l">
+              <a:pPr marL="0" lvl="0" indent="0" algn="l" rtl="0">
                 <a:spcBef>
                   <a:spcPts val="0"/>
                 </a:spcBef>
@@ -6665,10 +6447,6 @@
                 </a:spcAft>
                 <a:buNone/>
               </a:pPr>
-              <a:r>
-                <a:t/>
-              </a:r>
-              <a:endParaRPr/>
             </a:p>
           </p:txBody>
         </p:sp>
@@ -6691,7 +6469,7 @@
           </a:prstGeom>
         </p:spPr>
         <p:txBody>
-          <a:bodyPr anchorCtr="0" anchor="ctr" bIns="91425" lIns="91425" spcFirstLastPara="1" rIns="91425" wrap="square" tIns="91425">
+          <a:bodyPr spcFirstLastPara="1" wrap="square" lIns="91425" tIns="91425" rIns="91425" bIns="91425" anchor="ctr" anchorCtr="0">
             <a:normAutofit/>
           </a:bodyPr>
           <a:lstStyle>
@@ -6803,7 +6581,7 @@
           <p:cNvPr id="94" name="Google Shape;94;p8"/>
           <p:cNvSpPr txBox="1"/>
           <p:nvPr>
-            <p:ph idx="12" type="sldNum"/>
+            <p:ph type="sldNum" idx="12"/>
           </p:nvPr>
         </p:nvSpPr>
         <p:spPr>
@@ -6816,7 +6594,7 @@
           </a:prstGeom>
         </p:spPr>
         <p:txBody>
-          <a:bodyPr anchorCtr="0" anchor="ctr" bIns="91425" lIns="91425" spcFirstLastPara="1" rIns="91425" wrap="square" tIns="91425">
+          <a:bodyPr spcFirstLastPara="1" wrap="square" lIns="91425" tIns="91425" rIns="91425" bIns="91425" anchor="ctr" anchorCtr="0">
             <a:normAutofit/>
           </a:bodyPr>
           <a:lstStyle>
@@ -6858,7 +6636,7 @@
             </a:lvl9pPr>
           </a:lstStyle>
           <a:p>
-            <a:pPr indent="0" lvl="0" marL="0" rtl="0" algn="r">
+            <a:pPr marL="0" lvl="0" indent="0" algn="r" rtl="0">
               <a:spcBef>
                 <a:spcPts val="0"/>
               </a:spcBef>
@@ -6868,10 +6646,9 @@
               <a:buNone/>
             </a:pPr>
             <a:fld id="{00000000-1234-1234-1234-123412341234}" type="slidenum">
-              <a:rPr lang="en"/>
-              <a:t>‹#›</a:t>
+              <a:rPr lang="en-GB"/>
             </a:fld>
-            <a:endParaRPr/>
+            <a:endParaRPr lang="en-GB"/>
           </a:p>
         </p:txBody>
       </p:sp>
@@ -6884,13 +6661,14 @@
 </file>
 
 <file path=ppt/slideLayouts/slideLayout8.xml><?xml version="1.0" encoding="utf-8"?>
-<p:sldLayout xmlns:a="http://schemas.openxmlformats.org/drawingml/2006/main" xmlns:r="http://schemas.openxmlformats.org/officeDocument/2006/relationships" xmlns:mc="http://schemas.openxmlformats.org/markup-compatibility/2006" xmlns:mv="urn:schemas-microsoft-com:mac:vml" xmlns:p="http://schemas.openxmlformats.org/presentationml/2006/main" xmlns:c="http://schemas.openxmlformats.org/drawingml/2006/chart" xmlns:dgm="http://schemas.openxmlformats.org/drawingml/2006/diagram" xmlns:o="urn:schemas-microsoft-com:office:office" xmlns:v="urn:schemas-microsoft-com:vml" xmlns:pvml="urn:schemas-microsoft-com:office:powerpoint" xmlns:com="http://schemas.openxmlformats.org/drawingml/2006/compatibility" xmlns:p14="http://schemas.microsoft.com/office/powerpoint/2010/main" xmlns:p15="http://schemas.microsoft.com/office/powerpoint/2012/main" xmlns:ahyp="http://schemas.microsoft.com/office/drawing/2018/hyperlinkcolor" matchingName="Section title and description">
+<p:sldLayout xmlns:a="http://schemas.openxmlformats.org/drawingml/2006/main" xmlns:r="http://schemas.openxmlformats.org/officeDocument/2006/relationships" xmlns:p="http://schemas.openxmlformats.org/presentationml/2006/main" matchingName="Section title and description">
   <p:cSld name="SECTION_TITLE_AND_DESCRIPTION">
     <p:bg>
       <p:bgPr>
         <a:solidFill>
           <a:schemeClr val="dk2"/>
         </a:solidFill>
+        <a:effectLst/>
       </p:bgPr>
     </p:bg>
     <p:spTree>
@@ -6929,12 +6707,12 @@
           </a:ln>
         </p:spPr>
         <p:txBody>
-          <a:bodyPr anchorCtr="0" anchor="ctr" bIns="91425" lIns="91425" spcFirstLastPara="1" rIns="91425" wrap="square" tIns="91425">
+          <a:bodyPr spcFirstLastPara="1" wrap="square" lIns="91425" tIns="91425" rIns="91425" bIns="91425" anchor="ctr" anchorCtr="0">
             <a:noAutofit/>
           </a:bodyPr>
           <a:lstStyle/>
           <a:p>
-            <a:pPr indent="0" lvl="0" marL="0" rtl="0" algn="l">
+            <a:pPr marL="0" lvl="0" indent="0" algn="l" rtl="0">
               <a:spcBef>
                 <a:spcPts val="0"/>
               </a:spcBef>
@@ -6943,10 +6721,6 @@
               </a:spcAft>
               <a:buNone/>
             </a:pPr>
-            <a:r>
-              <a:t/>
-            </a:r>
-            <a:endParaRPr/>
           </a:p>
         </p:txBody>
       </p:sp>
@@ -6972,12 +6746,12 @@
           </a:ln>
         </p:spPr>
         <p:txBody>
-          <a:bodyPr anchorCtr="0" anchor="ctr" bIns="91425" lIns="91425" spcFirstLastPara="1" rIns="91425" wrap="square" tIns="91425">
+          <a:bodyPr spcFirstLastPara="1" wrap="square" lIns="91425" tIns="91425" rIns="91425" bIns="91425" anchor="ctr" anchorCtr="0">
             <a:noAutofit/>
           </a:bodyPr>
           <a:lstStyle/>
           <a:p>
-            <a:pPr indent="0" lvl="0" marL="0" rtl="0" algn="l">
+            <a:pPr marL="0" lvl="0" indent="0" algn="l" rtl="0">
               <a:spcBef>
                 <a:spcPts val="0"/>
               </a:spcBef>
@@ -6986,10 +6760,6 @@
               </a:spcAft>
               <a:buNone/>
             </a:pPr>
-            <a:r>
-              <a:t/>
-            </a:r>
-            <a:endParaRPr/>
           </a:p>
         </p:txBody>
       </p:sp>
@@ -7014,7 +6784,7 @@
             <a:noFill/>
           </a:ln>
           <a:effectLst>
-            <a:outerShdw blurRad="228600" sx="101000" rotWithShape="0" algn="ctr" sy="101000">
+            <a:outerShdw blurRad="228600" sx="101000" sy="101000" algn="ctr" rotWithShape="0">
               <a:srgbClr val="000000">
                 <a:alpha val="40000"/>
               </a:srgbClr>
@@ -7022,12 +6792,12 @@
           </a:effectLst>
         </p:spPr>
         <p:txBody>
-          <a:bodyPr anchorCtr="0" anchor="ctr" bIns="91425" lIns="91425" spcFirstLastPara="1" rIns="91425" wrap="square" tIns="91425">
+          <a:bodyPr spcFirstLastPara="1" wrap="square" lIns="91425" tIns="91425" rIns="91425" bIns="91425" anchor="ctr" anchorCtr="0">
             <a:noAutofit/>
           </a:bodyPr>
           <a:lstStyle/>
           <a:p>
-            <a:pPr indent="0" lvl="0" marL="0" rtl="0" algn="l">
+            <a:pPr marL="0" lvl="0" indent="0" algn="l" rtl="0">
               <a:spcBef>
                 <a:spcPts val="0"/>
               </a:spcBef>
@@ -7036,10 +6806,6 @@
               </a:spcAft>
               <a:buNone/>
             </a:pPr>
-            <a:r>
-              <a:t/>
-            </a:r>
-            <a:endParaRPr/>
           </a:p>
         </p:txBody>
       </p:sp>
@@ -7061,7 +6827,7 @@
           </a:prstGeom>
         </p:spPr>
         <p:txBody>
-          <a:bodyPr anchorCtr="0" anchor="t" bIns="91425" lIns="91425" spcFirstLastPara="1" rIns="91425" wrap="square" tIns="91425">
+          <a:bodyPr spcFirstLastPara="1" wrap="square" lIns="91425" tIns="91425" rIns="91425" bIns="91425" anchor="t" anchorCtr="0">
             <a:normAutofit/>
           </a:bodyPr>
           <a:lstStyle>
@@ -7173,7 +6939,7 @@
           <p:cNvPr id="100" name="Google Shape;100;p9"/>
           <p:cNvSpPr txBox="1"/>
           <p:nvPr>
-            <p:ph idx="1" type="subTitle"/>
+            <p:ph type="subTitle" idx="1"/>
           </p:nvPr>
         </p:nvSpPr>
         <p:spPr>
@@ -7186,7 +6952,7 @@
           </a:prstGeom>
         </p:spPr>
         <p:txBody>
-          <a:bodyPr anchorCtr="0" anchor="t" bIns="91425" lIns="91425" spcFirstLastPara="1" rIns="91425" wrap="square" tIns="91425">
+          <a:bodyPr spcFirstLastPara="1" wrap="square" lIns="91425" tIns="91425" rIns="91425" bIns="91425" anchor="t" anchorCtr="0">
             <a:normAutofit/>
           </a:bodyPr>
           <a:lstStyle>
@@ -7388,7 +7154,7 @@
           <p:cNvPr id="101" name="Google Shape;101;p9"/>
           <p:cNvSpPr txBox="1"/>
           <p:nvPr>
-            <p:ph idx="2" type="body"/>
+            <p:ph type="body" idx="2"/>
           </p:nvPr>
         </p:nvSpPr>
         <p:spPr>
@@ -7401,11 +7167,11 @@
           </a:prstGeom>
         </p:spPr>
         <p:txBody>
-          <a:bodyPr anchorCtr="0" anchor="t" bIns="91425" lIns="91425" spcFirstLastPara="1" rIns="91425" wrap="square" tIns="91425">
+          <a:bodyPr spcFirstLastPara="1" wrap="square" lIns="91425" tIns="91425" rIns="91425" bIns="91425" anchor="t" anchorCtr="0">
             <a:normAutofit/>
           </a:bodyPr>
           <a:lstStyle>
-            <a:lvl1pPr indent="-311150" lvl="0" marL="457200">
+            <a:lvl1pPr marL="457200" lvl="0" indent="-311150">
               <a:spcBef>
                 <a:spcPts val="0"/>
               </a:spcBef>
@@ -7416,7 +7182,7 @@
               <a:buChar char="●"/>
               <a:defRPr/>
             </a:lvl1pPr>
-            <a:lvl2pPr indent="-298450" lvl="1" marL="914400">
+            <a:lvl2pPr marL="914400" lvl="1" indent="-298450">
               <a:spcBef>
                 <a:spcPts val="0"/>
               </a:spcBef>
@@ -7427,7 +7193,7 @@
               <a:buChar char="○"/>
               <a:defRPr/>
             </a:lvl2pPr>
-            <a:lvl3pPr indent="-298450" lvl="2" marL="1371600">
+            <a:lvl3pPr marL="1371600" lvl="2" indent="-298450">
               <a:spcBef>
                 <a:spcPts val="0"/>
               </a:spcBef>
@@ -7438,7 +7204,7 @@
               <a:buChar char="■"/>
               <a:defRPr/>
             </a:lvl3pPr>
-            <a:lvl4pPr indent="-298450" lvl="3" marL="1828800">
+            <a:lvl4pPr marL="1828800" lvl="3" indent="-298450">
               <a:spcBef>
                 <a:spcPts val="0"/>
               </a:spcBef>
@@ -7449,7 +7215,7 @@
               <a:buChar char="●"/>
               <a:defRPr/>
             </a:lvl4pPr>
-            <a:lvl5pPr indent="-298450" lvl="4" marL="2286000">
+            <a:lvl5pPr marL="2286000" lvl="4" indent="-298450">
               <a:spcBef>
                 <a:spcPts val="0"/>
               </a:spcBef>
@@ -7460,7 +7226,7 @@
               <a:buChar char="○"/>
               <a:defRPr/>
             </a:lvl5pPr>
-            <a:lvl6pPr indent="-298450" lvl="5" marL="2743200">
+            <a:lvl6pPr marL="2743200" lvl="5" indent="-298450">
               <a:spcBef>
                 <a:spcPts val="0"/>
               </a:spcBef>
@@ -7471,7 +7237,7 @@
               <a:buChar char="■"/>
               <a:defRPr/>
             </a:lvl6pPr>
-            <a:lvl7pPr indent="-298450" lvl="6" marL="3200400">
+            <a:lvl7pPr marL="3200400" lvl="6" indent="-298450">
               <a:spcBef>
                 <a:spcPts val="0"/>
               </a:spcBef>
@@ -7482,7 +7248,7 @@
               <a:buChar char="●"/>
               <a:defRPr/>
             </a:lvl7pPr>
-            <a:lvl8pPr indent="-298450" lvl="7" marL="3657600">
+            <a:lvl8pPr marL="3657600" lvl="7" indent="-298450">
               <a:spcBef>
                 <a:spcPts val="0"/>
               </a:spcBef>
@@ -7493,7 +7259,7 @@
               <a:buChar char="○"/>
               <a:defRPr/>
             </a:lvl8pPr>
-            <a:lvl9pPr indent="-298450" lvl="8" marL="4114800">
+            <a:lvl9pPr marL="4114800" lvl="8" indent="-298450">
               <a:spcBef>
                 <a:spcPts val="0"/>
               </a:spcBef>
@@ -7513,7 +7279,7 @@
           <p:cNvPr id="102" name="Google Shape;102;p9"/>
           <p:cNvSpPr txBox="1"/>
           <p:nvPr>
-            <p:ph idx="12" type="sldNum"/>
+            <p:ph type="sldNum" idx="12"/>
           </p:nvPr>
         </p:nvSpPr>
         <p:spPr>
@@ -7526,7 +7292,7 @@
           </a:prstGeom>
         </p:spPr>
         <p:txBody>
-          <a:bodyPr anchorCtr="0" anchor="ctr" bIns="91425" lIns="91425" spcFirstLastPara="1" rIns="91425" wrap="square" tIns="91425">
+          <a:bodyPr spcFirstLastPara="1" wrap="square" lIns="91425" tIns="91425" rIns="91425" bIns="91425" anchor="ctr" anchorCtr="0">
             <a:normAutofit/>
           </a:bodyPr>
           <a:lstStyle>
@@ -7568,7 +7334,7 @@
             </a:lvl9pPr>
           </a:lstStyle>
           <a:p>
-            <a:pPr indent="0" lvl="0" marL="0" rtl="0" algn="r">
+            <a:pPr marL="0" lvl="0" indent="0" algn="r" rtl="0">
               <a:spcBef>
                 <a:spcPts val="0"/>
               </a:spcBef>
@@ -7578,10 +7344,9 @@
               <a:buNone/>
             </a:pPr>
             <a:fld id="{00000000-1234-1234-1234-123412341234}" type="slidenum">
-              <a:rPr lang="en"/>
-              <a:t>‹#›</a:t>
+              <a:rPr lang="en-GB"/>
             </a:fld>
-            <a:endParaRPr/>
+            <a:endParaRPr lang="en-GB"/>
           </a:p>
         </p:txBody>
       </p:sp>
@@ -7594,13 +7359,14 @@
 </file>
 
 <file path=ppt/slideLayouts/slideLayout9.xml><?xml version="1.0" encoding="utf-8"?>
-<p:sldLayout xmlns:a="http://schemas.openxmlformats.org/drawingml/2006/main" xmlns:r="http://schemas.openxmlformats.org/officeDocument/2006/relationships" xmlns:mc="http://schemas.openxmlformats.org/markup-compatibility/2006" xmlns:mv="urn:schemas-microsoft-com:mac:vml" xmlns:p="http://schemas.openxmlformats.org/presentationml/2006/main" xmlns:c="http://schemas.openxmlformats.org/drawingml/2006/chart" xmlns:dgm="http://schemas.openxmlformats.org/drawingml/2006/diagram" xmlns:o="urn:schemas-microsoft-com:office:office" xmlns:v="urn:schemas-microsoft-com:vml" xmlns:pvml="urn:schemas-microsoft-com:office:powerpoint" xmlns:com="http://schemas.openxmlformats.org/drawingml/2006/compatibility" xmlns:p14="http://schemas.microsoft.com/office/powerpoint/2010/main" xmlns:p15="http://schemas.microsoft.com/office/powerpoint/2012/main" xmlns:ahyp="http://schemas.microsoft.com/office/drawing/2018/hyperlinkcolor" matchingName="Caption">
+<p:sldLayout xmlns:a="http://schemas.openxmlformats.org/drawingml/2006/main" xmlns:r="http://schemas.openxmlformats.org/officeDocument/2006/relationships" xmlns:p="http://schemas.openxmlformats.org/presentationml/2006/main" matchingName="Caption">
   <p:cSld name="CAPTION_ONLY">
     <p:bg>
       <p:bgPr>
         <a:solidFill>
           <a:schemeClr val="accent1"/>
         </a:solidFill>
+        <a:effectLst/>
       </p:bgPr>
     </p:bg>
     <p:spTree>
@@ -7639,12 +7405,12 @@
           </a:ln>
         </p:spPr>
         <p:txBody>
-          <a:bodyPr anchorCtr="0" anchor="ctr" bIns="91425" lIns="91425" spcFirstLastPara="1" rIns="91425" wrap="square" tIns="91425">
+          <a:bodyPr spcFirstLastPara="1" wrap="square" lIns="91425" tIns="91425" rIns="91425" bIns="91425" anchor="ctr" anchorCtr="0">
             <a:noAutofit/>
           </a:bodyPr>
           <a:lstStyle/>
           <a:p>
-            <a:pPr indent="0" lvl="0" marL="0" rtl="0" algn="l">
+            <a:pPr marL="0" lvl="0" indent="0" algn="l" rtl="0">
               <a:spcBef>
                 <a:spcPts val="0"/>
               </a:spcBef>
@@ -7653,10 +7419,6 @@
               </a:spcAft>
               <a:buNone/>
             </a:pPr>
-            <a:r>
-              <a:t/>
-            </a:r>
-            <a:endParaRPr/>
           </a:p>
         </p:txBody>
       </p:sp>
@@ -7682,12 +7444,12 @@
           </a:ln>
         </p:spPr>
         <p:txBody>
-          <a:bodyPr anchorCtr="0" anchor="ctr" bIns="91425" lIns="91425" spcFirstLastPara="1" rIns="91425" wrap="square" tIns="91425">
+          <a:bodyPr spcFirstLastPara="1" wrap="square" lIns="91425" tIns="91425" rIns="91425" bIns="91425" anchor="ctr" anchorCtr="0">
             <a:noAutofit/>
           </a:bodyPr>
           <a:lstStyle/>
           <a:p>
-            <a:pPr indent="0" lvl="0" marL="0" rtl="0" algn="l">
+            <a:pPr marL="0" lvl="0" indent="0" algn="l" rtl="0">
               <a:spcBef>
                 <a:spcPts val="0"/>
               </a:spcBef>
@@ -7696,10 +7458,6 @@
               </a:spcAft>
               <a:buNone/>
             </a:pPr>
-            <a:r>
-              <a:t/>
-            </a:r>
-            <a:endParaRPr/>
           </a:p>
         </p:txBody>
       </p:sp>
@@ -7724,7 +7482,7 @@
             <a:noFill/>
           </a:ln>
           <a:effectLst>
-            <a:outerShdw blurRad="228600" sx="101000" rotWithShape="0" algn="ctr" sy="101000">
+            <a:outerShdw blurRad="228600" sx="101000" sy="101000" algn="ctr" rotWithShape="0">
               <a:srgbClr val="000000">
                 <a:alpha val="40000"/>
               </a:srgbClr>
@@ -7732,12 +7490,12 @@
           </a:effectLst>
         </p:spPr>
         <p:txBody>
-          <a:bodyPr anchorCtr="0" anchor="ctr" bIns="91425" lIns="91425" spcFirstLastPara="1" rIns="91425" wrap="square" tIns="91425">
+          <a:bodyPr spcFirstLastPara="1" wrap="square" lIns="91425" tIns="91425" rIns="91425" bIns="91425" anchor="ctr" anchorCtr="0">
             <a:noAutofit/>
           </a:bodyPr>
           <a:lstStyle/>
           <a:p>
-            <a:pPr indent="0" lvl="0" marL="0" rtl="0" algn="l">
+            <a:pPr marL="0" lvl="0" indent="0" algn="l" rtl="0">
               <a:spcBef>
                 <a:spcPts val="0"/>
               </a:spcBef>
@@ -7746,10 +7504,6 @@
               </a:spcAft>
               <a:buNone/>
             </a:pPr>
-            <a:r>
-              <a:t/>
-            </a:r>
-            <a:endParaRPr/>
           </a:p>
         </p:txBody>
       </p:sp>
@@ -7758,7 +7512,7 @@
           <p:cNvPr id="107" name="Google Shape;107;p10"/>
           <p:cNvSpPr txBox="1"/>
           <p:nvPr>
-            <p:ph idx="1" type="body"/>
+            <p:ph type="body" idx="1"/>
           </p:nvPr>
         </p:nvSpPr>
         <p:spPr>
@@ -7771,11 +7525,11 @@
           </a:prstGeom>
         </p:spPr>
         <p:txBody>
-          <a:bodyPr anchorCtr="0" anchor="b" bIns="91425" lIns="91425" spcFirstLastPara="1" rIns="91425" wrap="square" tIns="91425">
+          <a:bodyPr spcFirstLastPara="1" wrap="square" lIns="91425" tIns="91425" rIns="91425" bIns="91425" anchor="b" anchorCtr="0">
             <a:normAutofit/>
           </a:bodyPr>
           <a:lstStyle>
-            <a:lvl1pPr indent="-228600" lvl="0" marL="457200">
+            <a:lvl1pPr marL="457200" lvl="0" indent="-228600">
               <a:lnSpc>
                 <a:spcPct val="100000"/>
               </a:lnSpc>
@@ -7798,7 +7552,7 @@
           <p:cNvPr id="108" name="Google Shape;108;p10"/>
           <p:cNvSpPr txBox="1"/>
           <p:nvPr>
-            <p:ph idx="12" type="sldNum"/>
+            <p:ph type="sldNum" idx="12"/>
           </p:nvPr>
         </p:nvSpPr>
         <p:spPr>
@@ -7811,7 +7565,7 @@
           </a:prstGeom>
         </p:spPr>
         <p:txBody>
-          <a:bodyPr anchorCtr="0" anchor="ctr" bIns="91425" lIns="91425" spcFirstLastPara="1" rIns="91425" wrap="square" tIns="91425">
+          <a:bodyPr spcFirstLastPara="1" wrap="square" lIns="91425" tIns="91425" rIns="91425" bIns="91425" anchor="ctr" anchorCtr="0">
             <a:normAutofit/>
           </a:bodyPr>
           <a:lstStyle>
@@ -7853,7 +7607,7 @@
             </a:lvl9pPr>
           </a:lstStyle>
           <a:p>
-            <a:pPr indent="0" lvl="0" marL="0" rtl="0" algn="r">
+            <a:pPr marL="0" lvl="0" indent="0" algn="r" rtl="0">
               <a:spcBef>
                 <a:spcPts val="0"/>
               </a:spcBef>
@@ -7863,10 +7617,9 @@
               <a:buNone/>
             </a:pPr>
             <a:fld id="{00000000-1234-1234-1234-123412341234}" type="slidenum">
-              <a:rPr lang="en"/>
-              <a:t>‹#›</a:t>
+              <a:rPr lang="en-GB"/>
             </a:fld>
-            <a:endParaRPr/>
+            <a:endParaRPr lang="en-GB"/>
           </a:p>
         </p:txBody>
       </p:sp>
@@ -7879,13 +7632,14 @@
 </file>
 
 <file path=ppt/slideMasters/slideMaster1.xml><?xml version="1.0" encoding="utf-8"?>
-<p:sldMaster xmlns:a="http://schemas.openxmlformats.org/drawingml/2006/main" xmlns:r="http://schemas.openxmlformats.org/officeDocument/2006/relationships" xmlns:mc="http://schemas.openxmlformats.org/markup-compatibility/2006" xmlns:mv="urn:schemas-microsoft-com:mac:vml" xmlns:p="http://schemas.openxmlformats.org/presentationml/2006/main" xmlns:c="http://schemas.openxmlformats.org/drawingml/2006/chart" xmlns:dgm="http://schemas.openxmlformats.org/drawingml/2006/diagram" xmlns:o="urn:schemas-microsoft-com:office:office" xmlns:v="urn:schemas-microsoft-com:vml" xmlns:pvml="urn:schemas-microsoft-com:office:powerpoint" xmlns:com="http://schemas.openxmlformats.org/drawingml/2006/compatibility" xmlns:p14="http://schemas.microsoft.com/office/powerpoint/2010/main" xmlns:p15="http://schemas.microsoft.com/office/powerpoint/2012/main" xmlns:ahyp="http://schemas.microsoft.com/office/drawing/2018/hyperlinkcolor">
-  <p:cSld name="shift">
+<p:sldMaster xmlns:a="http://schemas.openxmlformats.org/drawingml/2006/main" xmlns:r="http://schemas.openxmlformats.org/officeDocument/2006/relationships" xmlns:p="http://schemas.openxmlformats.org/presentationml/2006/main">
+  <p:cSld>
     <p:bg>
       <p:bgPr>
         <a:solidFill>
           <a:schemeClr val="dk1"/>
         </a:solidFill>
+        <a:effectLst/>
       </p:bgPr>
     </p:bg>
     <p:spTree>
@@ -7924,7 +7678,7 @@
           </a:ln>
         </p:spPr>
         <p:txBody>
-          <a:bodyPr anchorCtr="0" anchor="t" bIns="91425" lIns="91425" spcFirstLastPara="1" rIns="91425" wrap="square" tIns="91425">
+          <a:bodyPr spcFirstLastPara="1" wrap="square" lIns="91425" tIns="91425" rIns="91425" bIns="91425" anchor="t" anchorCtr="0">
             <a:normAutofit/>
           </a:bodyPr>
           <a:lstStyle>
@@ -8144,7 +7898,7 @@
           <p:cNvPr id="7" name="Google Shape;7;p1"/>
           <p:cNvSpPr txBox="1"/>
           <p:nvPr>
-            <p:ph idx="1" type="body"/>
+            <p:ph type="body" idx="1"/>
           </p:nvPr>
         </p:nvSpPr>
         <p:spPr>
@@ -8161,11 +7915,11 @@
           </a:ln>
         </p:spPr>
         <p:txBody>
-          <a:bodyPr anchorCtr="0" anchor="t" bIns="91425" lIns="91425" spcFirstLastPara="1" rIns="91425" wrap="square" tIns="91425">
+          <a:bodyPr spcFirstLastPara="1" wrap="square" lIns="91425" tIns="91425" rIns="91425" bIns="91425" anchor="t" anchorCtr="0">
             <a:normAutofit/>
           </a:bodyPr>
           <a:lstStyle>
-            <a:lvl1pPr indent="-311150" lvl="0" marL="457200">
+            <a:lvl1pPr marL="457200" lvl="0" indent="-311150">
               <a:lnSpc>
                 <a:spcPct val="115000"/>
               </a:lnSpc>
@@ -8191,7 +7945,7 @@
                 <a:sym typeface="Calibri"/>
               </a:defRPr>
             </a:lvl1pPr>
-            <a:lvl2pPr indent="-298450" lvl="1" marL="914400">
+            <a:lvl2pPr marL="914400" lvl="1" indent="-298450">
               <a:lnSpc>
                 <a:spcPct val="115000"/>
               </a:lnSpc>
@@ -8217,7 +7971,7 @@
                 <a:sym typeface="Calibri"/>
               </a:defRPr>
             </a:lvl2pPr>
-            <a:lvl3pPr indent="-298450" lvl="2" marL="1371600">
+            <a:lvl3pPr marL="1371600" lvl="2" indent="-298450">
               <a:lnSpc>
                 <a:spcPct val="115000"/>
               </a:lnSpc>
@@ -8243,7 +7997,7 @@
                 <a:sym typeface="Calibri"/>
               </a:defRPr>
             </a:lvl3pPr>
-            <a:lvl4pPr indent="-298450" lvl="3" marL="1828800">
+            <a:lvl4pPr marL="1828800" lvl="3" indent="-298450">
               <a:lnSpc>
                 <a:spcPct val="115000"/>
               </a:lnSpc>
@@ -8269,7 +8023,7 @@
                 <a:sym typeface="Calibri"/>
               </a:defRPr>
             </a:lvl4pPr>
-            <a:lvl5pPr indent="-298450" lvl="4" marL="2286000">
+            <a:lvl5pPr marL="2286000" lvl="4" indent="-298450">
               <a:lnSpc>
                 <a:spcPct val="115000"/>
               </a:lnSpc>
@@ -8295,7 +8049,7 @@
                 <a:sym typeface="Calibri"/>
               </a:defRPr>
             </a:lvl5pPr>
-            <a:lvl6pPr indent="-298450" lvl="5" marL="2743200">
+            <a:lvl6pPr marL="2743200" lvl="5" indent="-298450">
               <a:lnSpc>
                 <a:spcPct val="115000"/>
               </a:lnSpc>
@@ -8321,7 +8075,7 @@
                 <a:sym typeface="Calibri"/>
               </a:defRPr>
             </a:lvl6pPr>
-            <a:lvl7pPr indent="-298450" lvl="6" marL="3200400">
+            <a:lvl7pPr marL="3200400" lvl="6" indent="-298450">
               <a:lnSpc>
                 <a:spcPct val="115000"/>
               </a:lnSpc>
@@ -8347,7 +8101,7 @@
                 <a:sym typeface="Calibri"/>
               </a:defRPr>
             </a:lvl7pPr>
-            <a:lvl8pPr indent="-298450" lvl="7" marL="3657600">
+            <a:lvl8pPr marL="3657600" lvl="7" indent="-298450">
               <a:lnSpc>
                 <a:spcPct val="115000"/>
               </a:lnSpc>
@@ -8373,7 +8127,7 @@
                 <a:sym typeface="Calibri"/>
               </a:defRPr>
             </a:lvl8pPr>
-            <a:lvl9pPr indent="-298450" lvl="8" marL="4114800">
+            <a:lvl9pPr marL="4114800" lvl="8" indent="-298450">
               <a:lnSpc>
                 <a:spcPct val="115000"/>
               </a:lnSpc>
@@ -8408,7 +8162,7 @@
           <p:cNvPr id="8" name="Google Shape;8;p1"/>
           <p:cNvSpPr txBox="1"/>
           <p:nvPr>
-            <p:ph idx="12" type="sldNum"/>
+            <p:ph type="sldNum" idx="12"/>
           </p:nvPr>
         </p:nvSpPr>
         <p:spPr>
@@ -8425,7 +8179,7 @@
           </a:ln>
         </p:spPr>
         <p:txBody>
-          <a:bodyPr anchorCtr="0" anchor="ctr" bIns="91425" lIns="91425" spcFirstLastPara="1" rIns="91425" wrap="square" tIns="91425">
+          <a:bodyPr spcFirstLastPara="1" wrap="square" lIns="91425" tIns="91425" rIns="91425" bIns="91425" anchor="ctr" anchorCtr="0">
             <a:normAutofit/>
           </a:bodyPr>
           <a:lstStyle>
@@ -8539,7 +8293,7 @@
             </a:lvl9pPr>
           </a:lstStyle>
           <a:p>
-            <a:pPr indent="0" lvl="0" marL="0" rtl="0" algn="r">
+            <a:pPr marL="0" lvl="0" indent="0" algn="r" rtl="0">
               <a:spcBef>
                 <a:spcPts val="0"/>
               </a:spcBef>
@@ -8549,33 +8303,32 @@
               <a:buNone/>
             </a:pPr>
             <a:fld id="{00000000-1234-1234-1234-123412341234}" type="slidenum">
-              <a:rPr lang="en"/>
-              <a:t>‹#›</a:t>
+              <a:rPr lang="en-GB"/>
             </a:fld>
-            <a:endParaRPr/>
+            <a:endParaRPr lang="en-GB"/>
           </a:p>
         </p:txBody>
       </p:sp>
     </p:spTree>
   </p:cSld>
-  <p:clrMap accent1="accent1" accent2="accent2" accent3="accent3" accent4="accent4" accent5="accent5" accent6="accent6" bg1="lt1" bg2="dk2" tx1="dk1" tx2="lt2" folHlink="folHlink" hlink="hlink"/>
+  <p:clrMap bg1="lt1" tx1="dk1" bg2="dk2" tx2="lt2" accent1="accent1" accent2="accent2" accent3="accent3" accent4="accent4" accent5="accent5" accent6="accent6" hlink="hlink" folHlink="folHlink"/>
   <p:sldLayoutIdLst>
-    <p:sldLayoutId id="2147483648" r:id="rId1"/>
-    <p:sldLayoutId id="2147483649" r:id="rId2"/>
-    <p:sldLayoutId id="2147483650" r:id="rId3"/>
-    <p:sldLayoutId id="2147483651" r:id="rId4"/>
-    <p:sldLayoutId id="2147483652" r:id="rId5"/>
-    <p:sldLayoutId id="2147483653" r:id="rId6"/>
-    <p:sldLayoutId id="2147483654" r:id="rId7"/>
-    <p:sldLayoutId id="2147483655" r:id="rId8"/>
-    <p:sldLayoutId id="2147483656" r:id="rId9"/>
-    <p:sldLayoutId id="2147483657" r:id="rId10"/>
-    <p:sldLayoutId id="2147483658" r:id="rId11"/>
+    <p:sldLayoutId id="2147483649" r:id="rId1"/>
+    <p:sldLayoutId id="2147483650" r:id="rId2"/>
+    <p:sldLayoutId id="2147483651" r:id="rId3"/>
+    <p:sldLayoutId id="2147483652" r:id="rId4"/>
+    <p:sldLayoutId id="2147483653" r:id="rId5"/>
+    <p:sldLayoutId id="2147483654" r:id="rId6"/>
+    <p:sldLayoutId id="2147483655" r:id="rId7"/>
+    <p:sldLayoutId id="2147483656" r:id="rId8"/>
+    <p:sldLayoutId id="2147483657" r:id="rId9"/>
+    <p:sldLayoutId id="2147483658" r:id="rId10"/>
+    <p:sldLayoutId id="2147483659" r:id="rId11"/>
   </p:sldLayoutIdLst>
-  <p:hf dt="0" ftr="0" hdr="0" sldNum="0"/>
+  <p:hf sldNum="0" hdr="0" ftr="0" dt="0"/>
   <p:txStyles>
     <p:titleStyle>
-      <a:defPPr lvl="0" marR="0" rtl="0" algn="l">
+      <a:defPPr marR="0" lvl="0" algn="l" rtl="0">
         <a:lnSpc>
           <a:spcPct val="100000"/>
         </a:lnSpc>
@@ -8586,7 +8339,7 @@
           <a:spcPts val="0"/>
         </a:spcAft>
       </a:defPPr>
-      <a:lvl1pPr lvl="0" marR="0" rtl="0" algn="l">
+      <a:lvl1pPr marR="0" lvl="0" algn="l" rtl="0">
         <a:lnSpc>
           <a:spcPct val="100000"/>
         </a:lnSpc>
@@ -8599,18 +8352,18 @@
         <a:buClr>
           <a:srgbClr val="000000"/>
         </a:buClr>
-        <a:buFont typeface="Arial"/>
-        <a:defRPr b="0" i="0" sz="1400" u="none" cap="none" strike="noStrike">
+        <a:buFont typeface="Arial" panose="020B0604020202090204"/>
+        <a:defRPr sz="1400" b="0" i="0" u="none" strike="noStrike" cap="none">
           <a:solidFill>
             <a:srgbClr val="000000"/>
           </a:solidFill>
-          <a:latin typeface="Arial"/>
-          <a:ea typeface="Arial"/>
-          <a:cs typeface="Arial"/>
-          <a:sym typeface="Arial"/>
+          <a:latin typeface="Arial" panose="020B0604020202090204"/>
+          <a:ea typeface="Arial" panose="020B0604020202090204"/>
+          <a:cs typeface="Arial" panose="020B0604020202090204"/>
+          <a:sym typeface="Arial" panose="020B0604020202090204"/>
         </a:defRPr>
       </a:lvl1pPr>
-      <a:lvl2pPr lvl="1" marR="0" rtl="0" algn="l">
+      <a:lvl2pPr marR="0" lvl="1" algn="l" rtl="0">
         <a:lnSpc>
           <a:spcPct val="100000"/>
         </a:lnSpc>
@@ -8623,18 +8376,18 @@
         <a:buClr>
           <a:srgbClr val="000000"/>
         </a:buClr>
-        <a:buFont typeface="Arial"/>
-        <a:defRPr b="0" i="0" sz="1400" u="none" cap="none" strike="noStrike">
+        <a:buFont typeface="Arial" panose="020B0604020202090204"/>
+        <a:defRPr sz="1400" b="0" i="0" u="none" strike="noStrike" cap="none">
           <a:solidFill>
             <a:srgbClr val="000000"/>
           </a:solidFill>
-          <a:latin typeface="Arial"/>
-          <a:ea typeface="Arial"/>
-          <a:cs typeface="Arial"/>
-          <a:sym typeface="Arial"/>
+          <a:latin typeface="Arial" panose="020B0604020202090204"/>
+          <a:ea typeface="Arial" panose="020B0604020202090204"/>
+          <a:cs typeface="Arial" panose="020B0604020202090204"/>
+          <a:sym typeface="Arial" panose="020B0604020202090204"/>
         </a:defRPr>
       </a:lvl2pPr>
-      <a:lvl3pPr lvl="2" marR="0" rtl="0" algn="l">
+      <a:lvl3pPr marR="0" lvl="2" algn="l" rtl="0">
         <a:lnSpc>
           <a:spcPct val="100000"/>
         </a:lnSpc>
@@ -8647,18 +8400,18 @@
         <a:buClr>
           <a:srgbClr val="000000"/>
         </a:buClr>
-        <a:buFont typeface="Arial"/>
-        <a:defRPr b="0" i="0" sz="1400" u="none" cap="none" strike="noStrike">
+        <a:buFont typeface="Arial" panose="020B0604020202090204"/>
+        <a:defRPr sz="1400" b="0" i="0" u="none" strike="noStrike" cap="none">
           <a:solidFill>
             <a:srgbClr val="000000"/>
           </a:solidFill>
-          <a:latin typeface="Arial"/>
-          <a:ea typeface="Arial"/>
-          <a:cs typeface="Arial"/>
-          <a:sym typeface="Arial"/>
+          <a:latin typeface="Arial" panose="020B0604020202090204"/>
+          <a:ea typeface="Arial" panose="020B0604020202090204"/>
+          <a:cs typeface="Arial" panose="020B0604020202090204"/>
+          <a:sym typeface="Arial" panose="020B0604020202090204"/>
         </a:defRPr>
       </a:lvl3pPr>
-      <a:lvl4pPr lvl="3" marR="0" rtl="0" algn="l">
+      <a:lvl4pPr marR="0" lvl="3" algn="l" rtl="0">
         <a:lnSpc>
           <a:spcPct val="100000"/>
         </a:lnSpc>
@@ -8671,18 +8424,18 @@
         <a:buClr>
           <a:srgbClr val="000000"/>
         </a:buClr>
-        <a:buFont typeface="Arial"/>
-        <a:defRPr b="0" i="0" sz="1400" u="none" cap="none" strike="noStrike">
+        <a:buFont typeface="Arial" panose="020B0604020202090204"/>
+        <a:defRPr sz="1400" b="0" i="0" u="none" strike="noStrike" cap="none">
           <a:solidFill>
             <a:srgbClr val="000000"/>
           </a:solidFill>
-          <a:latin typeface="Arial"/>
-          <a:ea typeface="Arial"/>
-          <a:cs typeface="Arial"/>
-          <a:sym typeface="Arial"/>
+          <a:latin typeface="Arial" panose="020B0604020202090204"/>
+          <a:ea typeface="Arial" panose="020B0604020202090204"/>
+          <a:cs typeface="Arial" panose="020B0604020202090204"/>
+          <a:sym typeface="Arial" panose="020B0604020202090204"/>
         </a:defRPr>
       </a:lvl4pPr>
-      <a:lvl5pPr lvl="4" marR="0" rtl="0" algn="l">
+      <a:lvl5pPr marR="0" lvl="4" algn="l" rtl="0">
         <a:lnSpc>
           <a:spcPct val="100000"/>
         </a:lnSpc>
@@ -8695,18 +8448,18 @@
         <a:buClr>
           <a:srgbClr val="000000"/>
         </a:buClr>
-        <a:buFont typeface="Arial"/>
-        <a:defRPr b="0" i="0" sz="1400" u="none" cap="none" strike="noStrike">
+        <a:buFont typeface="Arial" panose="020B0604020202090204"/>
+        <a:defRPr sz="1400" b="0" i="0" u="none" strike="noStrike" cap="none">
           <a:solidFill>
             <a:srgbClr val="000000"/>
           </a:solidFill>
-          <a:latin typeface="Arial"/>
-          <a:ea typeface="Arial"/>
-          <a:cs typeface="Arial"/>
-          <a:sym typeface="Arial"/>
+          <a:latin typeface="Arial" panose="020B0604020202090204"/>
+          <a:ea typeface="Arial" panose="020B0604020202090204"/>
+          <a:cs typeface="Arial" panose="020B0604020202090204"/>
+          <a:sym typeface="Arial" panose="020B0604020202090204"/>
         </a:defRPr>
       </a:lvl5pPr>
-      <a:lvl6pPr lvl="5" marR="0" rtl="0" algn="l">
+      <a:lvl6pPr marR="0" lvl="5" algn="l" rtl="0">
         <a:lnSpc>
           <a:spcPct val="100000"/>
         </a:lnSpc>
@@ -8719,18 +8472,18 @@
         <a:buClr>
           <a:srgbClr val="000000"/>
         </a:buClr>
-        <a:buFont typeface="Arial"/>
-        <a:defRPr b="0" i="0" sz="1400" u="none" cap="none" strike="noStrike">
+        <a:buFont typeface="Arial" panose="020B0604020202090204"/>
+        <a:defRPr sz="1400" b="0" i="0" u="none" strike="noStrike" cap="none">
           <a:solidFill>
             <a:srgbClr val="000000"/>
           </a:solidFill>
-          <a:latin typeface="Arial"/>
-          <a:ea typeface="Arial"/>
-          <a:cs typeface="Arial"/>
-          <a:sym typeface="Arial"/>
+          <a:latin typeface="Arial" panose="020B0604020202090204"/>
+          <a:ea typeface="Arial" panose="020B0604020202090204"/>
+          <a:cs typeface="Arial" panose="020B0604020202090204"/>
+          <a:sym typeface="Arial" panose="020B0604020202090204"/>
         </a:defRPr>
       </a:lvl6pPr>
-      <a:lvl7pPr lvl="6" marR="0" rtl="0" algn="l">
+      <a:lvl7pPr marR="0" lvl="6" algn="l" rtl="0">
         <a:lnSpc>
           <a:spcPct val="100000"/>
         </a:lnSpc>
@@ -8743,18 +8496,18 @@
         <a:buClr>
           <a:srgbClr val="000000"/>
         </a:buClr>
-        <a:buFont typeface="Arial"/>
-        <a:defRPr b="0" i="0" sz="1400" u="none" cap="none" strike="noStrike">
+        <a:buFont typeface="Arial" panose="020B0604020202090204"/>
+        <a:defRPr sz="1400" b="0" i="0" u="none" strike="noStrike" cap="none">
           <a:solidFill>
             <a:srgbClr val="000000"/>
           </a:solidFill>
-          <a:latin typeface="Arial"/>
-          <a:ea typeface="Arial"/>
-          <a:cs typeface="Arial"/>
-          <a:sym typeface="Arial"/>
+          <a:latin typeface="Arial" panose="020B0604020202090204"/>
+          <a:ea typeface="Arial" panose="020B0604020202090204"/>
+          <a:cs typeface="Arial" panose="020B0604020202090204"/>
+          <a:sym typeface="Arial" panose="020B0604020202090204"/>
         </a:defRPr>
       </a:lvl7pPr>
-      <a:lvl8pPr lvl="7" marR="0" rtl="0" algn="l">
+      <a:lvl8pPr marR="0" lvl="7" algn="l" rtl="0">
         <a:lnSpc>
           <a:spcPct val="100000"/>
         </a:lnSpc>
@@ -8767,18 +8520,18 @@
         <a:buClr>
           <a:srgbClr val="000000"/>
         </a:buClr>
-        <a:buFont typeface="Arial"/>
-        <a:defRPr b="0" i="0" sz="1400" u="none" cap="none" strike="noStrike">
+        <a:buFont typeface="Arial" panose="020B0604020202090204"/>
+        <a:defRPr sz="1400" b="0" i="0" u="none" strike="noStrike" cap="none">
           <a:solidFill>
             <a:srgbClr val="000000"/>
           </a:solidFill>
-          <a:latin typeface="Arial"/>
-          <a:ea typeface="Arial"/>
-          <a:cs typeface="Arial"/>
-          <a:sym typeface="Arial"/>
+          <a:latin typeface="Arial" panose="020B0604020202090204"/>
+          <a:ea typeface="Arial" panose="020B0604020202090204"/>
+          <a:cs typeface="Arial" panose="020B0604020202090204"/>
+          <a:sym typeface="Arial" panose="020B0604020202090204"/>
         </a:defRPr>
       </a:lvl8pPr>
-      <a:lvl9pPr lvl="8" marR="0" rtl="0" algn="l">
+      <a:lvl9pPr marR="0" lvl="8" algn="l" rtl="0">
         <a:lnSpc>
           <a:spcPct val="100000"/>
         </a:lnSpc>
@@ -8791,20 +8544,20 @@
         <a:buClr>
           <a:srgbClr val="000000"/>
         </a:buClr>
-        <a:buFont typeface="Arial"/>
-        <a:defRPr b="0" i="0" sz="1400" u="none" cap="none" strike="noStrike">
+        <a:buFont typeface="Arial" panose="020B0604020202090204"/>
+        <a:defRPr sz="1400" b="0" i="0" u="none" strike="noStrike" cap="none">
           <a:solidFill>
             <a:srgbClr val="000000"/>
           </a:solidFill>
-          <a:latin typeface="Arial"/>
-          <a:ea typeface="Arial"/>
-          <a:cs typeface="Arial"/>
-          <a:sym typeface="Arial"/>
+          <a:latin typeface="Arial" panose="020B0604020202090204"/>
+          <a:ea typeface="Arial" panose="020B0604020202090204"/>
+          <a:cs typeface="Arial" panose="020B0604020202090204"/>
+          <a:sym typeface="Arial" panose="020B0604020202090204"/>
         </a:defRPr>
       </a:lvl9pPr>
     </p:titleStyle>
     <p:bodyStyle>
-      <a:defPPr lvl="0" marR="0" rtl="0" algn="l">
+      <a:defPPr marR="0" lvl="0" algn="l" rtl="0">
         <a:lnSpc>
           <a:spcPct val="100000"/>
         </a:lnSpc>
@@ -8815,7 +8568,7 @@
           <a:spcPts val="0"/>
         </a:spcAft>
       </a:defPPr>
-      <a:lvl1pPr lvl="0" marR="0" rtl="0" algn="l">
+      <a:lvl1pPr marR="0" lvl="0" algn="l" rtl="0">
         <a:lnSpc>
           <a:spcPct val="100000"/>
         </a:lnSpc>
@@ -8828,18 +8581,18 @@
         <a:buClr>
           <a:srgbClr val="000000"/>
         </a:buClr>
-        <a:buFont typeface="Arial"/>
-        <a:defRPr b="0" i="0" sz="1400" u="none" cap="none" strike="noStrike">
+        <a:buFont typeface="Arial" panose="020B0604020202090204"/>
+        <a:defRPr sz="1400" b="0" i="0" u="none" strike="noStrike" cap="none">
           <a:solidFill>
             <a:srgbClr val="000000"/>
           </a:solidFill>
-          <a:latin typeface="Arial"/>
-          <a:ea typeface="Arial"/>
-          <a:cs typeface="Arial"/>
-          <a:sym typeface="Arial"/>
+          <a:latin typeface="Arial" panose="020B0604020202090204"/>
+          <a:ea typeface="Arial" panose="020B0604020202090204"/>
+          <a:cs typeface="Arial" panose="020B0604020202090204"/>
+          <a:sym typeface="Arial" panose="020B0604020202090204"/>
         </a:defRPr>
       </a:lvl1pPr>
-      <a:lvl2pPr lvl="1" marR="0" rtl="0" algn="l">
+      <a:lvl2pPr marR="0" lvl="1" algn="l" rtl="0">
         <a:lnSpc>
           <a:spcPct val="100000"/>
         </a:lnSpc>
@@ -8852,18 +8605,18 @@
         <a:buClr>
           <a:srgbClr val="000000"/>
         </a:buClr>
-        <a:buFont typeface="Arial"/>
-        <a:defRPr b="0" i="0" sz="1400" u="none" cap="none" strike="noStrike">
+        <a:buFont typeface="Arial" panose="020B0604020202090204"/>
+        <a:defRPr sz="1400" b="0" i="0" u="none" strike="noStrike" cap="none">
           <a:solidFill>
             <a:srgbClr val="000000"/>
           </a:solidFill>
-          <a:latin typeface="Arial"/>
-          <a:ea typeface="Arial"/>
-          <a:cs typeface="Arial"/>
-          <a:sym typeface="Arial"/>
+          <a:latin typeface="Arial" panose="020B0604020202090204"/>
+          <a:ea typeface="Arial" panose="020B0604020202090204"/>
+          <a:cs typeface="Arial" panose="020B0604020202090204"/>
+          <a:sym typeface="Arial" panose="020B0604020202090204"/>
         </a:defRPr>
       </a:lvl2pPr>
-      <a:lvl3pPr lvl="2" marR="0" rtl="0" algn="l">
+      <a:lvl3pPr marR="0" lvl="2" algn="l" rtl="0">
         <a:lnSpc>
           <a:spcPct val="100000"/>
         </a:lnSpc>
@@ -8876,18 +8629,18 @@
         <a:buClr>
           <a:srgbClr val="000000"/>
         </a:buClr>
-        <a:buFont typeface="Arial"/>
-        <a:defRPr b="0" i="0" sz="1400" u="none" cap="none" strike="noStrike">
+        <a:buFont typeface="Arial" panose="020B0604020202090204"/>
+        <a:defRPr sz="1400" b="0" i="0" u="none" strike="noStrike" cap="none">
           <a:solidFill>
             <a:srgbClr val="000000"/>
           </a:solidFill>
-          <a:latin typeface="Arial"/>
-          <a:ea typeface="Arial"/>
-          <a:cs typeface="Arial"/>
-          <a:sym typeface="Arial"/>
+          <a:latin typeface="Arial" panose="020B0604020202090204"/>
+          <a:ea typeface="Arial" panose="020B0604020202090204"/>
+          <a:cs typeface="Arial" panose="020B0604020202090204"/>
+          <a:sym typeface="Arial" panose="020B0604020202090204"/>
         </a:defRPr>
       </a:lvl3pPr>
-      <a:lvl4pPr lvl="3" marR="0" rtl="0" algn="l">
+      <a:lvl4pPr marR="0" lvl="3" algn="l" rtl="0">
         <a:lnSpc>
           <a:spcPct val="100000"/>
         </a:lnSpc>
@@ -8900,18 +8653,18 @@
         <a:buClr>
           <a:srgbClr val="000000"/>
         </a:buClr>
-        <a:buFont typeface="Arial"/>
-        <a:defRPr b="0" i="0" sz="1400" u="none" cap="none" strike="noStrike">
+        <a:buFont typeface="Arial" panose="020B0604020202090204"/>
+        <a:defRPr sz="1400" b="0" i="0" u="none" strike="noStrike" cap="none">
           <a:solidFill>
             <a:srgbClr val="000000"/>
           </a:solidFill>
-          <a:latin typeface="Arial"/>
-          <a:ea typeface="Arial"/>
-          <a:cs typeface="Arial"/>
-          <a:sym typeface="Arial"/>
+          <a:latin typeface="Arial" panose="020B0604020202090204"/>
+          <a:ea typeface="Arial" panose="020B0604020202090204"/>
+          <a:cs typeface="Arial" panose="020B0604020202090204"/>
+          <a:sym typeface="Arial" panose="020B0604020202090204"/>
         </a:defRPr>
       </a:lvl4pPr>
-      <a:lvl5pPr lvl="4" marR="0" rtl="0" algn="l">
+      <a:lvl5pPr marR="0" lvl="4" algn="l" rtl="0">
         <a:lnSpc>
           <a:spcPct val="100000"/>
         </a:lnSpc>
@@ -8924,18 +8677,18 @@
         <a:buClr>
           <a:srgbClr val="000000"/>
         </a:buClr>
-        <a:buFont typeface="Arial"/>
-        <a:defRPr b="0" i="0" sz="1400" u="none" cap="none" strike="noStrike">
+        <a:buFont typeface="Arial" panose="020B0604020202090204"/>
+        <a:defRPr sz="1400" b="0" i="0" u="none" strike="noStrike" cap="none">
           <a:solidFill>
             <a:srgbClr val="000000"/>
           </a:solidFill>
-          <a:latin typeface="Arial"/>
-          <a:ea typeface="Arial"/>
-          <a:cs typeface="Arial"/>
-          <a:sym typeface="Arial"/>
+          <a:latin typeface="Arial" panose="020B0604020202090204"/>
+          <a:ea typeface="Arial" panose="020B0604020202090204"/>
+          <a:cs typeface="Arial" panose="020B0604020202090204"/>
+          <a:sym typeface="Arial" panose="020B0604020202090204"/>
         </a:defRPr>
       </a:lvl5pPr>
-      <a:lvl6pPr lvl="5" marR="0" rtl="0" algn="l">
+      <a:lvl6pPr marR="0" lvl="5" algn="l" rtl="0">
         <a:lnSpc>
           <a:spcPct val="100000"/>
         </a:lnSpc>
@@ -8948,18 +8701,18 @@
         <a:buClr>
           <a:srgbClr val="000000"/>
         </a:buClr>
-        <a:buFont typeface="Arial"/>
-        <a:defRPr b="0" i="0" sz="1400" u="none" cap="none" strike="noStrike">
+        <a:buFont typeface="Arial" panose="020B0604020202090204"/>
+        <a:defRPr sz="1400" b="0" i="0" u="none" strike="noStrike" cap="none">
           <a:solidFill>
             <a:srgbClr val="000000"/>
           </a:solidFill>
-          <a:latin typeface="Arial"/>
-          <a:ea typeface="Arial"/>
-          <a:cs typeface="Arial"/>
-          <a:sym typeface="Arial"/>
+          <a:latin typeface="Arial" panose="020B0604020202090204"/>
+          <a:ea typeface="Arial" panose="020B0604020202090204"/>
+          <a:cs typeface="Arial" panose="020B0604020202090204"/>
+          <a:sym typeface="Arial" panose="020B0604020202090204"/>
         </a:defRPr>
       </a:lvl6pPr>
-      <a:lvl7pPr lvl="6" marR="0" rtl="0" algn="l">
+      <a:lvl7pPr marR="0" lvl="6" algn="l" rtl="0">
         <a:lnSpc>
           <a:spcPct val="100000"/>
         </a:lnSpc>
@@ -8972,18 +8725,18 @@
         <a:buClr>
           <a:srgbClr val="000000"/>
         </a:buClr>
-        <a:buFont typeface="Arial"/>
-        <a:defRPr b="0" i="0" sz="1400" u="none" cap="none" strike="noStrike">
+        <a:buFont typeface="Arial" panose="020B0604020202090204"/>
+        <a:defRPr sz="1400" b="0" i="0" u="none" strike="noStrike" cap="none">
           <a:solidFill>
             <a:srgbClr val="000000"/>
           </a:solidFill>
-          <a:latin typeface="Arial"/>
-          <a:ea typeface="Arial"/>
-          <a:cs typeface="Arial"/>
-          <a:sym typeface="Arial"/>
+          <a:latin typeface="Arial" panose="020B0604020202090204"/>
+          <a:ea typeface="Arial" panose="020B0604020202090204"/>
+          <a:cs typeface="Arial" panose="020B0604020202090204"/>
+          <a:sym typeface="Arial" panose="020B0604020202090204"/>
         </a:defRPr>
       </a:lvl7pPr>
-      <a:lvl8pPr lvl="7" marR="0" rtl="0" algn="l">
+      <a:lvl8pPr marR="0" lvl="7" algn="l" rtl="0">
         <a:lnSpc>
           <a:spcPct val="100000"/>
         </a:lnSpc>
@@ -8996,18 +8749,18 @@
         <a:buClr>
           <a:srgbClr val="000000"/>
         </a:buClr>
-        <a:buFont typeface="Arial"/>
-        <a:defRPr b="0" i="0" sz="1400" u="none" cap="none" strike="noStrike">
+        <a:buFont typeface="Arial" panose="020B0604020202090204"/>
+        <a:defRPr sz="1400" b="0" i="0" u="none" strike="noStrike" cap="none">
           <a:solidFill>
             <a:srgbClr val="000000"/>
           </a:solidFill>
-          <a:latin typeface="Arial"/>
-          <a:ea typeface="Arial"/>
-          <a:cs typeface="Arial"/>
-          <a:sym typeface="Arial"/>
+          <a:latin typeface="Arial" panose="020B0604020202090204"/>
+          <a:ea typeface="Arial" panose="020B0604020202090204"/>
+          <a:cs typeface="Arial" panose="020B0604020202090204"/>
+          <a:sym typeface="Arial" panose="020B0604020202090204"/>
         </a:defRPr>
       </a:lvl8pPr>
-      <a:lvl9pPr lvl="8" marR="0" rtl="0" algn="l">
+      <a:lvl9pPr marR="0" lvl="8" algn="l" rtl="0">
         <a:lnSpc>
           <a:spcPct val="100000"/>
         </a:lnSpc>
@@ -9020,20 +8773,20 @@
         <a:buClr>
           <a:srgbClr val="000000"/>
         </a:buClr>
-        <a:buFont typeface="Arial"/>
-        <a:defRPr b="0" i="0" sz="1400" u="none" cap="none" strike="noStrike">
+        <a:buFont typeface="Arial" panose="020B0604020202090204"/>
+        <a:defRPr sz="1400" b="0" i="0" u="none" strike="noStrike" cap="none">
           <a:solidFill>
             <a:srgbClr val="000000"/>
           </a:solidFill>
-          <a:latin typeface="Arial"/>
-          <a:ea typeface="Arial"/>
-          <a:cs typeface="Arial"/>
-          <a:sym typeface="Arial"/>
+          <a:latin typeface="Arial" panose="020B0604020202090204"/>
+          <a:ea typeface="Arial" panose="020B0604020202090204"/>
+          <a:cs typeface="Arial" panose="020B0604020202090204"/>
+          <a:sym typeface="Arial" panose="020B0604020202090204"/>
         </a:defRPr>
       </a:lvl9pPr>
     </p:bodyStyle>
     <p:otherStyle>
-      <a:defPPr lvl="0" marR="0" rtl="0" algn="l">
+      <a:defPPr marR="0" lvl="0" algn="l" rtl="0">
         <a:lnSpc>
           <a:spcPct val="100000"/>
         </a:lnSpc>
@@ -9044,7 +8797,7 @@
           <a:spcPts val="0"/>
         </a:spcAft>
       </a:defPPr>
-      <a:lvl1pPr lvl="0" marR="0" rtl="0" algn="l">
+      <a:lvl1pPr marR="0" lvl="0" algn="l" rtl="0">
         <a:lnSpc>
           <a:spcPct val="100000"/>
         </a:lnSpc>
@@ -9057,18 +8810,18 @@
         <a:buClr>
           <a:srgbClr val="000000"/>
         </a:buClr>
-        <a:buFont typeface="Arial"/>
-        <a:defRPr b="0" i="0" sz="1400" u="none" cap="none" strike="noStrike">
+        <a:buFont typeface="Arial" panose="020B0604020202090204"/>
+        <a:defRPr sz="1400" b="0" i="0" u="none" strike="noStrike" cap="none">
           <a:solidFill>
             <a:srgbClr val="000000"/>
           </a:solidFill>
-          <a:latin typeface="Arial"/>
-          <a:ea typeface="Arial"/>
-          <a:cs typeface="Arial"/>
-          <a:sym typeface="Arial"/>
+          <a:latin typeface="Arial" panose="020B0604020202090204"/>
+          <a:ea typeface="Arial" panose="020B0604020202090204"/>
+          <a:cs typeface="Arial" panose="020B0604020202090204"/>
+          <a:sym typeface="Arial" panose="020B0604020202090204"/>
         </a:defRPr>
       </a:lvl1pPr>
-      <a:lvl2pPr lvl="1" marR="0" rtl="0" algn="l">
+      <a:lvl2pPr marR="0" lvl="1" algn="l" rtl="0">
         <a:lnSpc>
           <a:spcPct val="100000"/>
         </a:lnSpc>
@@ -9081,18 +8834,18 @@
         <a:buClr>
           <a:srgbClr val="000000"/>
         </a:buClr>
-        <a:buFont typeface="Arial"/>
-        <a:defRPr b="0" i="0" sz="1400" u="none" cap="none" strike="noStrike">
+        <a:buFont typeface="Arial" panose="020B0604020202090204"/>
+        <a:defRPr sz="1400" b="0" i="0" u="none" strike="noStrike" cap="none">
           <a:solidFill>
             <a:srgbClr val="000000"/>
           </a:solidFill>
-          <a:latin typeface="Arial"/>
-          <a:ea typeface="Arial"/>
-          <a:cs typeface="Arial"/>
-          <a:sym typeface="Arial"/>
+          <a:latin typeface="Arial" panose="020B0604020202090204"/>
+          <a:ea typeface="Arial" panose="020B0604020202090204"/>
+          <a:cs typeface="Arial" panose="020B0604020202090204"/>
+          <a:sym typeface="Arial" panose="020B0604020202090204"/>
         </a:defRPr>
       </a:lvl2pPr>
-      <a:lvl3pPr lvl="2" marR="0" rtl="0" algn="l">
+      <a:lvl3pPr marR="0" lvl="2" algn="l" rtl="0">
         <a:lnSpc>
           <a:spcPct val="100000"/>
         </a:lnSpc>
@@ -9105,18 +8858,18 @@
         <a:buClr>
           <a:srgbClr val="000000"/>
         </a:buClr>
-        <a:buFont typeface="Arial"/>
-        <a:defRPr b="0" i="0" sz="1400" u="none" cap="none" strike="noStrike">
+        <a:buFont typeface="Arial" panose="020B0604020202090204"/>
+        <a:defRPr sz="1400" b="0" i="0" u="none" strike="noStrike" cap="none">
           <a:solidFill>
             <a:srgbClr val="000000"/>
           </a:solidFill>
-          <a:latin typeface="Arial"/>
-          <a:ea typeface="Arial"/>
-          <a:cs typeface="Arial"/>
-          <a:sym typeface="Arial"/>
+          <a:latin typeface="Arial" panose="020B0604020202090204"/>
+          <a:ea typeface="Arial" panose="020B0604020202090204"/>
+          <a:cs typeface="Arial" panose="020B0604020202090204"/>
+          <a:sym typeface="Arial" panose="020B0604020202090204"/>
         </a:defRPr>
       </a:lvl3pPr>
-      <a:lvl4pPr lvl="3" marR="0" rtl="0" algn="l">
+      <a:lvl4pPr marR="0" lvl="3" algn="l" rtl="0">
         <a:lnSpc>
           <a:spcPct val="100000"/>
         </a:lnSpc>
@@ -9129,18 +8882,18 @@
         <a:buClr>
           <a:srgbClr val="000000"/>
         </a:buClr>
-        <a:buFont typeface="Arial"/>
-        <a:defRPr b="0" i="0" sz="1400" u="none" cap="none" strike="noStrike">
+        <a:buFont typeface="Arial" panose="020B0604020202090204"/>
+        <a:defRPr sz="1400" b="0" i="0" u="none" strike="noStrike" cap="none">
           <a:solidFill>
             <a:srgbClr val="000000"/>
           </a:solidFill>
-          <a:latin typeface="Arial"/>
-          <a:ea typeface="Arial"/>
-          <a:cs typeface="Arial"/>
-          <a:sym typeface="Arial"/>
+          <a:latin typeface="Arial" panose="020B0604020202090204"/>
+          <a:ea typeface="Arial" panose="020B0604020202090204"/>
+          <a:cs typeface="Arial" panose="020B0604020202090204"/>
+          <a:sym typeface="Arial" panose="020B0604020202090204"/>
         </a:defRPr>
       </a:lvl4pPr>
-      <a:lvl5pPr lvl="4" marR="0" rtl="0" algn="l">
+      <a:lvl5pPr marR="0" lvl="4" algn="l" rtl="0">
         <a:lnSpc>
           <a:spcPct val="100000"/>
         </a:lnSpc>
@@ -9153,18 +8906,18 @@
         <a:buClr>
           <a:srgbClr val="000000"/>
         </a:buClr>
-        <a:buFont typeface="Arial"/>
-        <a:defRPr b="0" i="0" sz="1400" u="none" cap="none" strike="noStrike">
+        <a:buFont typeface="Arial" panose="020B0604020202090204"/>
+        <a:defRPr sz="1400" b="0" i="0" u="none" strike="noStrike" cap="none">
           <a:solidFill>
             <a:srgbClr val="000000"/>
           </a:solidFill>
-          <a:latin typeface="Arial"/>
-          <a:ea typeface="Arial"/>
-          <a:cs typeface="Arial"/>
-          <a:sym typeface="Arial"/>
+          <a:latin typeface="Arial" panose="020B0604020202090204"/>
+          <a:ea typeface="Arial" panose="020B0604020202090204"/>
+          <a:cs typeface="Arial" panose="020B0604020202090204"/>
+          <a:sym typeface="Arial" panose="020B0604020202090204"/>
         </a:defRPr>
       </a:lvl5pPr>
-      <a:lvl6pPr lvl="5" marR="0" rtl="0" algn="l">
+      <a:lvl6pPr marR="0" lvl="5" algn="l" rtl="0">
         <a:lnSpc>
           <a:spcPct val="100000"/>
         </a:lnSpc>
@@ -9177,18 +8930,18 @@
         <a:buClr>
           <a:srgbClr val="000000"/>
         </a:buClr>
-        <a:buFont typeface="Arial"/>
-        <a:defRPr b="0" i="0" sz="1400" u="none" cap="none" strike="noStrike">
+        <a:buFont typeface="Arial" panose="020B0604020202090204"/>
+        <a:defRPr sz="1400" b="0" i="0" u="none" strike="noStrike" cap="none">
           <a:solidFill>
             <a:srgbClr val="000000"/>
           </a:solidFill>
-          <a:latin typeface="Arial"/>
-          <a:ea typeface="Arial"/>
-          <a:cs typeface="Arial"/>
-          <a:sym typeface="Arial"/>
+          <a:latin typeface="Arial" panose="020B0604020202090204"/>
+          <a:ea typeface="Arial" panose="020B0604020202090204"/>
+          <a:cs typeface="Arial" panose="020B0604020202090204"/>
+          <a:sym typeface="Arial" panose="020B0604020202090204"/>
         </a:defRPr>
       </a:lvl6pPr>
-      <a:lvl7pPr lvl="6" marR="0" rtl="0" algn="l">
+      <a:lvl7pPr marR="0" lvl="6" algn="l" rtl="0">
         <a:lnSpc>
           <a:spcPct val="100000"/>
         </a:lnSpc>
@@ -9201,18 +8954,18 @@
         <a:buClr>
           <a:srgbClr val="000000"/>
         </a:buClr>
-        <a:buFont typeface="Arial"/>
-        <a:defRPr b="0" i="0" sz="1400" u="none" cap="none" strike="noStrike">
+        <a:buFont typeface="Arial" panose="020B0604020202090204"/>
+        <a:defRPr sz="1400" b="0" i="0" u="none" strike="noStrike" cap="none">
           <a:solidFill>
             <a:srgbClr val="000000"/>
           </a:solidFill>
-          <a:latin typeface="Arial"/>
-          <a:ea typeface="Arial"/>
-          <a:cs typeface="Arial"/>
-          <a:sym typeface="Arial"/>
+          <a:latin typeface="Arial" panose="020B0604020202090204"/>
+          <a:ea typeface="Arial" panose="020B0604020202090204"/>
+          <a:cs typeface="Arial" panose="020B0604020202090204"/>
+          <a:sym typeface="Arial" panose="020B0604020202090204"/>
         </a:defRPr>
       </a:lvl7pPr>
-      <a:lvl8pPr lvl="7" marR="0" rtl="0" algn="l">
+      <a:lvl8pPr marR="0" lvl="7" algn="l" rtl="0">
         <a:lnSpc>
           <a:spcPct val="100000"/>
         </a:lnSpc>
@@ -9225,18 +8978,18 @@
         <a:buClr>
           <a:srgbClr val="000000"/>
         </a:buClr>
-        <a:buFont typeface="Arial"/>
-        <a:defRPr b="0" i="0" sz="1400" u="none" cap="none" strike="noStrike">
+        <a:buFont typeface="Arial" panose="020B0604020202090204"/>
+        <a:defRPr sz="1400" b="0" i="0" u="none" strike="noStrike" cap="none">
           <a:solidFill>
             <a:srgbClr val="000000"/>
           </a:solidFill>
-          <a:latin typeface="Arial"/>
-          <a:ea typeface="Arial"/>
-          <a:cs typeface="Arial"/>
-          <a:sym typeface="Arial"/>
+          <a:latin typeface="Arial" panose="020B0604020202090204"/>
+          <a:ea typeface="Arial" panose="020B0604020202090204"/>
+          <a:cs typeface="Arial" panose="020B0604020202090204"/>
+          <a:sym typeface="Arial" panose="020B0604020202090204"/>
         </a:defRPr>
       </a:lvl8pPr>
-      <a:lvl9pPr lvl="8" marR="0" rtl="0" algn="l">
+      <a:lvl9pPr marR="0" lvl="8" algn="l" rtl="0">
         <a:lnSpc>
           <a:spcPct val="100000"/>
         </a:lnSpc>
@@ -9249,15 +9002,15 @@
         <a:buClr>
           <a:srgbClr val="000000"/>
         </a:buClr>
-        <a:buFont typeface="Arial"/>
-        <a:defRPr b="0" i="0" sz="1400" u="none" cap="none" strike="noStrike">
+        <a:buFont typeface="Arial" panose="020B0604020202090204"/>
+        <a:defRPr sz="1400" b="0" i="0" u="none" strike="noStrike" cap="none">
           <a:solidFill>
             <a:srgbClr val="000000"/>
           </a:solidFill>
-          <a:latin typeface="Arial"/>
-          <a:ea typeface="Arial"/>
-          <a:cs typeface="Arial"/>
-          <a:sym typeface="Arial"/>
+          <a:latin typeface="Arial" panose="020B0604020202090204"/>
+          <a:ea typeface="Arial" panose="020B0604020202090204"/>
+          <a:cs typeface="Arial" panose="020B0604020202090204"/>
+          <a:sym typeface="Arial" panose="020B0604020202090204"/>
         </a:defRPr>
       </a:lvl9pPr>
     </p:otherStyle>
@@ -9266,7 +9019,7 @@
 </file>
 
 <file path=ppt/slides/slide1.xml><?xml version="1.0" encoding="utf-8"?>
-<p:sld xmlns:a="http://schemas.openxmlformats.org/drawingml/2006/main" xmlns:r="http://schemas.openxmlformats.org/officeDocument/2006/relationships" xmlns:mc="http://schemas.openxmlformats.org/markup-compatibility/2006" xmlns:mv="urn:schemas-microsoft-com:mac:vml" xmlns:p="http://schemas.openxmlformats.org/presentationml/2006/main" xmlns:c="http://schemas.openxmlformats.org/drawingml/2006/chart" xmlns:dgm="http://schemas.openxmlformats.org/drawingml/2006/diagram" xmlns:o="urn:schemas-microsoft-com:office:office" xmlns:v="urn:schemas-microsoft-com:vml" xmlns:pvml="urn:schemas-microsoft-com:office:powerpoint" xmlns:com="http://schemas.openxmlformats.org/drawingml/2006/compatibility" xmlns:p14="http://schemas.microsoft.com/office/powerpoint/2010/main" xmlns:p15="http://schemas.microsoft.com/office/powerpoint/2012/main" xmlns:ahyp="http://schemas.microsoft.com/office/drawing/2018/hyperlinkcolor">
+<p:sld xmlns:a="http://schemas.openxmlformats.org/drawingml/2006/main" xmlns:r="http://schemas.openxmlformats.org/officeDocument/2006/relationships" xmlns:p="http://schemas.openxmlformats.org/presentationml/2006/main">
   <p:cSld>
     <p:spTree>
       <p:nvGrpSpPr>
@@ -9300,12 +9053,12 @@
           </a:prstGeom>
         </p:spPr>
         <p:txBody>
-          <a:bodyPr anchorCtr="0" anchor="ctr" bIns="91425" lIns="91425" spcFirstLastPara="1" rIns="91425" wrap="square" tIns="91425">
+          <a:bodyPr spcFirstLastPara="1" wrap="square" lIns="91425" tIns="91425" rIns="91425" bIns="91425" anchor="ctr" anchorCtr="0">
             <a:normAutofit/>
           </a:bodyPr>
           <a:lstStyle/>
           <a:p>
-            <a:pPr indent="0" lvl="0" marL="0" rtl="0" algn="ctr">
+            <a:pPr marL="0" lvl="0" indent="0" algn="ctr" rtl="0">
               <a:spcBef>
                 <a:spcPts val="0"/>
               </a:spcBef>
@@ -9315,7 +9068,7 @@
               <a:buNone/>
             </a:pPr>
             <a:r>
-              <a:rPr lang="en" sz="4600"/>
+              <a:rPr lang="en-GB" sz="4600"/>
               <a:t>Midterm project</a:t>
             </a:r>
             <a:endParaRPr sz="4600"/>
@@ -9327,7 +9080,7 @@
           <p:cNvPr id="129" name="Google Shape;129;p13"/>
           <p:cNvSpPr txBox="1"/>
           <p:nvPr>
-            <p:ph idx="1" type="subTitle"/>
+            <p:ph type="subTitle" idx="1"/>
           </p:nvPr>
         </p:nvSpPr>
         <p:spPr>
@@ -9340,12 +9093,12 @@
           </a:prstGeom>
         </p:spPr>
         <p:txBody>
-          <a:bodyPr anchorCtr="0" anchor="t" bIns="91425" lIns="91425" spcFirstLastPara="1" rIns="91425" wrap="square" tIns="91425">
+          <a:bodyPr spcFirstLastPara="1" wrap="square" lIns="91425" tIns="91425" rIns="91425" bIns="91425" anchor="t" anchorCtr="0">
             <a:noAutofit/>
           </a:bodyPr>
           <a:lstStyle/>
           <a:p>
-            <a:pPr indent="0" lvl="0" marL="0" rtl="0" algn="ctr">
+            <a:pPr marL="0" lvl="0" indent="0" algn="ctr" rtl="0">
               <a:spcBef>
                 <a:spcPts val="0"/>
               </a:spcBef>
@@ -9355,7 +9108,7 @@
               <a:buNone/>
             </a:pPr>
             <a:r>
-              <a:rPr lang="en" sz="2500"/>
+              <a:rPr lang="en-GB" sz="2500"/>
               <a:t>Chenxi Xu</a:t>
             </a:r>
             <a:endParaRPr sz="2500"/>
@@ -9371,7 +9124,7 @@
 </file>
 
 <file path=ppt/slides/slide2.xml><?xml version="1.0" encoding="utf-8"?>
-<p:sld xmlns:a="http://schemas.openxmlformats.org/drawingml/2006/main" xmlns:r="http://schemas.openxmlformats.org/officeDocument/2006/relationships" xmlns:mc="http://schemas.openxmlformats.org/markup-compatibility/2006" xmlns:mv="urn:schemas-microsoft-com:mac:vml" xmlns:p="http://schemas.openxmlformats.org/presentationml/2006/main" xmlns:c="http://schemas.openxmlformats.org/drawingml/2006/chart" xmlns:dgm="http://schemas.openxmlformats.org/drawingml/2006/diagram" xmlns:o="urn:schemas-microsoft-com:office:office" xmlns:v="urn:schemas-microsoft-com:vml" xmlns:pvml="urn:schemas-microsoft-com:office:powerpoint" xmlns:com="http://schemas.openxmlformats.org/drawingml/2006/compatibility" xmlns:p14="http://schemas.microsoft.com/office/powerpoint/2010/main" xmlns:p15="http://schemas.microsoft.com/office/powerpoint/2012/main" xmlns:ahyp="http://schemas.microsoft.com/office/drawing/2018/hyperlinkcolor">
+<p:sld xmlns:a="http://schemas.openxmlformats.org/drawingml/2006/main" xmlns:r="http://schemas.openxmlformats.org/officeDocument/2006/relationships" xmlns:p="http://schemas.openxmlformats.org/presentationml/2006/main">
   <p:cSld>
     <p:spTree>
       <p:nvGrpSpPr>
@@ -9394,45 +9147,15 @@
           <p:nvPr/>
         </p:nvPicPr>
         <p:blipFill>
-          <a:blip r:embed="rId3">
-            <a:alphaModFix/>
-          </a:blip>
+          <a:blip r:embed="rId1"/>
           <a:stretch>
             <a:fillRect/>
           </a:stretch>
         </p:blipFill>
         <p:spPr>
           <a:xfrm>
-            <a:off x="444876" y="1656450"/>
-            <a:ext cx="5703798" cy="3233449"/>
-          </a:xfrm>
-          <a:prstGeom prst="rect">
-            <a:avLst/>
-          </a:prstGeom>
-          <a:noFill/>
-          <a:ln>
-            <a:noFill/>
-          </a:ln>
-        </p:spPr>
-      </p:pic>
-      <p:pic>
-        <p:nvPicPr>
-          <p:cNvPr id="135" name="Google Shape;135;p14"/>
-          <p:cNvPicPr preferRelativeResize="0"/>
-          <p:nvPr/>
-        </p:nvPicPr>
-        <p:blipFill>
-          <a:blip r:embed="rId4">
-            <a:alphaModFix/>
-          </a:blip>
-          <a:stretch>
-            <a:fillRect/>
-          </a:stretch>
-        </p:blipFill>
-        <p:spPr>
-          <a:xfrm>
-            <a:off x="444875" y="358150"/>
-            <a:ext cx="6254702" cy="1239450"/>
+            <a:off x="575945" y="412115"/>
+            <a:ext cx="7991475" cy="4319270"/>
           </a:xfrm>
           <a:prstGeom prst="rect">
             <a:avLst/>
@@ -9452,7 +9175,7 @@
 </file>
 
 <file path=ppt/slides/slide3.xml><?xml version="1.0" encoding="utf-8"?>
-<p:sld xmlns:a="http://schemas.openxmlformats.org/drawingml/2006/main" xmlns:r="http://schemas.openxmlformats.org/officeDocument/2006/relationships" xmlns:mc="http://schemas.openxmlformats.org/markup-compatibility/2006" xmlns:mv="urn:schemas-microsoft-com:mac:vml" xmlns:p="http://schemas.openxmlformats.org/presentationml/2006/main" xmlns:c="http://schemas.openxmlformats.org/drawingml/2006/chart" xmlns:dgm="http://schemas.openxmlformats.org/drawingml/2006/diagram" xmlns:o="urn:schemas-microsoft-com:office:office" xmlns:v="urn:schemas-microsoft-com:vml" xmlns:pvml="urn:schemas-microsoft-com:office:powerpoint" xmlns:com="http://schemas.openxmlformats.org/drawingml/2006/compatibility" xmlns:p14="http://schemas.microsoft.com/office/powerpoint/2010/main" xmlns:p15="http://schemas.microsoft.com/office/powerpoint/2012/main" xmlns:ahyp="http://schemas.microsoft.com/office/drawing/2018/hyperlinkcolor">
+<p:sld xmlns:a="http://schemas.openxmlformats.org/drawingml/2006/main" xmlns:r="http://schemas.openxmlformats.org/officeDocument/2006/relationships" xmlns:p="http://schemas.openxmlformats.org/presentationml/2006/main">
   <p:cSld>
     <p:spTree>
       <p:nvGrpSpPr>
@@ -9486,12 +9209,12 @@
           </a:prstGeom>
         </p:spPr>
         <p:txBody>
-          <a:bodyPr anchorCtr="0" anchor="t" bIns="91425" lIns="91425" spcFirstLastPara="1" rIns="91425" wrap="square" tIns="91425">
+          <a:bodyPr spcFirstLastPara="1" wrap="square" lIns="91425" tIns="91425" rIns="91425" bIns="91425" anchor="t" anchorCtr="0">
             <a:normAutofit/>
           </a:bodyPr>
           <a:lstStyle/>
           <a:p>
-            <a:pPr indent="0" lvl="0" marL="0" rtl="0" algn="l">
+            <a:pPr marL="0" lvl="0" indent="0" algn="l" rtl="0">
               <a:spcBef>
                 <a:spcPts val="0"/>
               </a:spcBef>
@@ -9501,10 +9224,10 @@
               <a:buNone/>
             </a:pPr>
             <a:r>
-              <a:rPr lang="en"/>
+              <a:rPr lang="en-GB"/>
               <a:t>tutorial</a:t>
             </a:r>
-            <a:endParaRPr/>
+            <a:endParaRPr lang="en-GB"/>
           </a:p>
         </p:txBody>
       </p:sp>
@@ -9515,9 +9238,7 @@
           <p:nvPr/>
         </p:nvPicPr>
         <p:blipFill>
-          <a:blip r:embed="rId3">
-            <a:alphaModFix/>
-          </a:blip>
+          <a:blip r:embed="rId1"/>
           <a:stretch>
             <a:fillRect/>
           </a:stretch>
@@ -9543,9 +9264,7 @@
           <p:nvPr/>
         </p:nvPicPr>
         <p:blipFill>
-          <a:blip r:embed="rId4">
-            <a:alphaModFix/>
-          </a:blip>
+          <a:blip r:embed="rId2"/>
           <a:stretch>
             <a:fillRect/>
           </a:stretch>
@@ -9571,9 +9290,7 @@
           <p:nvPr/>
         </p:nvPicPr>
         <p:blipFill>
-          <a:blip r:embed="rId5">
-            <a:alphaModFix/>
-          </a:blip>
+          <a:blip r:embed="rId3"/>
           <a:stretch>
             <a:fillRect/>
           </a:stretch>
@@ -9601,7 +9318,7 @@
 </file>
 
 <file path=ppt/slides/slide4.xml><?xml version="1.0" encoding="utf-8"?>
-<p:sld xmlns:a="http://schemas.openxmlformats.org/drawingml/2006/main" xmlns:r="http://schemas.openxmlformats.org/officeDocument/2006/relationships" xmlns:mc="http://schemas.openxmlformats.org/markup-compatibility/2006" xmlns:mv="urn:schemas-microsoft-com:mac:vml" xmlns:p="http://schemas.openxmlformats.org/presentationml/2006/main" xmlns:c="http://schemas.openxmlformats.org/drawingml/2006/chart" xmlns:dgm="http://schemas.openxmlformats.org/drawingml/2006/diagram" xmlns:o="urn:schemas-microsoft-com:office:office" xmlns:v="urn:schemas-microsoft-com:vml" xmlns:pvml="urn:schemas-microsoft-com:office:powerpoint" xmlns:com="http://schemas.openxmlformats.org/drawingml/2006/compatibility" xmlns:p14="http://schemas.microsoft.com/office/powerpoint/2010/main" xmlns:p15="http://schemas.microsoft.com/office/powerpoint/2012/main" xmlns:ahyp="http://schemas.microsoft.com/office/drawing/2018/hyperlinkcolor">
+<p:sld xmlns:a="http://schemas.openxmlformats.org/drawingml/2006/main" xmlns:r="http://schemas.openxmlformats.org/officeDocument/2006/relationships" xmlns:p="http://schemas.openxmlformats.org/presentationml/2006/main">
   <p:cSld>
     <p:spTree>
       <p:nvGrpSpPr>
@@ -9622,7 +9339,7 @@
           <p:cNvPr id="148" name="Google Shape;148;p16"/>
           <p:cNvSpPr txBox="1"/>
           <p:nvPr>
-            <p:ph idx="1" type="body"/>
+            <p:ph type="body" idx="1"/>
           </p:nvPr>
         </p:nvSpPr>
         <p:spPr>
@@ -9635,12 +9352,12 @@
           </a:prstGeom>
         </p:spPr>
         <p:txBody>
-          <a:bodyPr anchorCtr="0" anchor="t" bIns="91425" lIns="91425" spcFirstLastPara="1" rIns="91425" wrap="square" tIns="91425">
+          <a:bodyPr spcFirstLastPara="1" wrap="square" lIns="91425" tIns="91425" rIns="91425" bIns="91425" anchor="t" anchorCtr="0">
             <a:normAutofit/>
           </a:bodyPr>
           <a:lstStyle/>
           <a:p>
-            <a:pPr indent="0" lvl="0" marL="0" rtl="0" algn="l">
+            <a:pPr marL="0" lvl="0" indent="0" algn="l" rtl="0">
               <a:spcBef>
                 <a:spcPts val="0"/>
               </a:spcBef>
@@ -9649,13 +9366,10 @@
               </a:spcAft>
               <a:buNone/>
             </a:pPr>
-            <a:r>
-              <a:t/>
-            </a:r>
             <a:endParaRPr sz="2500"/>
           </a:p>
           <a:p>
-            <a:pPr indent="-349250" lvl="0" marL="457200" rtl="0" algn="l">
+            <a:pPr marL="457200" lvl="0" indent="-349250" algn="l" rtl="0">
               <a:spcBef>
                 <a:spcPts val="1200"/>
               </a:spcBef>
@@ -9666,13 +9380,21 @@
               <a:buChar char="●"/>
             </a:pPr>
             <a:r>
-              <a:rPr lang="en" sz="1900"/>
-              <a:t>I will add more dynamic effects.</a:t>
+              <a:rPr lang="en-GB" sz="1900"/>
+              <a:t>I will add more </a:t>
+            </a:r>
+            <a:r>
+              <a:rPr lang="en-US" altLang="en-GB" sz="1900"/>
+              <a:t>animation</a:t>
+            </a:r>
+            <a:r>
+              <a:rPr lang="en-GB" sz="1900"/>
+              <a:t>.</a:t>
             </a:r>
             <a:endParaRPr sz="1900"/>
           </a:p>
           <a:p>
-            <a:pPr indent="-349250" lvl="0" marL="457200" rtl="0" algn="l">
+            <a:pPr marL="457200" lvl="0" indent="-349250" algn="l" rtl="0">
               <a:spcBef>
                 <a:spcPts val="0"/>
               </a:spcBef>
@@ -9683,30 +9405,13 @@
               <a:buChar char="●"/>
             </a:pPr>
             <a:r>
-              <a:rPr lang="en" sz="1900"/>
-              <a:t>I want to add a pagination feature.</a:t>
-            </a:r>
-            <a:endParaRPr sz="1900"/>
-          </a:p>
-          <a:p>
-            <a:pPr indent="-349250" lvl="0" marL="457200" rtl="0" algn="l">
-              <a:spcBef>
-                <a:spcPts val="0"/>
-              </a:spcBef>
-              <a:spcAft>
-                <a:spcPts val="0"/>
-              </a:spcAft>
-              <a:buSzPts val="1900"/>
-              <a:buChar char="●"/>
-            </a:pPr>
-            <a:r>
-              <a:rPr lang="en" sz="1900"/>
+              <a:rPr lang="en-GB" sz="1900"/>
               <a:t>I will include more information.</a:t>
             </a:r>
             <a:endParaRPr sz="1900"/>
           </a:p>
           <a:p>
-            <a:pPr indent="-349250" lvl="0" marL="457200" rtl="0" algn="l">
+            <a:pPr marL="457200" lvl="0" indent="-349250" algn="l" rtl="0">
               <a:spcBef>
                 <a:spcPts val="0"/>
               </a:spcBef>
@@ -9717,13 +9422,30 @@
               <a:buChar char="●"/>
             </a:pPr>
             <a:r>
-              <a:rPr lang="en" sz="1900"/>
+              <a:rPr lang="en-GB" sz="1900"/>
               <a:t>I plan to change the appearance of the cursor.</a:t>
+            </a:r>
+            <a:endParaRPr lang="en-GB" sz="1900"/>
+          </a:p>
+          <a:p>
+            <a:pPr marL="457200" lvl="0" indent="-349250" algn="l" rtl="0">
+              <a:spcBef>
+                <a:spcPts val="0"/>
+              </a:spcBef>
+              <a:spcAft>
+                <a:spcPts val="0"/>
+              </a:spcAft>
+              <a:buSzPts val="1900"/>
+              <a:buChar char="●"/>
+            </a:pPr>
+            <a:r>
+              <a:rPr lang="en-US" altLang="en-GB" sz="1900"/>
+              <a:t>I want to make the boxes clickable.</a:t>
             </a:r>
             <a:endParaRPr sz="1900"/>
           </a:p>
           <a:p>
-            <a:pPr indent="0" lvl="0" marL="457200" rtl="0" algn="l">
+            <a:pPr marL="457200" lvl="0" indent="0" algn="l" rtl="0">
               <a:spcBef>
                 <a:spcPts val="1200"/>
               </a:spcBef>
@@ -9732,10 +9454,6 @@
               </a:spcAft>
               <a:buNone/>
             </a:pPr>
-            <a:r>
-              <a:t/>
-            </a:r>
-            <a:endParaRPr/>
           </a:p>
         </p:txBody>
       </p:sp>
@@ -9748,7 +9466,7 @@
 </file>
 
 <file path=ppt/slides/slide5.xml><?xml version="1.0" encoding="utf-8"?>
-<p:sld xmlns:a="http://schemas.openxmlformats.org/drawingml/2006/main" xmlns:r="http://schemas.openxmlformats.org/officeDocument/2006/relationships" xmlns:mc="http://schemas.openxmlformats.org/markup-compatibility/2006" xmlns:mv="urn:schemas-microsoft-com:mac:vml" xmlns:p="http://schemas.openxmlformats.org/presentationml/2006/main" xmlns:c="http://schemas.openxmlformats.org/drawingml/2006/chart" xmlns:dgm="http://schemas.openxmlformats.org/drawingml/2006/diagram" xmlns:o="urn:schemas-microsoft-com:office:office" xmlns:v="urn:schemas-microsoft-com:vml" xmlns:pvml="urn:schemas-microsoft-com:office:powerpoint" xmlns:com="http://schemas.openxmlformats.org/drawingml/2006/compatibility" xmlns:p14="http://schemas.microsoft.com/office/powerpoint/2010/main" xmlns:p15="http://schemas.microsoft.com/office/powerpoint/2012/main" xmlns:ahyp="http://schemas.microsoft.com/office/drawing/2018/hyperlinkcolor">
+<p:sld xmlns:a="http://schemas.openxmlformats.org/drawingml/2006/main" xmlns:r="http://schemas.openxmlformats.org/officeDocument/2006/relationships" xmlns:p="http://schemas.openxmlformats.org/presentationml/2006/main">
   <p:cSld>
     <p:spTree>
       <p:nvGrpSpPr>
@@ -9782,12 +9500,12 @@
           </a:prstGeom>
         </p:spPr>
         <p:txBody>
-          <a:bodyPr anchorCtr="0" anchor="ctr" bIns="91425" lIns="91425" spcFirstLastPara="1" rIns="91425" wrap="square" tIns="91425">
+          <a:bodyPr spcFirstLastPara="1" wrap="square" lIns="91425" tIns="91425" rIns="91425" bIns="91425" anchor="ctr" anchorCtr="0">
             <a:normAutofit/>
           </a:bodyPr>
           <a:lstStyle/>
           <a:p>
-            <a:pPr indent="0" lvl="0" marL="0" rtl="0" algn="ctr">
+            <a:pPr marL="0" lvl="0" indent="0" algn="ctr" rtl="0">
               <a:spcBef>
                 <a:spcPts val="0"/>
               </a:spcBef>
@@ -9797,7 +9515,7 @@
               <a:buNone/>
             </a:pPr>
             <a:r>
-              <a:rPr lang="en" sz="4600"/>
+              <a:rPr lang="en-GB" sz="4600"/>
               <a:t>Thank you!!!</a:t>
             </a:r>
             <a:endParaRPr sz="4600"/>
@@ -9813,7 +9531,291 @@
 </file>
 
 <file path=ppt/theme/theme1.xml><?xml version="1.0" encoding="utf-8"?>
-<a:theme xmlns:a="http://schemas.openxmlformats.org/drawingml/2006/main" xmlns:r="http://schemas.openxmlformats.org/officeDocument/2006/relationships">
+<a:theme xmlns:a="http://schemas.openxmlformats.org/drawingml/2006/main" name="Shift">
+  <a:themeElements>
+    <a:clrScheme name="Shift">
+      <a:dk1>
+        <a:srgbClr val="FFFFFF"/>
+      </a:dk1>
+      <a:lt1>
+        <a:srgbClr val="AF7B51"/>
+      </a:lt1>
+      <a:dk2>
+        <a:srgbClr val="233A44"/>
+      </a:dk2>
+      <a:lt2>
+        <a:srgbClr val="D9D9D9"/>
+      </a:lt2>
+      <a:accent1>
+        <a:srgbClr val="00796B"/>
+      </a:accent1>
+      <a:accent2>
+        <a:srgbClr val="D9563F"/>
+      </a:accent2>
+      <a:accent3>
+        <a:srgbClr val="C4A15A"/>
+      </a:accent3>
+      <a:accent4>
+        <a:srgbClr val="14F597"/>
+      </a:accent4>
+      <a:accent5>
+        <a:srgbClr val="3D4594"/>
+      </a:accent5>
+      <a:accent6>
+        <a:srgbClr val="163EF5"/>
+      </a:accent6>
+      <a:hlink>
+        <a:srgbClr val="3D4594"/>
+      </a:hlink>
+      <a:folHlink>
+        <a:srgbClr val="3D4594"/>
+      </a:folHlink>
+    </a:clrScheme>
+    <a:fontScheme name="Office">
+      <a:majorFont>
+        <a:latin typeface="Arial"/>
+        <a:ea typeface=""/>
+        <a:cs typeface=""/>
+        <a:font script="Jpan" typeface="ＭＳ Ｐゴシック"/>
+        <a:font script="Hang" typeface="맑은 고딕"/>
+        <a:font script="Hans" typeface="宋体"/>
+        <a:font script="Hant" typeface="新細明體"/>
+        <a:font script="Arab" typeface="Times New Roman"/>
+        <a:font script="Hebr" typeface="Times New Roman"/>
+        <a:font script="Thai" typeface="Angsana New"/>
+        <a:font script="Ethi" typeface="Nyala"/>
+        <a:font script="Beng" typeface="Vrinda"/>
+        <a:font script="Gujr" typeface="Shruti"/>
+        <a:font script="Khmr" typeface="MoolBoran"/>
+        <a:font script="Knda" typeface="Tunga"/>
+        <a:font script="Guru" typeface="Raavi"/>
+        <a:font script="Cans" typeface="Euphemia"/>
+        <a:font script="Cher" typeface="Plantagenet Cherokee"/>
+        <a:font script="Yiii" typeface="Microsoft Yi Baiti"/>
+        <a:font script="Tibt" typeface="Microsoft Himalaya"/>
+        <a:font script="Thaa" typeface="MV Boli"/>
+        <a:font script="Deva" typeface="Mangal"/>
+        <a:font script="Telu" typeface="Gautami"/>
+        <a:font script="Taml" typeface="Latha"/>
+        <a:font script="Syrc" typeface="Estrangelo Edessa"/>
+        <a:font script="Orya" typeface="Kalinga"/>
+        <a:font script="Mlym" typeface="Kartika"/>
+        <a:font script="Laoo" typeface="DokChampa"/>
+        <a:font script="Sinh" typeface="Iskoola Pota"/>
+        <a:font script="Mong" typeface="Mongolian Baiti"/>
+        <a:font script="Viet" typeface="Times New Roman"/>
+        <a:font script="Uigh" typeface="Microsoft Uighur"/>
+        <a:font script="Geor" typeface="Sylfaen"/>
+      </a:majorFont>
+      <a:minorFont>
+        <a:latin typeface="Arial"/>
+        <a:ea typeface=""/>
+        <a:cs typeface=""/>
+        <a:font script="Jpan" typeface="ＭＳ Ｐゴシック"/>
+        <a:font script="Hang" typeface="맑은 고딕"/>
+        <a:font script="Hans" typeface="宋体"/>
+        <a:font script="Hant" typeface="新細明體"/>
+        <a:font script="Arab" typeface="Arial"/>
+        <a:font script="Hebr" typeface="Arial"/>
+        <a:font script="Thai" typeface="Cordia New"/>
+        <a:font script="Ethi" typeface="Nyala"/>
+        <a:font script="Beng" typeface="Vrinda"/>
+        <a:font script="Gujr" typeface="Shruti"/>
+        <a:font script="Khmr" typeface="DaunPenh"/>
+        <a:font script="Knda" typeface="Tunga"/>
+        <a:font script="Guru" typeface="Raavi"/>
+        <a:font script="Cans" typeface="Euphemia"/>
+        <a:font script="Cher" typeface="Plantagenet Cherokee"/>
+        <a:font script="Yiii" typeface="Microsoft Yi Baiti"/>
+        <a:font script="Tibt" typeface="Microsoft Himalaya"/>
+        <a:font script="Thaa" typeface="MV Boli"/>
+        <a:font script="Deva" typeface="Mangal"/>
+        <a:font script="Telu" typeface="Gautami"/>
+        <a:font script="Taml" typeface="Latha"/>
+        <a:font script="Syrc" typeface="Estrangelo Edessa"/>
+        <a:font script="Orya" typeface="Kalinga"/>
+        <a:font script="Mlym" typeface="Kartika"/>
+        <a:font script="Laoo" typeface="DokChampa"/>
+        <a:font script="Sinh" typeface="Iskoola Pota"/>
+        <a:font script="Mong" typeface="Mongolian Baiti"/>
+        <a:font script="Viet" typeface="Arial"/>
+        <a:font script="Uigh" typeface="Microsoft Uighur"/>
+        <a:font script="Geor" typeface="Sylfaen"/>
+      </a:minorFont>
+    </a:fontScheme>
+    <a:fmtScheme name="Office">
+      <a:fillStyleLst>
+        <a:solidFill>
+          <a:schemeClr val="phClr"/>
+        </a:solidFill>
+        <a:gradFill rotWithShape="1">
+          <a:gsLst>
+            <a:gs pos="0">
+              <a:schemeClr val="phClr">
+                <a:tint val="50000"/>
+                <a:satMod val="300000"/>
+              </a:schemeClr>
+            </a:gs>
+            <a:gs pos="35000">
+              <a:schemeClr val="phClr">
+                <a:tint val="37000"/>
+                <a:satMod val="300000"/>
+              </a:schemeClr>
+            </a:gs>
+            <a:gs pos="100000">
+              <a:schemeClr val="phClr">
+                <a:tint val="15000"/>
+                <a:satMod val="350000"/>
+              </a:schemeClr>
+            </a:gs>
+          </a:gsLst>
+          <a:lin ang="16200000" scaled="1"/>
+        </a:gradFill>
+        <a:gradFill rotWithShape="1">
+          <a:gsLst>
+            <a:gs pos="0">
+              <a:schemeClr val="phClr">
+                <a:tint val="100000"/>
+                <a:shade val="100000"/>
+                <a:satMod val="130000"/>
+              </a:schemeClr>
+            </a:gs>
+            <a:gs pos="100000">
+              <a:schemeClr val="phClr">
+                <a:tint val="50000"/>
+                <a:shade val="100000"/>
+                <a:satMod val="350000"/>
+              </a:schemeClr>
+            </a:gs>
+          </a:gsLst>
+          <a:lin ang="16200000" scaled="0"/>
+        </a:gradFill>
+      </a:fillStyleLst>
+      <a:lnStyleLst>
+        <a:ln w="9525" cap="flat" cmpd="sng" algn="ctr">
+          <a:solidFill>
+            <a:schemeClr val="phClr">
+              <a:shade val="95000"/>
+              <a:satMod val="105000"/>
+            </a:schemeClr>
+          </a:solidFill>
+          <a:prstDash val="solid"/>
+        </a:ln>
+        <a:ln w="25400" cap="flat" cmpd="sng" algn="ctr">
+          <a:solidFill>
+            <a:schemeClr val="phClr"/>
+          </a:solidFill>
+          <a:prstDash val="solid"/>
+        </a:ln>
+        <a:ln w="38100" cap="flat" cmpd="sng" algn="ctr">
+          <a:solidFill>
+            <a:schemeClr val="phClr"/>
+          </a:solidFill>
+          <a:prstDash val="solid"/>
+        </a:ln>
+      </a:lnStyleLst>
+      <a:effectStyleLst>
+        <a:effectStyle>
+          <a:effectLst>
+            <a:outerShdw blurRad="40000" dist="20000" dir="5400000" rotWithShape="0">
+              <a:srgbClr val="000000">
+                <a:alpha val="38000"/>
+              </a:srgbClr>
+            </a:outerShdw>
+          </a:effectLst>
+        </a:effectStyle>
+        <a:effectStyle>
+          <a:effectLst>
+            <a:outerShdw blurRad="40000" dist="23000" dir="5400000" rotWithShape="0">
+              <a:srgbClr val="000000">
+                <a:alpha val="35000"/>
+              </a:srgbClr>
+            </a:outerShdw>
+          </a:effectLst>
+        </a:effectStyle>
+        <a:effectStyle>
+          <a:effectLst>
+            <a:outerShdw blurRad="40000" dist="23000" dir="5400000" rotWithShape="0">
+              <a:srgbClr val="000000">
+                <a:alpha val="35000"/>
+              </a:srgbClr>
+            </a:outerShdw>
+          </a:effectLst>
+          <a:scene3d>
+            <a:camera prst="orthographicFront">
+              <a:rot lat="0" lon="0" rev="0"/>
+            </a:camera>
+            <a:lightRig rig="threePt" dir="t">
+              <a:rot lat="0" lon="0" rev="1200000"/>
+            </a:lightRig>
+          </a:scene3d>
+          <a:sp3d>
+            <a:bevelT w="63500" h="25400"/>
+          </a:sp3d>
+        </a:effectStyle>
+      </a:effectStyleLst>
+      <a:bgFillStyleLst>
+        <a:solidFill>
+          <a:schemeClr val="phClr"/>
+        </a:solidFill>
+        <a:gradFill rotWithShape="1">
+          <a:gsLst>
+            <a:gs pos="0">
+              <a:schemeClr val="phClr">
+                <a:tint val="40000"/>
+                <a:satMod val="350000"/>
+              </a:schemeClr>
+            </a:gs>
+            <a:gs pos="40000">
+              <a:schemeClr val="phClr">
+                <a:tint val="45000"/>
+                <a:shade val="99000"/>
+                <a:satMod val="350000"/>
+              </a:schemeClr>
+            </a:gs>
+            <a:gs pos="100000">
+              <a:schemeClr val="phClr">
+                <a:shade val="20000"/>
+                <a:satMod val="255000"/>
+              </a:schemeClr>
+            </a:gs>
+          </a:gsLst>
+          <a:path path="circle">
+            <a:fillToRect l="50000" t="-80000" r="50000" b="180000"/>
+          </a:path>
+        </a:gradFill>
+        <a:gradFill rotWithShape="1">
+          <a:gsLst>
+            <a:gs pos="0">
+              <a:schemeClr val="phClr">
+                <a:tint val="80000"/>
+                <a:satMod val="300000"/>
+              </a:schemeClr>
+            </a:gs>
+            <a:gs pos="100000">
+              <a:schemeClr val="phClr">
+                <a:shade val="30000"/>
+                <a:satMod val="200000"/>
+              </a:schemeClr>
+            </a:gs>
+          </a:gsLst>
+          <a:path path="circle">
+            <a:fillToRect l="50000" t="50000" r="50000" b="50000"/>
+          </a:path>
+        </a:gradFill>
+      </a:bgFillStyleLst>
+    </a:fmtScheme>
+  </a:themeElements>
+  <a:extLst>
+    <a:ext uri="{05A4C25C-085E-4340-85A3-A5531E510DB2}">
+      <thm15:themeFamily xmlns:thm15="http://schemas.microsoft.com/office/thememl/2012/main" name="Office Theme" id="{62F939B6-93AF-4DB8-9C6B-D6C7DFDC589F}" vid="{4A3C46E8-61CC-4603-A589-7422A47A8E4A}"/>
+    </a:ext>
+  </a:extLst>
+</a:theme>
+</file>
+
+<file path=ppt/theme/theme2.xml><?xml version="1.0" encoding="utf-8"?>
+<a:theme xmlns:a="http://schemas.openxmlformats.org/drawingml/2006/main">
   <a:themeElements>
     <a:clrScheme name="Default">
       <a:dk1>
@@ -10088,284 +10090,10 @@
       </a:bgFillStyleLst>
     </a:fmtScheme>
   </a:themeElements>
-</a:theme>
-</file>
-
-<file path=ppt/theme/theme2.xml><?xml version="1.0" encoding="utf-8"?>
-<a:theme xmlns:a="http://schemas.openxmlformats.org/drawingml/2006/main" xmlns:r="http://schemas.openxmlformats.org/officeDocument/2006/relationships" name="Shift">
-  <a:themeElements>
-    <a:clrScheme name="Shift">
-      <a:dk1>
-        <a:srgbClr val="FFFFFF"/>
-      </a:dk1>
-      <a:lt1>
-        <a:srgbClr val="AF7B51"/>
-      </a:lt1>
-      <a:dk2>
-        <a:srgbClr val="233A44"/>
-      </a:dk2>
-      <a:lt2>
-        <a:srgbClr val="D9D9D9"/>
-      </a:lt2>
-      <a:accent1>
-        <a:srgbClr val="00796B"/>
-      </a:accent1>
-      <a:accent2>
-        <a:srgbClr val="D9563F"/>
-      </a:accent2>
-      <a:accent3>
-        <a:srgbClr val="C4A15A"/>
-      </a:accent3>
-      <a:accent4>
-        <a:srgbClr val="14F597"/>
-      </a:accent4>
-      <a:accent5>
-        <a:srgbClr val="3D4594"/>
-      </a:accent5>
-      <a:accent6>
-        <a:srgbClr val="163EF5"/>
-      </a:accent6>
-      <a:hlink>
-        <a:srgbClr val="3D4594"/>
-      </a:hlink>
-      <a:folHlink>
-        <a:srgbClr val="3D4594"/>
-      </a:folHlink>
-    </a:clrScheme>
-    <a:fontScheme name="Office">
-      <a:majorFont>
-        <a:latin typeface="Arial"/>
-        <a:ea typeface=""/>
-        <a:cs typeface=""/>
-        <a:font script="Jpan" typeface="ＭＳ Ｐゴシック"/>
-        <a:font script="Hang" typeface="맑은 고딕"/>
-        <a:font script="Hans" typeface="宋体"/>
-        <a:font script="Hant" typeface="新細明體"/>
-        <a:font script="Arab" typeface="Times New Roman"/>
-        <a:font script="Hebr" typeface="Times New Roman"/>
-        <a:font script="Thai" typeface="Angsana New"/>
-        <a:font script="Ethi" typeface="Nyala"/>
-        <a:font script="Beng" typeface="Vrinda"/>
-        <a:font script="Gujr" typeface="Shruti"/>
-        <a:font script="Khmr" typeface="MoolBoran"/>
-        <a:font script="Knda" typeface="Tunga"/>
-        <a:font script="Guru" typeface="Raavi"/>
-        <a:font script="Cans" typeface="Euphemia"/>
-        <a:font script="Cher" typeface="Plantagenet Cherokee"/>
-        <a:font script="Yiii" typeface="Microsoft Yi Baiti"/>
-        <a:font script="Tibt" typeface="Microsoft Himalaya"/>
-        <a:font script="Thaa" typeface="MV Boli"/>
-        <a:font script="Deva" typeface="Mangal"/>
-        <a:font script="Telu" typeface="Gautami"/>
-        <a:font script="Taml" typeface="Latha"/>
-        <a:font script="Syrc" typeface="Estrangelo Edessa"/>
-        <a:font script="Orya" typeface="Kalinga"/>
-        <a:font script="Mlym" typeface="Kartika"/>
-        <a:font script="Laoo" typeface="DokChampa"/>
-        <a:font script="Sinh" typeface="Iskoola Pota"/>
-        <a:font script="Mong" typeface="Mongolian Baiti"/>
-        <a:font script="Viet" typeface="Times New Roman"/>
-        <a:font script="Uigh" typeface="Microsoft Uighur"/>
-        <a:font script="Geor" typeface="Sylfaen"/>
-      </a:majorFont>
-      <a:minorFont>
-        <a:latin typeface="Arial"/>
-        <a:ea typeface=""/>
-        <a:cs typeface=""/>
-        <a:font script="Jpan" typeface="ＭＳ Ｐゴシック"/>
-        <a:font script="Hang" typeface="맑은 고딕"/>
-        <a:font script="Hans" typeface="宋体"/>
-        <a:font script="Hant" typeface="新細明體"/>
-        <a:font script="Arab" typeface="Arial"/>
-        <a:font script="Hebr" typeface="Arial"/>
-        <a:font script="Thai" typeface="Cordia New"/>
-        <a:font script="Ethi" typeface="Nyala"/>
-        <a:font script="Beng" typeface="Vrinda"/>
-        <a:font script="Gujr" typeface="Shruti"/>
-        <a:font script="Khmr" typeface="DaunPenh"/>
-        <a:font script="Knda" typeface="Tunga"/>
-        <a:font script="Guru" typeface="Raavi"/>
-        <a:font script="Cans" typeface="Euphemia"/>
-        <a:font script="Cher" typeface="Plantagenet Cherokee"/>
-        <a:font script="Yiii" typeface="Microsoft Yi Baiti"/>
-        <a:font script="Tibt" typeface="Microsoft Himalaya"/>
-        <a:font script="Thaa" typeface="MV Boli"/>
-        <a:font script="Deva" typeface="Mangal"/>
-        <a:font script="Telu" typeface="Gautami"/>
-        <a:font script="Taml" typeface="Latha"/>
-        <a:font script="Syrc" typeface="Estrangelo Edessa"/>
-        <a:font script="Orya" typeface="Kalinga"/>
-        <a:font script="Mlym" typeface="Kartika"/>
-        <a:font script="Laoo" typeface="DokChampa"/>
-        <a:font script="Sinh" typeface="Iskoola Pota"/>
-        <a:font script="Mong" typeface="Mongolian Baiti"/>
-        <a:font script="Viet" typeface="Arial"/>
-        <a:font script="Uigh" typeface="Microsoft Uighur"/>
-        <a:font script="Geor" typeface="Sylfaen"/>
-      </a:minorFont>
-    </a:fontScheme>
-    <a:fmtScheme name="Office">
-      <a:fillStyleLst>
-        <a:solidFill>
-          <a:schemeClr val="phClr"/>
-        </a:solidFill>
-        <a:gradFill rotWithShape="1">
-          <a:gsLst>
-            <a:gs pos="0">
-              <a:schemeClr val="phClr">
-                <a:tint val="50000"/>
-                <a:satMod val="300000"/>
-              </a:schemeClr>
-            </a:gs>
-            <a:gs pos="35000">
-              <a:schemeClr val="phClr">
-                <a:tint val="37000"/>
-                <a:satMod val="300000"/>
-              </a:schemeClr>
-            </a:gs>
-            <a:gs pos="100000">
-              <a:schemeClr val="phClr">
-                <a:tint val="15000"/>
-                <a:satMod val="350000"/>
-              </a:schemeClr>
-            </a:gs>
-          </a:gsLst>
-          <a:lin ang="16200000" scaled="1"/>
-        </a:gradFill>
-        <a:gradFill rotWithShape="1">
-          <a:gsLst>
-            <a:gs pos="0">
-              <a:schemeClr val="phClr">
-                <a:tint val="100000"/>
-                <a:shade val="100000"/>
-                <a:satMod val="130000"/>
-              </a:schemeClr>
-            </a:gs>
-            <a:gs pos="100000">
-              <a:schemeClr val="phClr">
-                <a:tint val="50000"/>
-                <a:shade val="100000"/>
-                <a:satMod val="350000"/>
-              </a:schemeClr>
-            </a:gs>
-          </a:gsLst>
-          <a:lin ang="16200000" scaled="0"/>
-        </a:gradFill>
-      </a:fillStyleLst>
-      <a:lnStyleLst>
-        <a:ln w="9525" cap="flat" cmpd="sng" algn="ctr">
-          <a:solidFill>
-            <a:schemeClr val="phClr">
-              <a:shade val="95000"/>
-              <a:satMod val="105000"/>
-            </a:schemeClr>
-          </a:solidFill>
-          <a:prstDash val="solid"/>
-        </a:ln>
-        <a:ln w="25400" cap="flat" cmpd="sng" algn="ctr">
-          <a:solidFill>
-            <a:schemeClr val="phClr"/>
-          </a:solidFill>
-          <a:prstDash val="solid"/>
-        </a:ln>
-        <a:ln w="38100" cap="flat" cmpd="sng" algn="ctr">
-          <a:solidFill>
-            <a:schemeClr val="phClr"/>
-          </a:solidFill>
-          <a:prstDash val="solid"/>
-        </a:ln>
-      </a:lnStyleLst>
-      <a:effectStyleLst>
-        <a:effectStyle>
-          <a:effectLst>
-            <a:outerShdw blurRad="40000" dist="20000" dir="5400000" rotWithShape="0">
-              <a:srgbClr val="000000">
-                <a:alpha val="38000"/>
-              </a:srgbClr>
-            </a:outerShdw>
-          </a:effectLst>
-        </a:effectStyle>
-        <a:effectStyle>
-          <a:effectLst>
-            <a:outerShdw blurRad="40000" dist="23000" dir="5400000" rotWithShape="0">
-              <a:srgbClr val="000000">
-                <a:alpha val="35000"/>
-              </a:srgbClr>
-            </a:outerShdw>
-          </a:effectLst>
-        </a:effectStyle>
-        <a:effectStyle>
-          <a:effectLst>
-            <a:outerShdw blurRad="40000" dist="23000" dir="5400000" rotWithShape="0">
-              <a:srgbClr val="000000">
-                <a:alpha val="35000"/>
-              </a:srgbClr>
-            </a:outerShdw>
-          </a:effectLst>
-          <a:scene3d>
-            <a:camera prst="orthographicFront">
-              <a:rot lat="0" lon="0" rev="0"/>
-            </a:camera>
-            <a:lightRig rig="threePt" dir="t">
-              <a:rot lat="0" lon="0" rev="1200000"/>
-            </a:lightRig>
-          </a:scene3d>
-          <a:sp3d>
-            <a:bevelT w="63500" h="25400"/>
-          </a:sp3d>
-        </a:effectStyle>
-      </a:effectStyleLst>
-      <a:bgFillStyleLst>
-        <a:solidFill>
-          <a:schemeClr val="phClr"/>
-        </a:solidFill>
-        <a:gradFill rotWithShape="1">
-          <a:gsLst>
-            <a:gs pos="0">
-              <a:schemeClr val="phClr">
-                <a:tint val="40000"/>
-                <a:satMod val="350000"/>
-              </a:schemeClr>
-            </a:gs>
-            <a:gs pos="40000">
-              <a:schemeClr val="phClr">
-                <a:tint val="45000"/>
-                <a:shade val="99000"/>
-                <a:satMod val="350000"/>
-              </a:schemeClr>
-            </a:gs>
-            <a:gs pos="100000">
-              <a:schemeClr val="phClr">
-                <a:shade val="20000"/>
-                <a:satMod val="255000"/>
-              </a:schemeClr>
-            </a:gs>
-          </a:gsLst>
-          <a:path path="circle">
-            <a:fillToRect l="50000" t="-80000" r="50000" b="180000"/>
-          </a:path>
-        </a:gradFill>
-        <a:gradFill rotWithShape="1">
-          <a:gsLst>
-            <a:gs pos="0">
-              <a:schemeClr val="phClr">
-                <a:tint val="80000"/>
-                <a:satMod val="300000"/>
-              </a:schemeClr>
-            </a:gs>
-            <a:gs pos="100000">
-              <a:schemeClr val="phClr">
-                <a:shade val="30000"/>
-                <a:satMod val="200000"/>
-              </a:schemeClr>
-            </a:gs>
-          </a:gsLst>
-          <a:path path="circle">
-            <a:fillToRect l="50000" t="50000" r="50000" b="50000"/>
-          </a:path>
-        </a:gradFill>
-      </a:bgFillStyleLst>
-    </a:fmtScheme>
-  </a:themeElements>
+  <a:extLst>
+    <a:ext uri="{05A4C25C-085E-4340-85A3-A5531E510DB2}">
+      <thm15:themeFamily xmlns:thm15="http://schemas.microsoft.com/office/thememl/2012/main" name="Office Theme" id="{62F939B6-93AF-4DB8-9C6B-D6C7DFDC589F}" vid="{4A3C46E8-61CC-4603-A589-7422A47A8E4A}"/>
+    </a:ext>
+  </a:extLst>
 </a:theme>
 </file>